--- a/AIE_Presentations/Retrieval_Augmented_Generation_Presentation.pptx
+++ b/AIE_Presentations/Retrieval_Augmented_Generation_Presentation.pptx
@@ -5,7 +5,7 @@
     <p:sldMasterId id="2147483648" r:id="rId1"/>
   </p:sldMasterIdLst>
   <p:notesMasterIdLst>
-    <p:notesMasterId r:id="rId15"/>
+    <p:notesMasterId r:id="rId13"/>
   </p:notesMasterIdLst>
   <p:sldIdLst>
     <p:sldId id="256" r:id="rId2"/>
@@ -13,14 +13,12 @@
     <p:sldId id="258" r:id="rId4"/>
     <p:sldId id="266" r:id="rId5"/>
     <p:sldId id="259" r:id="rId6"/>
-    <p:sldId id="267" r:id="rId7"/>
-    <p:sldId id="260" r:id="rId8"/>
-    <p:sldId id="268" r:id="rId9"/>
-    <p:sldId id="269" r:id="rId10"/>
-    <p:sldId id="262" r:id="rId11"/>
-    <p:sldId id="263" r:id="rId12"/>
-    <p:sldId id="264" r:id="rId13"/>
-    <p:sldId id="265" r:id="rId14"/>
+    <p:sldId id="268" r:id="rId7"/>
+    <p:sldId id="269" r:id="rId8"/>
+    <p:sldId id="262" r:id="rId9"/>
+    <p:sldId id="263" r:id="rId10"/>
+    <p:sldId id="264" r:id="rId11"/>
+    <p:sldId id="265" r:id="rId12"/>
   </p:sldIdLst>
   <p:sldSz cx="9144000" cy="6858000" type="screen4x3"/>
   <p:notesSz cx="6858000" cy="9144000"/>
@@ -138,14 +136,6 @@
 </p:presentation>
 </file>
 
-<file path=ppt/revisionInfo.xml><?xml version="1.0" encoding="utf-8"?>
-<p1510:revInfo xmlns:a="http://schemas.openxmlformats.org/drawingml/2006/main" xmlns:r="http://schemas.openxmlformats.org/officeDocument/2006/relationships" xmlns:p1510="http://schemas.microsoft.com/office/powerpoint/2015/10/main">
-  <p1510:revLst>
-    <p1510:client id="{408A91F2-B5FA-4A96-8692-04E0BC29A9E3}" v="1" dt="2025-05-31T17:20:34.454"/>
-  </p1510:revLst>
-</p1510:revInfo>
-</file>
-
 <file path=ppt/changesInfos/changesInfo1.xml><?xml version="1.0" encoding="utf-8"?>
 <pc:chgInfo xmlns:a="http://schemas.openxmlformats.org/drawingml/2006/main" xmlns:r="http://schemas.openxmlformats.org/officeDocument/2006/relationships" xmlns:ac="http://schemas.microsoft.com/office/drawing/2013/main/command" xmlns:pc="http://schemas.microsoft.com/office/powerpoint/2013/main/command">
   <pc:docChgLst>
@@ -244,6 +234,29 @@
         <pc:sldMkLst>
           <pc:docMk/>
           <pc:sldMk cId="677064844" sldId="269"/>
+        </pc:sldMkLst>
+      </pc:sldChg>
+    </pc:docChg>
+  </pc:docChgLst>
+  <pc:docChgLst>
+    <pc:chgData name="Myers, Chelsea" userId="f282533b-c263-466c-86f9-3d67bd04ab31" providerId="ADAL" clId="{1E82D8ED-C9B3-4C8B-A95F-9CD17506E75D}"/>
+    <pc:docChg chg="delSld">
+      <pc:chgData name="Myers, Chelsea" userId="f282533b-c263-466c-86f9-3d67bd04ab31" providerId="ADAL" clId="{1E82D8ED-C9B3-4C8B-A95F-9CD17506E75D}" dt="2025-08-29T20:33:13.487" v="1" actId="2696"/>
+      <pc:docMkLst>
+        <pc:docMk/>
+      </pc:docMkLst>
+      <pc:sldChg chg="del">
+        <pc:chgData name="Myers, Chelsea" userId="f282533b-c263-466c-86f9-3d67bd04ab31" providerId="ADAL" clId="{1E82D8ED-C9B3-4C8B-A95F-9CD17506E75D}" dt="2025-08-29T20:33:13.487" v="1" actId="2696"/>
+        <pc:sldMkLst>
+          <pc:docMk/>
+          <pc:sldMk cId="0" sldId="260"/>
+        </pc:sldMkLst>
+      </pc:sldChg>
+      <pc:sldChg chg="del">
+        <pc:chgData name="Myers, Chelsea" userId="f282533b-c263-466c-86f9-3d67bd04ab31" providerId="ADAL" clId="{1E82D8ED-C9B3-4C8B-A95F-9CD17506E75D}" dt="2025-08-29T20:33:05.865" v="0" actId="2696"/>
+        <pc:sldMkLst>
+          <pc:docMk/>
+          <pc:sldMk cId="2410568824" sldId="267"/>
         </pc:sldMkLst>
       </pc:sldChg>
     </pc:docChg>
@@ -473,7 +486,7 @@
           <a:p>
             <a:fld id="{5B8FABF0-2D3B-4C2A-B931-FC211D7CD9E5}" type="datetimeFigureOut">
               <a:rPr lang="en-US" smtClean="0"/>
-              <a:t>5/31/2025</a:t>
+              <a:t>8/29/2025</a:t>
             </a:fld>
             <a:endParaRPr lang="en-US"/>
           </a:p>
@@ -850,228 +863,6 @@
 </p:notes>
 </file>
 
-<file path=ppt/notesSlides/notesSlide10.xml><?xml version="1.0" encoding="utf-8"?>
-<p:notes xmlns:a="http://schemas.openxmlformats.org/drawingml/2006/main" xmlns:r="http://schemas.openxmlformats.org/officeDocument/2006/relationships" xmlns:p="http://schemas.openxmlformats.org/presentationml/2006/main">
-  <p:cSld>
-    <p:spTree>
-      <p:nvGrpSpPr>
-        <p:cNvPr id="1" name="">
-          <a:extLst>
-            <a:ext uri="{FF2B5EF4-FFF2-40B4-BE49-F238E27FC236}">
-              <a16:creationId xmlns:a16="http://schemas.microsoft.com/office/drawing/2014/main" id="{99A9C3E2-41B7-1287-9622-E0BC2C0B6480}"/>
-            </a:ext>
-          </a:extLst>
-        </p:cNvPr>
-        <p:cNvGrpSpPr/>
-        <p:nvPr/>
-      </p:nvGrpSpPr>
-      <p:grpSpPr>
-        <a:xfrm>
-          <a:off x="0" y="0"/>
-          <a:ext cx="0" cy="0"/>
-          <a:chOff x="0" y="0"/>
-          <a:chExt cx="0" cy="0"/>
-        </a:xfrm>
-      </p:grpSpPr>
-      <p:sp>
-        <p:nvSpPr>
-          <p:cNvPr id="2" name="Slide Image Placeholder 1">
-            <a:extLst>
-              <a:ext uri="{FF2B5EF4-FFF2-40B4-BE49-F238E27FC236}">
-                <a16:creationId xmlns:a16="http://schemas.microsoft.com/office/drawing/2014/main" id="{BBD0DFBD-3CF1-FB7C-7D67-93F30B15C1E5}"/>
-              </a:ext>
-            </a:extLst>
-          </p:cNvPr>
-          <p:cNvSpPr>
-            <a:spLocks noGrp="1" noRot="1" noChangeAspect="1"/>
-          </p:cNvSpPr>
-          <p:nvPr>
-            <p:ph type="sldImg"/>
-          </p:nvPr>
-        </p:nvSpPr>
-        <p:spPr/>
-      </p:sp>
-      <p:sp>
-        <p:nvSpPr>
-          <p:cNvPr id="3" name="Notes Placeholder 2">
-            <a:extLst>
-              <a:ext uri="{FF2B5EF4-FFF2-40B4-BE49-F238E27FC236}">
-                <a16:creationId xmlns:a16="http://schemas.microsoft.com/office/drawing/2014/main" id="{0FCFA752-D527-CCC1-CA14-24490374553D}"/>
-              </a:ext>
-            </a:extLst>
-          </p:cNvPr>
-          <p:cNvSpPr>
-            <a:spLocks noGrp="1"/>
-          </p:cNvSpPr>
-          <p:nvPr>
-            <p:ph type="body" idx="1"/>
-          </p:nvPr>
-        </p:nvSpPr>
-        <p:spPr/>
-        <p:txBody>
-          <a:bodyPr/>
-          <a:lstStyle/>
-          <a:p>
-            <a:r>
-              <a:rPr lang="en-US" dirty="0"/>
-              <a:t>Managing retrieval errors is a critical challenge in RAG systems. If the retrieval model returns irrelevant or low-quality documents, the generative model’s output can be inaccurate or misleading. For instance, in a healthcare application, incorrect retrieval could lead to flawed medical advice. Addressing this involves fine-tuning retrieval algorithms, incorporating feedback loops, and using human-in-the-loop systems to validate critical outputs.</a:t>
-            </a:r>
-          </a:p>
-        </p:txBody>
-      </p:sp>
-      <p:sp>
-        <p:nvSpPr>
-          <p:cNvPr id="4" name="Slide Number Placeholder 3">
-            <a:extLst>
-              <a:ext uri="{FF2B5EF4-FFF2-40B4-BE49-F238E27FC236}">
-                <a16:creationId xmlns:a16="http://schemas.microsoft.com/office/drawing/2014/main" id="{588C9101-EEDF-9318-8703-5F1C9CA88170}"/>
-              </a:ext>
-            </a:extLst>
-          </p:cNvPr>
-          <p:cNvSpPr>
-            <a:spLocks noGrp="1"/>
-          </p:cNvSpPr>
-          <p:nvPr>
-            <p:ph type="sldNum" sz="quarter" idx="5"/>
-          </p:nvPr>
-        </p:nvSpPr>
-        <p:spPr/>
-        <p:txBody>
-          <a:bodyPr/>
-          <a:lstStyle/>
-          <a:p>
-            <a:fld id="{B6A8E4B0-7F7F-47AF-AEFF-ABF7BD7DBEE6}" type="slidenum">
-              <a:rPr lang="en-US" smtClean="0"/>
-              <a:t>12</a:t>
-            </a:fld>
-            <a:endParaRPr lang="en-US"/>
-          </a:p>
-        </p:txBody>
-      </p:sp>
-    </p:spTree>
-    <p:extLst>
-      <p:ext uri="{BB962C8B-B14F-4D97-AF65-F5344CB8AC3E}">
-        <p14:creationId xmlns:p14="http://schemas.microsoft.com/office/powerpoint/2010/main" val="450376624"/>
-      </p:ext>
-    </p:extLst>
-  </p:cSld>
-  <p:clrMapOvr>
-    <a:masterClrMapping/>
-  </p:clrMapOvr>
-</p:notes>
-</file>
-
-<file path=ppt/notesSlides/notesSlide11.xml><?xml version="1.0" encoding="utf-8"?>
-<p:notes xmlns:a="http://schemas.openxmlformats.org/drawingml/2006/main" xmlns:r="http://schemas.openxmlformats.org/officeDocument/2006/relationships" xmlns:p="http://schemas.openxmlformats.org/presentationml/2006/main">
-  <p:cSld>
-    <p:spTree>
-      <p:nvGrpSpPr>
-        <p:cNvPr id="1" name="">
-          <a:extLst>
-            <a:ext uri="{FF2B5EF4-FFF2-40B4-BE49-F238E27FC236}">
-              <a16:creationId xmlns:a16="http://schemas.microsoft.com/office/drawing/2014/main" id="{48D5AEAA-64D1-B787-BD9A-06A1C01EB210}"/>
-            </a:ext>
-          </a:extLst>
-        </p:cNvPr>
-        <p:cNvGrpSpPr/>
-        <p:nvPr/>
-      </p:nvGrpSpPr>
-      <p:grpSpPr>
-        <a:xfrm>
-          <a:off x="0" y="0"/>
-          <a:ext cx="0" cy="0"/>
-          <a:chOff x="0" y="0"/>
-          <a:chExt cx="0" cy="0"/>
-        </a:xfrm>
-      </p:grpSpPr>
-      <p:sp>
-        <p:nvSpPr>
-          <p:cNvPr id="2" name="Slide Image Placeholder 1">
-            <a:extLst>
-              <a:ext uri="{FF2B5EF4-FFF2-40B4-BE49-F238E27FC236}">
-                <a16:creationId xmlns:a16="http://schemas.microsoft.com/office/drawing/2014/main" id="{A088364A-F423-E04D-6B8F-DDD391D8A51F}"/>
-              </a:ext>
-            </a:extLst>
-          </p:cNvPr>
-          <p:cNvSpPr>
-            <a:spLocks noGrp="1" noRot="1" noChangeAspect="1"/>
-          </p:cNvSpPr>
-          <p:nvPr>
-            <p:ph type="sldImg"/>
-          </p:nvPr>
-        </p:nvSpPr>
-        <p:spPr/>
-      </p:sp>
-      <p:sp>
-        <p:nvSpPr>
-          <p:cNvPr id="3" name="Notes Placeholder 2">
-            <a:extLst>
-              <a:ext uri="{FF2B5EF4-FFF2-40B4-BE49-F238E27FC236}">
-                <a16:creationId xmlns:a16="http://schemas.microsoft.com/office/drawing/2014/main" id="{AF0CC91E-6E54-2C61-3427-1F8294CD99EB}"/>
-              </a:ext>
-            </a:extLst>
-          </p:cNvPr>
-          <p:cNvSpPr>
-            <a:spLocks noGrp="1"/>
-          </p:cNvSpPr>
-          <p:nvPr>
-            <p:ph type="body" idx="1"/>
-          </p:nvPr>
-        </p:nvSpPr>
-        <p:spPr/>
-        <p:txBody>
-          <a:bodyPr/>
-          <a:lstStyle/>
-          <a:p>
-            <a:r>
-              <a:rPr lang="en-US" dirty="0"/>
-              <a:t>Discuss how RAG is evolving with trends like multimodal retrieval and explainable AI, which will make it more versatile and trustworthy in complex applications.</a:t>
-            </a:r>
-          </a:p>
-        </p:txBody>
-      </p:sp>
-      <p:sp>
-        <p:nvSpPr>
-          <p:cNvPr id="4" name="Slide Number Placeholder 3">
-            <a:extLst>
-              <a:ext uri="{FF2B5EF4-FFF2-40B4-BE49-F238E27FC236}">
-                <a16:creationId xmlns:a16="http://schemas.microsoft.com/office/drawing/2014/main" id="{3000A160-556B-32AF-A43C-50C72E9BCCAC}"/>
-              </a:ext>
-            </a:extLst>
-          </p:cNvPr>
-          <p:cNvSpPr>
-            <a:spLocks noGrp="1"/>
-          </p:cNvSpPr>
-          <p:nvPr>
-            <p:ph type="sldNum" sz="quarter" idx="5"/>
-          </p:nvPr>
-        </p:nvSpPr>
-        <p:spPr/>
-        <p:txBody>
-          <a:bodyPr/>
-          <a:lstStyle/>
-          <a:p>
-            <a:fld id="{B6A8E4B0-7F7F-47AF-AEFF-ABF7BD7DBEE6}" type="slidenum">
-              <a:rPr lang="en-US" smtClean="0"/>
-              <a:t>13</a:t>
-            </a:fld>
-            <a:endParaRPr lang="en-US"/>
-          </a:p>
-        </p:txBody>
-      </p:sp>
-    </p:spTree>
-    <p:extLst>
-      <p:ext uri="{BB962C8B-B14F-4D97-AF65-F5344CB8AC3E}">
-        <p14:creationId xmlns:p14="http://schemas.microsoft.com/office/powerpoint/2010/main" val="1149751102"/>
-      </p:ext>
-    </p:extLst>
-  </p:cSld>
-  <p:clrMapOvr>
-    <a:masterClrMapping/>
-  </p:clrMapOvr>
-</p:notes>
-</file>
-
 <file path=ppt/notesSlides/notesSlide2.xml><?xml version="1.0" encoding="utf-8"?>
 <p:notes xmlns:a="http://schemas.openxmlformats.org/drawingml/2006/main" xmlns:r="http://schemas.openxmlformats.org/officeDocument/2006/relationships" xmlns:p="http://schemas.openxmlformats.org/presentationml/2006/main">
   <p:cSld>
@@ -1283,452 +1074,6 @@
   <p:cSld>
     <p:spTree>
       <p:nvGrpSpPr>
-        <p:cNvPr id="1" name=""/>
-        <p:cNvGrpSpPr/>
-        <p:nvPr/>
-      </p:nvGrpSpPr>
-      <p:grpSpPr>
-        <a:xfrm>
-          <a:off x="0" y="0"/>
-          <a:ext cx="0" cy="0"/>
-          <a:chOff x="0" y="0"/>
-          <a:chExt cx="0" cy="0"/>
-        </a:xfrm>
-      </p:grpSpPr>
-      <p:sp>
-        <p:nvSpPr>
-          <p:cNvPr id="2" name="Slide Image Placeholder 1"/>
-          <p:cNvSpPr>
-            <a:spLocks noGrp="1" noRot="1" noChangeAspect="1"/>
-          </p:cNvSpPr>
-          <p:nvPr>
-            <p:ph type="sldImg"/>
-          </p:nvPr>
-        </p:nvSpPr>
-        <p:spPr/>
-      </p:sp>
-      <p:sp>
-        <p:nvSpPr>
-          <p:cNvPr id="3" name="Notes Placeholder 2"/>
-          <p:cNvSpPr>
-            <a:spLocks noGrp="1"/>
-          </p:cNvSpPr>
-          <p:nvPr>
-            <p:ph type="body" idx="1"/>
-          </p:nvPr>
-        </p:nvSpPr>
-        <p:spPr/>
-        <p:txBody>
-          <a:bodyPr/>
-          <a:lstStyle/>
-          <a:p>
-            <a:pPr algn="l"/>
-            <a:endParaRPr lang="en-US" b="0" i="0" dirty="0">
-              <a:solidFill>
-                <a:srgbClr val="000000"/>
-              </a:solidFill>
-              <a:effectLst/>
-              <a:latin typeface="__Inter_d65c78"/>
-            </a:endParaRPr>
-          </a:p>
-          <a:p>
-            <a:pPr algn="l"/>
-            <a:r>
-              <a:rPr lang="en-US" b="1" i="0" dirty="0">
-                <a:solidFill>
-                  <a:srgbClr val="000000"/>
-                </a:solidFill>
-                <a:effectLst/>
-                <a:latin typeface="__Inter_d65c78"/>
-              </a:rPr>
-              <a:t>Vector databases allow you to query data using natural language, which is ideal for chat interfaces.</a:t>
-            </a:r>
-          </a:p>
-          <a:p>
-            <a:pPr algn="l"/>
-            <a:endParaRPr lang="en-US" b="0" i="0" dirty="0">
-              <a:solidFill>
-                <a:srgbClr val="000000"/>
-              </a:solidFill>
-              <a:effectLst/>
-              <a:latin typeface="__Inter_d65c78"/>
-            </a:endParaRPr>
-          </a:p>
-          <a:p>
-            <a:pPr algn="l"/>
-            <a:r>
-              <a:rPr lang="en-US" b="0" i="0" dirty="0">
-                <a:solidFill>
-                  <a:srgbClr val="000000"/>
-                </a:solidFill>
-                <a:effectLst/>
-                <a:latin typeface="__Inter_d65c78"/>
-              </a:rPr>
-              <a:t>This diagram shows how you make a vector database from your domain-specific, proprietary data. To create your vector database, you convert your data into vectors by running it through an embedding model.</a:t>
-            </a:r>
-          </a:p>
-          <a:p>
-            <a:pPr algn="l"/>
-            <a:r>
-              <a:rPr lang="en-US" b="0" i="0" dirty="0">
-                <a:solidFill>
-                  <a:srgbClr val="000000"/>
-                </a:solidFill>
-                <a:effectLst/>
-                <a:latin typeface="__Inter_d65c78"/>
-                <a:hlinkClick r:id="rId3"/>
-              </a:rPr>
-              <a:t>An embedding model</a:t>
-            </a:r>
-            <a:r>
-              <a:rPr lang="en-US" b="0" i="0" dirty="0">
-                <a:solidFill>
-                  <a:srgbClr val="000000"/>
-                </a:solidFill>
-                <a:effectLst/>
-                <a:latin typeface="__Inter_d65c78"/>
-              </a:rPr>
-              <a:t> is a type of LLM that converts data into vectors: arrays, or groups, of numbers. In the above example, we’re converting user manuals containing the ground truth for operating the latest Volvo vehicle, but your data could be text, images, video, or audio.</a:t>
-            </a:r>
-          </a:p>
-          <a:p>
-            <a:pPr algn="l"/>
-            <a:endParaRPr lang="en-US" b="0" i="0" dirty="0">
-              <a:solidFill>
-                <a:srgbClr val="000000"/>
-              </a:solidFill>
-              <a:effectLst/>
-              <a:latin typeface="__Inter_d65c78"/>
-            </a:endParaRPr>
-          </a:p>
-          <a:p>
-            <a:pPr algn="l"/>
-            <a:r>
-              <a:rPr lang="en-US" b="1" i="0" dirty="0">
-                <a:solidFill>
-                  <a:srgbClr val="000000"/>
-                </a:solidFill>
-                <a:effectLst/>
-                <a:latin typeface="__Inter_d65c78"/>
-              </a:rPr>
-              <a:t>The most important thing to understand is that a vector represents the meaning of the input text, the same way another human would understand the essence if you spoke the text aloud. We convert our data to vectors so that computers can search for semantically similar items based on the numerical representation of the stored data.</a:t>
-            </a:r>
-          </a:p>
-          <a:p>
-            <a:pPr algn="l"/>
-            <a:endParaRPr lang="en-US" b="0" i="0" dirty="0">
-              <a:solidFill>
-                <a:srgbClr val="000000"/>
-              </a:solidFill>
-              <a:effectLst/>
-              <a:latin typeface="__Inter_d65c78"/>
-            </a:endParaRPr>
-          </a:p>
-          <a:p>
-            <a:pPr algn="l"/>
-            <a:r>
-              <a:rPr lang="en-US" b="0" i="0" dirty="0">
-                <a:solidFill>
-                  <a:srgbClr val="000000"/>
-                </a:solidFill>
-                <a:effectLst/>
-                <a:latin typeface="__Inter_d65c78"/>
-              </a:rPr>
-              <a:t>Next, you put the vectors into a vector database, like </a:t>
-            </a:r>
-            <a:r>
-              <a:rPr lang="en-US" b="0" i="0" dirty="0">
-                <a:solidFill>
-                  <a:srgbClr val="000000"/>
-                </a:solidFill>
-                <a:effectLst/>
-                <a:latin typeface="__Inter_d65c78"/>
-                <a:hlinkClick r:id="rId4"/>
-              </a:rPr>
-              <a:t>Pinecone</a:t>
-            </a:r>
-            <a:r>
-              <a:rPr lang="en-US" b="0" i="0" dirty="0">
-                <a:solidFill>
-                  <a:srgbClr val="000000"/>
-                </a:solidFill>
-                <a:effectLst/>
-                <a:latin typeface="__Inter_d65c78"/>
-              </a:rPr>
-              <a:t>. Pinecone’s vector database can search billions of items for similar matches in under a second.</a:t>
-            </a:r>
-          </a:p>
-          <a:p>
-            <a:pPr algn="l"/>
-            <a:endParaRPr lang="en-US" b="0" i="0" dirty="0">
-              <a:solidFill>
-                <a:srgbClr val="000000"/>
-              </a:solidFill>
-              <a:effectLst/>
-              <a:latin typeface="__Inter_d65c78"/>
-            </a:endParaRPr>
-          </a:p>
-          <a:p>
-            <a:pPr algn="l"/>
-            <a:r>
-              <a:rPr lang="en-US" b="0" i="0" dirty="0">
-                <a:solidFill>
-                  <a:srgbClr val="000000"/>
-                </a:solidFill>
-                <a:effectLst/>
-                <a:latin typeface="__Inter_d65c78"/>
-              </a:rPr>
-              <a:t>Remember that you can create vectors, ingest the vectors into the database, and update the index in real-time, solving the recency problem for the LLMs in your </a:t>
-            </a:r>
-            <a:r>
-              <a:rPr lang="en-US" b="0" i="0" dirty="0" err="1">
-                <a:solidFill>
-                  <a:srgbClr val="000000"/>
-                </a:solidFill>
-                <a:effectLst/>
-                <a:latin typeface="__Inter_d65c78"/>
-              </a:rPr>
-              <a:t>GenAI</a:t>
-            </a:r>
-            <a:r>
-              <a:rPr lang="en-US" b="0" i="0" dirty="0">
-                <a:solidFill>
-                  <a:srgbClr val="000000"/>
-                </a:solidFill>
-                <a:effectLst/>
-                <a:latin typeface="__Inter_d65c78"/>
-              </a:rPr>
-              <a:t> applications.</a:t>
-            </a:r>
-          </a:p>
-          <a:p>
-            <a:pPr algn="l"/>
-            <a:endParaRPr lang="en-US" b="0" i="0" dirty="0">
-              <a:solidFill>
-                <a:srgbClr val="000000"/>
-              </a:solidFill>
-              <a:effectLst/>
-              <a:latin typeface="__Inter_d65c78"/>
-            </a:endParaRPr>
-          </a:p>
-          <a:p>
-            <a:pPr algn="l"/>
-            <a:r>
-              <a:rPr lang="en-US" b="0" i="0" dirty="0">
-                <a:solidFill>
-                  <a:srgbClr val="000000"/>
-                </a:solidFill>
-                <a:effectLst/>
-                <a:latin typeface="__Inter_d65c78"/>
-              </a:rPr>
-              <a:t>For example, you can write code that automatically creates vectors for your latest product offering and then </a:t>
-            </a:r>
-            <a:r>
-              <a:rPr lang="en-US" b="0" i="0" dirty="0" err="1">
-                <a:solidFill>
-                  <a:srgbClr val="000000"/>
-                </a:solidFill>
-                <a:effectLst/>
-                <a:latin typeface="__Inter_d65c78"/>
-              </a:rPr>
-              <a:t>upserts</a:t>
-            </a:r>
-            <a:r>
-              <a:rPr lang="en-US" b="0" i="0" dirty="0">
-                <a:solidFill>
-                  <a:srgbClr val="000000"/>
-                </a:solidFill>
-                <a:effectLst/>
-                <a:latin typeface="__Inter_d65c78"/>
-              </a:rPr>
-              <a:t> them in your index each time you launch a new product. Your company’s support chatbot application can then use RAG to retrieve up-to-date information about product availability and data about the current customer it’s chatting with.</a:t>
-            </a:r>
-          </a:p>
-          <a:p>
-            <a:endParaRPr lang="en-US" dirty="0"/>
-          </a:p>
-        </p:txBody>
-      </p:sp>
-      <p:sp>
-        <p:nvSpPr>
-          <p:cNvPr id="4" name="Slide Number Placeholder 3"/>
-          <p:cNvSpPr>
-            <a:spLocks noGrp="1"/>
-          </p:cNvSpPr>
-          <p:nvPr>
-            <p:ph type="sldNum" sz="quarter" idx="5"/>
-          </p:nvPr>
-        </p:nvSpPr>
-        <p:spPr/>
-        <p:txBody>
-          <a:bodyPr/>
-          <a:lstStyle/>
-          <a:p>
-            <a:fld id="{B6A8E4B0-7F7F-47AF-AEFF-ABF7BD7DBEE6}" type="slidenum">
-              <a:rPr lang="en-US" smtClean="0"/>
-              <a:t>6</a:t>
-            </a:fld>
-            <a:endParaRPr lang="en-US"/>
-          </a:p>
-        </p:txBody>
-      </p:sp>
-    </p:spTree>
-    <p:extLst>
-      <p:ext uri="{BB962C8B-B14F-4D97-AF65-F5344CB8AC3E}">
-        <p14:creationId xmlns:p14="http://schemas.microsoft.com/office/powerpoint/2010/main" val="1655663632"/>
-      </p:ext>
-    </p:extLst>
-  </p:cSld>
-  <p:clrMapOvr>
-    <a:masterClrMapping/>
-  </p:clrMapOvr>
-</p:notes>
-</file>
-
-<file path=ppt/notesSlides/notesSlide5.xml><?xml version="1.0" encoding="utf-8"?>
-<p:notes xmlns:a="http://schemas.openxmlformats.org/drawingml/2006/main" xmlns:r="http://schemas.openxmlformats.org/officeDocument/2006/relationships" xmlns:p="http://schemas.openxmlformats.org/presentationml/2006/main">
-  <p:cSld>
-    <p:spTree>
-      <p:nvGrpSpPr>
-        <p:cNvPr id="1" name=""/>
-        <p:cNvGrpSpPr/>
-        <p:nvPr/>
-      </p:nvGrpSpPr>
-      <p:grpSpPr>
-        <a:xfrm>
-          <a:off x="0" y="0"/>
-          <a:ext cx="0" cy="0"/>
-          <a:chOff x="0" y="0"/>
-          <a:chExt cx="0" cy="0"/>
-        </a:xfrm>
-      </p:grpSpPr>
-      <p:sp>
-        <p:nvSpPr>
-          <p:cNvPr id="2" name="Slide Image Placeholder 1"/>
-          <p:cNvSpPr>
-            <a:spLocks noGrp="1" noRot="1" noChangeAspect="1"/>
-          </p:cNvSpPr>
-          <p:nvPr>
-            <p:ph type="sldImg"/>
-          </p:nvPr>
-        </p:nvSpPr>
-        <p:spPr/>
-      </p:sp>
-      <p:sp>
-        <p:nvSpPr>
-          <p:cNvPr id="3" name="Notes Placeholder 2"/>
-          <p:cNvSpPr>
-            <a:spLocks noGrp="1"/>
-          </p:cNvSpPr>
-          <p:nvPr>
-            <p:ph type="body" idx="1"/>
-          </p:nvPr>
-        </p:nvSpPr>
-        <p:spPr/>
-        <p:txBody>
-          <a:bodyPr/>
-          <a:lstStyle/>
-          <a:p>
-            <a:r>
-              <a:rPr lang="en-US" b="1" dirty="0"/>
-              <a:t>Speaker Notes:</a:t>
-            </a:r>
-            <a:r>
-              <a:rPr lang="en-US" dirty="0"/>
-              <a:t> Retrieval models form the backbone of the RAG system.</a:t>
-            </a:r>
-          </a:p>
-          <a:p>
-            <a:pPr>
-              <a:buFont typeface="Arial" panose="020B0604020202020204" pitchFamily="34" charset="0"/>
-              <a:buChar char="•"/>
-            </a:pPr>
-            <a:r>
-              <a:rPr lang="en-US" b="1" dirty="0"/>
-              <a:t>BM25:</a:t>
-            </a:r>
-            <a:r>
-              <a:rPr lang="en-US" dirty="0"/>
-              <a:t> A traditional algorithm that ranks documents based on term frequency and inverse document frequency, effective for keyword matching but limited in understanding semantics.</a:t>
-            </a:r>
-          </a:p>
-          <a:p>
-            <a:pPr>
-              <a:buFont typeface="Arial" panose="020B0604020202020204" pitchFamily="34" charset="0"/>
-              <a:buChar char="•"/>
-            </a:pPr>
-            <a:r>
-              <a:rPr lang="en-US" b="1" dirty="0"/>
-              <a:t>Dense Embeddings:</a:t>
-            </a:r>
-            <a:r>
-              <a:rPr lang="en-US" dirty="0"/>
-              <a:t> These are learned representations of text in a high-dimensional vector space, enabling semantic search by identifying documents with similar meanings, not just similar words.</a:t>
-            </a:r>
-          </a:p>
-          <a:p>
-            <a:pPr>
-              <a:buFont typeface="Arial" panose="020B0604020202020204" pitchFamily="34" charset="0"/>
-              <a:buChar char="•"/>
-            </a:pPr>
-            <a:r>
-              <a:rPr lang="en-US" b="1" dirty="0"/>
-              <a:t>Vector Databases:</a:t>
-            </a:r>
-            <a:r>
-              <a:rPr lang="en-US" dirty="0"/>
-              <a:t> These tools store dense embeddings and allow for efficient searching. Think of them like specialized libraries: instead of looking up a book by its exact title, you find books based on similar themes or concepts. Vector databases ensure the retrieval process is fast and relevant.</a:t>
-            </a:r>
-          </a:p>
-          <a:p>
-            <a:r>
-              <a:rPr lang="en-US" dirty="0"/>
-              <a:t>Knowledge graphs further enhance context by representing relationships between entities in a structured format. For example, a graph could link "apple" to "fruit" and "tech company" as distinct entities with unique attributes. This structured knowledge allows RAG systems to generate responses that are not only relevant but also enriched with contextual details.</a:t>
-            </a:r>
-          </a:p>
-        </p:txBody>
-      </p:sp>
-      <p:sp>
-        <p:nvSpPr>
-          <p:cNvPr id="4" name="Slide Number Placeholder 3"/>
-          <p:cNvSpPr>
-            <a:spLocks noGrp="1"/>
-          </p:cNvSpPr>
-          <p:nvPr>
-            <p:ph type="sldNum" sz="quarter" idx="5"/>
-          </p:nvPr>
-        </p:nvSpPr>
-        <p:spPr/>
-        <p:txBody>
-          <a:bodyPr/>
-          <a:lstStyle/>
-          <a:p>
-            <a:fld id="{B6A8E4B0-7F7F-47AF-AEFF-ABF7BD7DBEE6}" type="slidenum">
-              <a:rPr lang="en-US" smtClean="0"/>
-              <a:t>7</a:t>
-            </a:fld>
-            <a:endParaRPr lang="en-US"/>
-          </a:p>
-        </p:txBody>
-      </p:sp>
-    </p:spTree>
-    <p:extLst>
-      <p:ext uri="{BB962C8B-B14F-4D97-AF65-F5344CB8AC3E}">
-        <p14:creationId xmlns:p14="http://schemas.microsoft.com/office/powerpoint/2010/main" val="2555450905"/>
-      </p:ext>
-    </p:extLst>
-  </p:cSld>
-  <p:clrMapOvr>
-    <a:masterClrMapping/>
-  </p:clrMapOvr>
-</p:notes>
-</file>
-
-<file path=ppt/notesSlides/notesSlide6.xml><?xml version="1.0" encoding="utf-8"?>
-<p:notes xmlns:a="http://schemas.openxmlformats.org/drawingml/2006/main" xmlns:r="http://schemas.openxmlformats.org/officeDocument/2006/relationships" xmlns:p="http://schemas.openxmlformats.org/presentationml/2006/main">
-  <p:cSld>
-    <p:spTree>
-      <p:nvGrpSpPr>
         <p:cNvPr id="1" name="">
           <a:extLst>
             <a:ext uri="{FF2B5EF4-FFF2-40B4-BE49-F238E27FC236}">
@@ -1849,7 +1194,7 @@
           <a:p>
             <a:fld id="{B6A8E4B0-7F7F-47AF-AEFF-ABF7BD7DBEE6}" type="slidenum">
               <a:rPr lang="en-US" smtClean="0"/>
-              <a:t>8</a:t>
+              <a:t>6</a:t>
             </a:fld>
             <a:endParaRPr lang="en-US"/>
           </a:p>
@@ -1868,7 +1213,7 @@
 </p:notes>
 </file>
 
-<file path=ppt/notesSlides/notesSlide7.xml><?xml version="1.0" encoding="utf-8"?>
+<file path=ppt/notesSlides/notesSlide5.xml><?xml version="1.0" encoding="utf-8"?>
 <p:notes xmlns:a="http://schemas.openxmlformats.org/drawingml/2006/main" xmlns:r="http://schemas.openxmlformats.org/officeDocument/2006/relationships" xmlns:p="http://schemas.openxmlformats.org/presentationml/2006/main">
   <p:cSld>
     <p:spTree>
@@ -2037,7 +1382,7 @@
           <a:p>
             <a:fld id="{B6A8E4B0-7F7F-47AF-AEFF-ABF7BD7DBEE6}" type="slidenum">
               <a:rPr lang="en-US" smtClean="0"/>
-              <a:t>9</a:t>
+              <a:t>7</a:t>
             </a:fld>
             <a:endParaRPr lang="en-US"/>
           </a:p>
@@ -2056,7 +1401,7 @@
 </p:notes>
 </file>
 
-<file path=ppt/notesSlides/notesSlide8.xml><?xml version="1.0" encoding="utf-8"?>
+<file path=ppt/notesSlides/notesSlide6.xml><?xml version="1.0" encoding="utf-8"?>
 <p:notes xmlns:a="http://schemas.openxmlformats.org/drawingml/2006/main" xmlns:r="http://schemas.openxmlformats.org/officeDocument/2006/relationships" xmlns:p="http://schemas.openxmlformats.org/presentationml/2006/main">
   <p:cSld>
     <p:spTree>
@@ -2124,7 +1469,7 @@
           <a:p>
             <a:fld id="{B6A8E4B0-7F7F-47AF-AEFF-ABF7BD7DBEE6}" type="slidenum">
               <a:rPr lang="en-US" smtClean="0"/>
-              <a:t>10</a:t>
+              <a:t>8</a:t>
             </a:fld>
             <a:endParaRPr lang="en-US"/>
           </a:p>
@@ -2143,7 +1488,7 @@
 </p:notes>
 </file>
 
-<file path=ppt/notesSlides/notesSlide9.xml><?xml version="1.0" encoding="utf-8"?>
+<file path=ppt/notesSlides/notesSlide7.xml><?xml version="1.0" encoding="utf-8"?>
 <p:notes xmlns:a="http://schemas.openxmlformats.org/drawingml/2006/main" xmlns:r="http://schemas.openxmlformats.org/officeDocument/2006/relationships" xmlns:p="http://schemas.openxmlformats.org/presentationml/2006/main">
   <p:cSld>
     <p:spTree>
@@ -2211,7 +1556,7 @@
           <a:p>
             <a:fld id="{B6A8E4B0-7F7F-47AF-AEFF-ABF7BD7DBEE6}" type="slidenum">
               <a:rPr lang="en-US" smtClean="0"/>
-              <a:t>11</a:t>
+              <a:t>9</a:t>
             </a:fld>
             <a:endParaRPr lang="en-US"/>
           </a:p>
@@ -2221,6 +1566,228 @@
     <p:extLst>
       <p:ext uri="{BB962C8B-B14F-4D97-AF65-F5344CB8AC3E}">
         <p14:creationId xmlns:p14="http://schemas.microsoft.com/office/powerpoint/2010/main" val="2353083496"/>
+      </p:ext>
+    </p:extLst>
+  </p:cSld>
+  <p:clrMapOvr>
+    <a:masterClrMapping/>
+  </p:clrMapOvr>
+</p:notes>
+</file>
+
+<file path=ppt/notesSlides/notesSlide8.xml><?xml version="1.0" encoding="utf-8"?>
+<p:notes xmlns:a="http://schemas.openxmlformats.org/drawingml/2006/main" xmlns:r="http://schemas.openxmlformats.org/officeDocument/2006/relationships" xmlns:p="http://schemas.openxmlformats.org/presentationml/2006/main">
+  <p:cSld>
+    <p:spTree>
+      <p:nvGrpSpPr>
+        <p:cNvPr id="1" name="">
+          <a:extLst>
+            <a:ext uri="{FF2B5EF4-FFF2-40B4-BE49-F238E27FC236}">
+              <a16:creationId xmlns:a16="http://schemas.microsoft.com/office/drawing/2014/main" id="{99A9C3E2-41B7-1287-9622-E0BC2C0B6480}"/>
+            </a:ext>
+          </a:extLst>
+        </p:cNvPr>
+        <p:cNvGrpSpPr/>
+        <p:nvPr/>
+      </p:nvGrpSpPr>
+      <p:grpSpPr>
+        <a:xfrm>
+          <a:off x="0" y="0"/>
+          <a:ext cx="0" cy="0"/>
+          <a:chOff x="0" y="0"/>
+          <a:chExt cx="0" cy="0"/>
+        </a:xfrm>
+      </p:grpSpPr>
+      <p:sp>
+        <p:nvSpPr>
+          <p:cNvPr id="2" name="Slide Image Placeholder 1">
+            <a:extLst>
+              <a:ext uri="{FF2B5EF4-FFF2-40B4-BE49-F238E27FC236}">
+                <a16:creationId xmlns:a16="http://schemas.microsoft.com/office/drawing/2014/main" id="{BBD0DFBD-3CF1-FB7C-7D67-93F30B15C1E5}"/>
+              </a:ext>
+            </a:extLst>
+          </p:cNvPr>
+          <p:cNvSpPr>
+            <a:spLocks noGrp="1" noRot="1" noChangeAspect="1"/>
+          </p:cNvSpPr>
+          <p:nvPr>
+            <p:ph type="sldImg"/>
+          </p:nvPr>
+        </p:nvSpPr>
+        <p:spPr/>
+      </p:sp>
+      <p:sp>
+        <p:nvSpPr>
+          <p:cNvPr id="3" name="Notes Placeholder 2">
+            <a:extLst>
+              <a:ext uri="{FF2B5EF4-FFF2-40B4-BE49-F238E27FC236}">
+                <a16:creationId xmlns:a16="http://schemas.microsoft.com/office/drawing/2014/main" id="{0FCFA752-D527-CCC1-CA14-24490374553D}"/>
+              </a:ext>
+            </a:extLst>
+          </p:cNvPr>
+          <p:cNvSpPr>
+            <a:spLocks noGrp="1"/>
+          </p:cNvSpPr>
+          <p:nvPr>
+            <p:ph type="body" idx="1"/>
+          </p:nvPr>
+        </p:nvSpPr>
+        <p:spPr/>
+        <p:txBody>
+          <a:bodyPr/>
+          <a:lstStyle/>
+          <a:p>
+            <a:r>
+              <a:rPr lang="en-US" dirty="0"/>
+              <a:t>Managing retrieval errors is a critical challenge in RAG systems. If the retrieval model returns irrelevant or low-quality documents, the generative model’s output can be inaccurate or misleading. For instance, in a healthcare application, incorrect retrieval could lead to flawed medical advice. Addressing this involves fine-tuning retrieval algorithms, incorporating feedback loops, and using human-in-the-loop systems to validate critical outputs.</a:t>
+            </a:r>
+          </a:p>
+        </p:txBody>
+      </p:sp>
+      <p:sp>
+        <p:nvSpPr>
+          <p:cNvPr id="4" name="Slide Number Placeholder 3">
+            <a:extLst>
+              <a:ext uri="{FF2B5EF4-FFF2-40B4-BE49-F238E27FC236}">
+                <a16:creationId xmlns:a16="http://schemas.microsoft.com/office/drawing/2014/main" id="{588C9101-EEDF-9318-8703-5F1C9CA88170}"/>
+              </a:ext>
+            </a:extLst>
+          </p:cNvPr>
+          <p:cNvSpPr>
+            <a:spLocks noGrp="1"/>
+          </p:cNvSpPr>
+          <p:nvPr>
+            <p:ph type="sldNum" sz="quarter" idx="5"/>
+          </p:nvPr>
+        </p:nvSpPr>
+        <p:spPr/>
+        <p:txBody>
+          <a:bodyPr/>
+          <a:lstStyle/>
+          <a:p>
+            <a:fld id="{B6A8E4B0-7F7F-47AF-AEFF-ABF7BD7DBEE6}" type="slidenum">
+              <a:rPr lang="en-US" smtClean="0"/>
+              <a:t>10</a:t>
+            </a:fld>
+            <a:endParaRPr lang="en-US"/>
+          </a:p>
+        </p:txBody>
+      </p:sp>
+    </p:spTree>
+    <p:extLst>
+      <p:ext uri="{BB962C8B-B14F-4D97-AF65-F5344CB8AC3E}">
+        <p14:creationId xmlns:p14="http://schemas.microsoft.com/office/powerpoint/2010/main" val="450376624"/>
+      </p:ext>
+    </p:extLst>
+  </p:cSld>
+  <p:clrMapOvr>
+    <a:masterClrMapping/>
+  </p:clrMapOvr>
+</p:notes>
+</file>
+
+<file path=ppt/notesSlides/notesSlide9.xml><?xml version="1.0" encoding="utf-8"?>
+<p:notes xmlns:a="http://schemas.openxmlformats.org/drawingml/2006/main" xmlns:r="http://schemas.openxmlformats.org/officeDocument/2006/relationships" xmlns:p="http://schemas.openxmlformats.org/presentationml/2006/main">
+  <p:cSld>
+    <p:spTree>
+      <p:nvGrpSpPr>
+        <p:cNvPr id="1" name="">
+          <a:extLst>
+            <a:ext uri="{FF2B5EF4-FFF2-40B4-BE49-F238E27FC236}">
+              <a16:creationId xmlns:a16="http://schemas.microsoft.com/office/drawing/2014/main" id="{48D5AEAA-64D1-B787-BD9A-06A1C01EB210}"/>
+            </a:ext>
+          </a:extLst>
+        </p:cNvPr>
+        <p:cNvGrpSpPr/>
+        <p:nvPr/>
+      </p:nvGrpSpPr>
+      <p:grpSpPr>
+        <a:xfrm>
+          <a:off x="0" y="0"/>
+          <a:ext cx="0" cy="0"/>
+          <a:chOff x="0" y="0"/>
+          <a:chExt cx="0" cy="0"/>
+        </a:xfrm>
+      </p:grpSpPr>
+      <p:sp>
+        <p:nvSpPr>
+          <p:cNvPr id="2" name="Slide Image Placeholder 1">
+            <a:extLst>
+              <a:ext uri="{FF2B5EF4-FFF2-40B4-BE49-F238E27FC236}">
+                <a16:creationId xmlns:a16="http://schemas.microsoft.com/office/drawing/2014/main" id="{A088364A-F423-E04D-6B8F-DDD391D8A51F}"/>
+              </a:ext>
+            </a:extLst>
+          </p:cNvPr>
+          <p:cNvSpPr>
+            <a:spLocks noGrp="1" noRot="1" noChangeAspect="1"/>
+          </p:cNvSpPr>
+          <p:nvPr>
+            <p:ph type="sldImg"/>
+          </p:nvPr>
+        </p:nvSpPr>
+        <p:spPr/>
+      </p:sp>
+      <p:sp>
+        <p:nvSpPr>
+          <p:cNvPr id="3" name="Notes Placeholder 2">
+            <a:extLst>
+              <a:ext uri="{FF2B5EF4-FFF2-40B4-BE49-F238E27FC236}">
+                <a16:creationId xmlns:a16="http://schemas.microsoft.com/office/drawing/2014/main" id="{AF0CC91E-6E54-2C61-3427-1F8294CD99EB}"/>
+              </a:ext>
+            </a:extLst>
+          </p:cNvPr>
+          <p:cNvSpPr>
+            <a:spLocks noGrp="1"/>
+          </p:cNvSpPr>
+          <p:nvPr>
+            <p:ph type="body" idx="1"/>
+          </p:nvPr>
+        </p:nvSpPr>
+        <p:spPr/>
+        <p:txBody>
+          <a:bodyPr/>
+          <a:lstStyle/>
+          <a:p>
+            <a:r>
+              <a:rPr lang="en-US" dirty="0"/>
+              <a:t>Discuss how RAG is evolving with trends like multimodal retrieval and explainable AI, which will make it more versatile and trustworthy in complex applications.</a:t>
+            </a:r>
+          </a:p>
+        </p:txBody>
+      </p:sp>
+      <p:sp>
+        <p:nvSpPr>
+          <p:cNvPr id="4" name="Slide Number Placeholder 3">
+            <a:extLst>
+              <a:ext uri="{FF2B5EF4-FFF2-40B4-BE49-F238E27FC236}">
+                <a16:creationId xmlns:a16="http://schemas.microsoft.com/office/drawing/2014/main" id="{3000A160-556B-32AF-A43C-50C72E9BCCAC}"/>
+              </a:ext>
+            </a:extLst>
+          </p:cNvPr>
+          <p:cNvSpPr>
+            <a:spLocks noGrp="1"/>
+          </p:cNvSpPr>
+          <p:nvPr>
+            <p:ph type="sldNum" sz="quarter" idx="5"/>
+          </p:nvPr>
+        </p:nvSpPr>
+        <p:spPr/>
+        <p:txBody>
+          <a:bodyPr/>
+          <a:lstStyle/>
+          <a:p>
+            <a:fld id="{B6A8E4B0-7F7F-47AF-AEFF-ABF7BD7DBEE6}" type="slidenum">
+              <a:rPr lang="en-US" smtClean="0"/>
+              <a:t>11</a:t>
+            </a:fld>
+            <a:endParaRPr lang="en-US"/>
+          </a:p>
+        </p:txBody>
+      </p:sp>
+    </p:spTree>
+    <p:extLst>
+      <p:ext uri="{BB962C8B-B14F-4D97-AF65-F5344CB8AC3E}">
+        <p14:creationId xmlns:p14="http://schemas.microsoft.com/office/powerpoint/2010/main" val="1149751102"/>
       </p:ext>
     </p:extLst>
   </p:cSld>
@@ -2409,7 +1976,7 @@
           <a:p>
             <a:fld id="{5BCAD085-E8A6-8845-BD4E-CB4CCA059FC4}" type="datetimeFigureOut">
               <a:rPr lang="en-US" smtClean="0"/>
-              <a:t>5/31/2025</a:t>
+              <a:t>8/29/2025</a:t>
             </a:fld>
             <a:endParaRPr lang="en-US"/>
           </a:p>
@@ -2577,7 +2144,7 @@
           <a:p>
             <a:fld id="{5BCAD085-E8A6-8845-BD4E-CB4CCA059FC4}" type="datetimeFigureOut">
               <a:rPr lang="en-US" smtClean="0"/>
-              <a:t>5/31/2025</a:t>
+              <a:t>8/29/2025</a:t>
             </a:fld>
             <a:endParaRPr lang="en-US"/>
           </a:p>
@@ -2755,7 +2322,7 @@
           <a:p>
             <a:fld id="{5BCAD085-E8A6-8845-BD4E-CB4CCA059FC4}" type="datetimeFigureOut">
               <a:rPr lang="en-US" smtClean="0"/>
-              <a:t>5/31/2025</a:t>
+              <a:t>8/29/2025</a:t>
             </a:fld>
             <a:endParaRPr lang="en-US"/>
           </a:p>
@@ -2923,7 +2490,7 @@
           <a:p>
             <a:fld id="{5BCAD085-E8A6-8845-BD4E-CB4CCA059FC4}" type="datetimeFigureOut">
               <a:rPr lang="en-US" smtClean="0"/>
-              <a:t>5/31/2025</a:t>
+              <a:t>8/29/2025</a:t>
             </a:fld>
             <a:endParaRPr lang="en-US"/>
           </a:p>
@@ -3168,7 +2735,7 @@
           <a:p>
             <a:fld id="{5BCAD085-E8A6-8845-BD4E-CB4CCA059FC4}" type="datetimeFigureOut">
               <a:rPr lang="en-US" smtClean="0"/>
-              <a:t>5/31/2025</a:t>
+              <a:t>8/29/2025</a:t>
             </a:fld>
             <a:endParaRPr lang="en-US"/>
           </a:p>
@@ -3453,7 +3020,7 @@
           <a:p>
             <a:fld id="{5BCAD085-E8A6-8845-BD4E-CB4CCA059FC4}" type="datetimeFigureOut">
               <a:rPr lang="en-US" smtClean="0"/>
-              <a:t>5/31/2025</a:t>
+              <a:t>8/29/2025</a:t>
             </a:fld>
             <a:endParaRPr lang="en-US"/>
           </a:p>
@@ -3872,7 +3439,7 @@
           <a:p>
             <a:fld id="{5BCAD085-E8A6-8845-BD4E-CB4CCA059FC4}" type="datetimeFigureOut">
               <a:rPr lang="en-US" smtClean="0"/>
-              <a:t>5/31/2025</a:t>
+              <a:t>8/29/2025</a:t>
             </a:fld>
             <a:endParaRPr lang="en-US"/>
           </a:p>
@@ -3989,7 +3556,7 @@
           <a:p>
             <a:fld id="{5BCAD085-E8A6-8845-BD4E-CB4CCA059FC4}" type="datetimeFigureOut">
               <a:rPr lang="en-US" smtClean="0"/>
-              <a:t>5/31/2025</a:t>
+              <a:t>8/29/2025</a:t>
             </a:fld>
             <a:endParaRPr lang="en-US"/>
           </a:p>
@@ -4084,7 +3651,7 @@
           <a:p>
             <a:fld id="{5BCAD085-E8A6-8845-BD4E-CB4CCA059FC4}" type="datetimeFigureOut">
               <a:rPr lang="en-US" smtClean="0"/>
-              <a:t>5/31/2025</a:t>
+              <a:t>8/29/2025</a:t>
             </a:fld>
             <a:endParaRPr lang="en-US"/>
           </a:p>
@@ -4359,7 +3926,7 @@
           <a:p>
             <a:fld id="{5BCAD085-E8A6-8845-BD4E-CB4CCA059FC4}" type="datetimeFigureOut">
               <a:rPr lang="en-US" smtClean="0"/>
-              <a:t>5/31/2025</a:t>
+              <a:t>8/29/2025</a:t>
             </a:fld>
             <a:endParaRPr lang="en-US"/>
           </a:p>
@@ -4611,7 +4178,7 @@
           <a:p>
             <a:fld id="{5BCAD085-E8A6-8845-BD4E-CB4CCA059FC4}" type="datetimeFigureOut">
               <a:rPr lang="en-US" smtClean="0"/>
-              <a:t>5/31/2025</a:t>
+              <a:t>8/29/2025</a:t>
             </a:fld>
             <a:endParaRPr lang="en-US"/>
           </a:p>
@@ -4822,7 +4389,7 @@
           <a:p>
             <a:fld id="{5BCAD085-E8A6-8845-BD4E-CB4CCA059FC4}" type="datetimeFigureOut">
               <a:rPr lang="en-US" smtClean="0"/>
-              <a:t>5/31/2025</a:t>
+              <a:t>8/29/2025</a:t>
             </a:fld>
             <a:endParaRPr lang="en-US"/>
           </a:p>
@@ -5772,6 +5339,2071 @@
     </p:bg>
     <p:spTree>
       <p:nvGrpSpPr>
+        <p:cNvPr id="1" name="">
+          <a:extLst>
+            <a:ext uri="{FF2B5EF4-FFF2-40B4-BE49-F238E27FC236}">
+              <a16:creationId xmlns:a16="http://schemas.microsoft.com/office/drawing/2014/main" id="{CEC35AD8-F65E-6FE7-6573-E14C7BC33EAE}"/>
+            </a:ext>
+          </a:extLst>
+        </p:cNvPr>
+        <p:cNvGrpSpPr/>
+        <p:nvPr/>
+      </p:nvGrpSpPr>
+      <p:grpSpPr>
+        <a:xfrm>
+          <a:off x="0" y="0"/>
+          <a:ext cx="0" cy="0"/>
+          <a:chOff x="0" y="0"/>
+          <a:chExt cx="0" cy="0"/>
+        </a:xfrm>
+      </p:grpSpPr>
+      <p:sp useBgFill="1">
+        <p:nvSpPr>
+          <p:cNvPr id="22" name="Slide Background">
+            <a:extLst>
+              <a:ext uri="{FF2B5EF4-FFF2-40B4-BE49-F238E27FC236}">
+                <a16:creationId xmlns:a16="http://schemas.microsoft.com/office/drawing/2014/main" id="{C0763A76-9F1C-4FC5-82B7-DD475DA461B2}"/>
+              </a:ext>
+              <a:ext uri="{C183D7F6-B498-43B3-948B-1728B52AA6E4}">
+                <adec:decorative xmlns:adec="http://schemas.microsoft.com/office/drawing/2017/decorative" val="1"/>
+              </a:ext>
+            </a:extLst>
+          </p:cNvPr>
+          <p:cNvSpPr>
+            <a:spLocks noGrp="1" noRot="1" noChangeAspect="1" noMove="1" noResize="1" noEditPoints="1" noAdjustHandles="1" noChangeArrowheads="1" noChangeShapeType="1" noTextEdit="1"/>
+          </p:cNvSpPr>
+          <p:nvPr>
+            <p:extLst>
+              <p:ext uri="{386F3935-93C4-4BCD-93E2-E3B085C9AB24}">
+                <p16:designElem xmlns:p16="http://schemas.microsoft.com/office/powerpoint/2015/main" val="1"/>
+              </p:ext>
+            </p:extLst>
+          </p:nvPr>
+        </p:nvSpPr>
+        <p:spPr bwMode="white">
+          <a:xfrm>
+            <a:off x="0" y="0"/>
+            <a:ext cx="9143998" cy="6858000"/>
+          </a:xfrm>
+          <a:prstGeom prst="rect">
+            <a:avLst/>
+          </a:prstGeom>
+          <a:ln>
+            <a:noFill/>
+          </a:ln>
+        </p:spPr>
+        <p:style>
+          <a:lnRef idx="2">
+            <a:schemeClr val="accent1">
+              <a:shade val="50000"/>
+            </a:schemeClr>
+          </a:lnRef>
+          <a:fillRef idx="1">
+            <a:schemeClr val="accent1"/>
+          </a:fillRef>
+          <a:effectRef idx="0">
+            <a:schemeClr val="accent1"/>
+          </a:effectRef>
+          <a:fontRef idx="minor">
+            <a:schemeClr val="lt1"/>
+          </a:fontRef>
+        </p:style>
+        <p:txBody>
+          <a:bodyPr rtlCol="0" anchor="ctr"/>
+          <a:lstStyle>
+            <a:defPPr>
+              <a:defRPr lang="en-US"/>
+            </a:defPPr>
+            <a:lvl1pPr marL="0" algn="l" defTabSz="914400" rtl="0" eaLnBrk="1" latinLnBrk="0" hangingPunct="1">
+              <a:defRPr sz="1800" kern="1200">
+                <a:solidFill>
+                  <a:schemeClr val="lt1"/>
+                </a:solidFill>
+                <a:latin typeface="+mn-lt"/>
+                <a:ea typeface="+mn-ea"/>
+                <a:cs typeface="+mn-cs"/>
+              </a:defRPr>
+            </a:lvl1pPr>
+            <a:lvl2pPr marL="457200" algn="l" defTabSz="914400" rtl="0" eaLnBrk="1" latinLnBrk="0" hangingPunct="1">
+              <a:defRPr sz="1800" kern="1200">
+                <a:solidFill>
+                  <a:schemeClr val="lt1"/>
+                </a:solidFill>
+                <a:latin typeface="+mn-lt"/>
+                <a:ea typeface="+mn-ea"/>
+                <a:cs typeface="+mn-cs"/>
+              </a:defRPr>
+            </a:lvl2pPr>
+            <a:lvl3pPr marL="914400" algn="l" defTabSz="914400" rtl="0" eaLnBrk="1" latinLnBrk="0" hangingPunct="1">
+              <a:defRPr sz="1800" kern="1200">
+                <a:solidFill>
+                  <a:schemeClr val="lt1"/>
+                </a:solidFill>
+                <a:latin typeface="+mn-lt"/>
+                <a:ea typeface="+mn-ea"/>
+                <a:cs typeface="+mn-cs"/>
+              </a:defRPr>
+            </a:lvl3pPr>
+            <a:lvl4pPr marL="1371600" algn="l" defTabSz="914400" rtl="0" eaLnBrk="1" latinLnBrk="0" hangingPunct="1">
+              <a:defRPr sz="1800" kern="1200">
+                <a:solidFill>
+                  <a:schemeClr val="lt1"/>
+                </a:solidFill>
+                <a:latin typeface="+mn-lt"/>
+                <a:ea typeface="+mn-ea"/>
+                <a:cs typeface="+mn-cs"/>
+              </a:defRPr>
+            </a:lvl4pPr>
+            <a:lvl5pPr marL="1828800" algn="l" defTabSz="914400" rtl="0" eaLnBrk="1" latinLnBrk="0" hangingPunct="1">
+              <a:defRPr sz="1800" kern="1200">
+                <a:solidFill>
+                  <a:schemeClr val="lt1"/>
+                </a:solidFill>
+                <a:latin typeface="+mn-lt"/>
+                <a:ea typeface="+mn-ea"/>
+                <a:cs typeface="+mn-cs"/>
+              </a:defRPr>
+            </a:lvl5pPr>
+            <a:lvl6pPr marL="2286000" algn="l" defTabSz="914400" rtl="0" eaLnBrk="1" latinLnBrk="0" hangingPunct="1">
+              <a:defRPr sz="1800" kern="1200">
+                <a:solidFill>
+                  <a:schemeClr val="lt1"/>
+                </a:solidFill>
+                <a:latin typeface="+mn-lt"/>
+                <a:ea typeface="+mn-ea"/>
+                <a:cs typeface="+mn-cs"/>
+              </a:defRPr>
+            </a:lvl6pPr>
+            <a:lvl7pPr marL="2743200" algn="l" defTabSz="914400" rtl="0" eaLnBrk="1" latinLnBrk="0" hangingPunct="1">
+              <a:defRPr sz="1800" kern="1200">
+                <a:solidFill>
+                  <a:schemeClr val="lt1"/>
+                </a:solidFill>
+                <a:latin typeface="+mn-lt"/>
+                <a:ea typeface="+mn-ea"/>
+                <a:cs typeface="+mn-cs"/>
+              </a:defRPr>
+            </a:lvl7pPr>
+            <a:lvl8pPr marL="3200400" algn="l" defTabSz="914400" rtl="0" eaLnBrk="1" latinLnBrk="0" hangingPunct="1">
+              <a:defRPr sz="1800" kern="1200">
+                <a:solidFill>
+                  <a:schemeClr val="lt1"/>
+                </a:solidFill>
+                <a:latin typeface="+mn-lt"/>
+                <a:ea typeface="+mn-ea"/>
+                <a:cs typeface="+mn-cs"/>
+              </a:defRPr>
+            </a:lvl8pPr>
+            <a:lvl9pPr marL="3657600" algn="l" defTabSz="914400" rtl="0" eaLnBrk="1" latinLnBrk="0" hangingPunct="1">
+              <a:defRPr sz="1800" kern="1200">
+                <a:solidFill>
+                  <a:schemeClr val="lt1"/>
+                </a:solidFill>
+                <a:latin typeface="+mn-lt"/>
+                <a:ea typeface="+mn-ea"/>
+                <a:cs typeface="+mn-cs"/>
+              </a:defRPr>
+            </a:lvl9pPr>
+          </a:lstStyle>
+          <a:p>
+            <a:pPr algn="ctr"/>
+            <a:endParaRPr lang="en-US"/>
+          </a:p>
+        </p:txBody>
+      </p:sp>
+      <p:sp useBgFill="1">
+        <p:nvSpPr>
+          <p:cNvPr id="24" name="Rectangle 23">
+            <a:extLst>
+              <a:ext uri="{FF2B5EF4-FFF2-40B4-BE49-F238E27FC236}">
+                <a16:creationId xmlns:a16="http://schemas.microsoft.com/office/drawing/2014/main" id="{E81BF4F6-F2CF-4984-9D14-D6966D92F99F}"/>
+              </a:ext>
+              <a:ext uri="{C183D7F6-B498-43B3-948B-1728B52AA6E4}">
+                <adec:decorative xmlns:adec="http://schemas.microsoft.com/office/drawing/2017/decorative" val="1"/>
+              </a:ext>
+            </a:extLst>
+          </p:cNvPr>
+          <p:cNvSpPr>
+            <a:spLocks noGrp="1" noRot="1" noChangeAspect="1" noMove="1" noResize="1" noEditPoints="1" noAdjustHandles="1" noChangeArrowheads="1" noChangeShapeType="1" noTextEdit="1"/>
+          </p:cNvSpPr>
+          <p:nvPr>
+            <p:extLst>
+              <p:ext uri="{386F3935-93C4-4BCD-93E2-E3B085C9AB24}">
+                <p16:designElem xmlns:p16="http://schemas.microsoft.com/office/powerpoint/2015/main" val="1"/>
+              </p:ext>
+            </p:extLst>
+          </p:nvPr>
+        </p:nvSpPr>
+        <p:spPr>
+          <a:xfrm>
+            <a:off x="0" y="0"/>
+            <a:ext cx="6391835" cy="2285999"/>
+          </a:xfrm>
+          <a:prstGeom prst="rect">
+            <a:avLst/>
+          </a:prstGeom>
+          <a:ln>
+            <a:noFill/>
+          </a:ln>
+          <a:effectLst>
+            <a:outerShdw blurRad="596900" dist="304800" dir="7140000" sx="90000" sy="90000" algn="t" rotWithShape="0">
+              <a:srgbClr val="000000">
+                <a:alpha val="15000"/>
+              </a:srgbClr>
+            </a:outerShdw>
+          </a:effectLst>
+        </p:spPr>
+        <p:style>
+          <a:lnRef idx="2">
+            <a:schemeClr val="accent1">
+              <a:shade val="50000"/>
+            </a:schemeClr>
+          </a:lnRef>
+          <a:fillRef idx="1">
+            <a:schemeClr val="accent1"/>
+          </a:fillRef>
+          <a:effectRef idx="0">
+            <a:schemeClr val="accent1"/>
+          </a:effectRef>
+          <a:fontRef idx="minor">
+            <a:schemeClr val="lt1"/>
+          </a:fontRef>
+        </p:style>
+        <p:txBody>
+          <a:bodyPr rtlCol="0" anchor="ctr"/>
+          <a:lstStyle/>
+          <a:p>
+            <a:pPr algn="ctr"/>
+            <a:endParaRPr lang="en-US"/>
+          </a:p>
+        </p:txBody>
+      </p:sp>
+      <p:sp>
+        <p:nvSpPr>
+          <p:cNvPr id="2" name="Title 1">
+            <a:extLst>
+              <a:ext uri="{FF2B5EF4-FFF2-40B4-BE49-F238E27FC236}">
+                <a16:creationId xmlns:a16="http://schemas.microsoft.com/office/drawing/2014/main" id="{54F0BC00-710E-F723-EA82-0A2CA7F2EFE5}"/>
+              </a:ext>
+            </a:extLst>
+          </p:cNvPr>
+          <p:cNvSpPr>
+            <a:spLocks noGrp="1"/>
+          </p:cNvSpPr>
+          <p:nvPr>
+            <p:ph type="title"/>
+          </p:nvPr>
+        </p:nvSpPr>
+        <p:spPr>
+          <a:xfrm>
+            <a:off x="571352" y="350196"/>
+            <a:ext cx="3485178" cy="1624520"/>
+          </a:xfrm>
+        </p:spPr>
+        <p:txBody>
+          <a:bodyPr anchor="ctr">
+            <a:normAutofit/>
+          </a:bodyPr>
+          <a:lstStyle/>
+          <a:p>
+            <a:r>
+              <a:rPr lang="en-US" sz="3500" dirty="0"/>
+              <a:t>Addressing Challenges</a:t>
+            </a:r>
+          </a:p>
+        </p:txBody>
+      </p:sp>
+      <p:sp>
+        <p:nvSpPr>
+          <p:cNvPr id="3" name="Content Placeholder 2">
+            <a:extLst>
+              <a:ext uri="{FF2B5EF4-FFF2-40B4-BE49-F238E27FC236}">
+                <a16:creationId xmlns:a16="http://schemas.microsoft.com/office/drawing/2014/main" id="{59794141-69E0-23B7-5594-2E291EAC7A11}"/>
+              </a:ext>
+            </a:extLst>
+          </p:cNvPr>
+          <p:cNvSpPr>
+            <a:spLocks noGrp="1"/>
+          </p:cNvSpPr>
+          <p:nvPr>
+            <p:ph idx="1"/>
+          </p:nvPr>
+        </p:nvSpPr>
+        <p:spPr>
+          <a:xfrm>
+            <a:off x="571351" y="2743200"/>
+            <a:ext cx="3485179" cy="3613149"/>
+          </a:xfrm>
+        </p:spPr>
+        <p:txBody>
+          <a:bodyPr anchor="ctr">
+            <a:normAutofit/>
+          </a:bodyPr>
+          <a:lstStyle/>
+          <a:p>
+            <a:r>
+              <a:rPr lang="en-US" sz="2400" dirty="0"/>
+              <a:t>Data privacy and security.</a:t>
+            </a:r>
+          </a:p>
+          <a:p>
+            <a:r>
+              <a:rPr lang="en-US" sz="2400" dirty="0"/>
+              <a:t>Bias in AI models.</a:t>
+            </a:r>
+          </a:p>
+          <a:p>
+            <a:r>
+              <a:rPr lang="en-US" sz="2400" dirty="0"/>
+              <a:t>Scalability with large datasets.</a:t>
+            </a:r>
+          </a:p>
+          <a:p>
+            <a:r>
+              <a:rPr lang="en-US" sz="2400" dirty="0"/>
+              <a:t>Managing retrieval errors affecting generation.</a:t>
+            </a:r>
+          </a:p>
+        </p:txBody>
+      </p:sp>
+      <p:pic>
+        <p:nvPicPr>
+          <p:cNvPr id="13" name="Picture 12" descr="3D technology art">
+            <a:extLst>
+              <a:ext uri="{FF2B5EF4-FFF2-40B4-BE49-F238E27FC236}">
+                <a16:creationId xmlns:a16="http://schemas.microsoft.com/office/drawing/2014/main" id="{F1EA1A67-A30B-AA0D-4FE8-083E146126E5}"/>
+              </a:ext>
+            </a:extLst>
+          </p:cNvPr>
+          <p:cNvPicPr>
+            <a:picLocks noChangeAspect="1"/>
+          </p:cNvPicPr>
+          <p:nvPr/>
+        </p:nvPicPr>
+        <p:blipFill>
+          <a:blip r:embed="rId3"/>
+          <a:srcRect l="19952" r="35498" b="-2"/>
+          <a:stretch/>
+        </p:blipFill>
+        <p:spPr>
+          <a:xfrm>
+            <a:off x="4572000" y="1"/>
+            <a:ext cx="4577118" cy="6858000"/>
+          </a:xfrm>
+          <a:prstGeom prst="rect">
+            <a:avLst/>
+          </a:prstGeom>
+        </p:spPr>
+      </p:pic>
+    </p:spTree>
+    <p:extLst>
+      <p:ext uri="{BB962C8B-B14F-4D97-AF65-F5344CB8AC3E}">
+        <p14:creationId xmlns:p14="http://schemas.microsoft.com/office/powerpoint/2010/main" val="2138871945"/>
+      </p:ext>
+    </p:extLst>
+  </p:cSld>
+  <p:clrMapOvr>
+    <a:masterClrMapping/>
+  </p:clrMapOvr>
+</p:sld>
+</file>
+
+<file path=ppt/slides/slide11.xml><?xml version="1.0" encoding="utf-8"?>
+<p:sld xmlns:a="http://schemas.openxmlformats.org/drawingml/2006/main" xmlns:r="http://schemas.openxmlformats.org/officeDocument/2006/relationships" xmlns:p="http://schemas.openxmlformats.org/presentationml/2006/main">
+  <p:cSld>
+    <p:bg>
+      <p:bgPr>
+        <a:solidFill>
+          <a:schemeClr val="bg1"/>
+        </a:solidFill>
+        <a:effectLst/>
+      </p:bgPr>
+    </p:bg>
+    <p:spTree>
+      <p:nvGrpSpPr>
+        <p:cNvPr id="1" name="">
+          <a:extLst>
+            <a:ext uri="{FF2B5EF4-FFF2-40B4-BE49-F238E27FC236}">
+              <a16:creationId xmlns:a16="http://schemas.microsoft.com/office/drawing/2014/main" id="{5823952A-6107-594C-40FC-EC9ED2B80130}"/>
+            </a:ext>
+          </a:extLst>
+        </p:cNvPr>
+        <p:cNvGrpSpPr/>
+        <p:nvPr/>
+      </p:nvGrpSpPr>
+      <p:grpSpPr>
+        <a:xfrm>
+          <a:off x="0" y="0"/>
+          <a:ext cx="0" cy="0"/>
+          <a:chOff x="0" y="0"/>
+          <a:chExt cx="0" cy="0"/>
+        </a:xfrm>
+      </p:grpSpPr>
+      <p:sp useBgFill="1">
+        <p:nvSpPr>
+          <p:cNvPr id="17" name="Slide Background">
+            <a:extLst>
+              <a:ext uri="{FF2B5EF4-FFF2-40B4-BE49-F238E27FC236}">
+                <a16:creationId xmlns:a16="http://schemas.microsoft.com/office/drawing/2014/main" id="{C0763A76-9F1C-4FC5-82B7-DD475DA461B2}"/>
+              </a:ext>
+              <a:ext uri="{C183D7F6-B498-43B3-948B-1728B52AA6E4}">
+                <adec:decorative xmlns:adec="http://schemas.microsoft.com/office/drawing/2017/decorative" val="1"/>
+              </a:ext>
+            </a:extLst>
+          </p:cNvPr>
+          <p:cNvSpPr>
+            <a:spLocks noGrp="1" noRot="1" noChangeAspect="1" noMove="1" noResize="1" noEditPoints="1" noAdjustHandles="1" noChangeArrowheads="1" noChangeShapeType="1" noTextEdit="1"/>
+          </p:cNvSpPr>
+          <p:nvPr>
+            <p:extLst>
+              <p:ext uri="{386F3935-93C4-4BCD-93E2-E3B085C9AB24}">
+                <p16:designElem xmlns:p16="http://schemas.microsoft.com/office/powerpoint/2015/main" val="1"/>
+              </p:ext>
+            </p:extLst>
+          </p:nvPr>
+        </p:nvSpPr>
+        <p:spPr bwMode="white">
+          <a:xfrm>
+            <a:off x="0" y="0"/>
+            <a:ext cx="9143998" cy="6858000"/>
+          </a:xfrm>
+          <a:prstGeom prst="rect">
+            <a:avLst/>
+          </a:prstGeom>
+          <a:ln>
+            <a:noFill/>
+          </a:ln>
+        </p:spPr>
+        <p:style>
+          <a:lnRef idx="2">
+            <a:schemeClr val="accent1">
+              <a:shade val="50000"/>
+            </a:schemeClr>
+          </a:lnRef>
+          <a:fillRef idx="1">
+            <a:schemeClr val="accent1"/>
+          </a:fillRef>
+          <a:effectRef idx="0">
+            <a:schemeClr val="accent1"/>
+          </a:effectRef>
+          <a:fontRef idx="minor">
+            <a:schemeClr val="lt1"/>
+          </a:fontRef>
+        </p:style>
+        <p:txBody>
+          <a:bodyPr rtlCol="0" anchor="ctr"/>
+          <a:lstStyle>
+            <a:defPPr>
+              <a:defRPr lang="en-US"/>
+            </a:defPPr>
+            <a:lvl1pPr marL="0" algn="l" defTabSz="914400" rtl="0" eaLnBrk="1" latinLnBrk="0" hangingPunct="1">
+              <a:defRPr sz="1800" kern="1200">
+                <a:solidFill>
+                  <a:schemeClr val="lt1"/>
+                </a:solidFill>
+                <a:latin typeface="+mn-lt"/>
+                <a:ea typeface="+mn-ea"/>
+                <a:cs typeface="+mn-cs"/>
+              </a:defRPr>
+            </a:lvl1pPr>
+            <a:lvl2pPr marL="457200" algn="l" defTabSz="914400" rtl="0" eaLnBrk="1" latinLnBrk="0" hangingPunct="1">
+              <a:defRPr sz="1800" kern="1200">
+                <a:solidFill>
+                  <a:schemeClr val="lt1"/>
+                </a:solidFill>
+                <a:latin typeface="+mn-lt"/>
+                <a:ea typeface="+mn-ea"/>
+                <a:cs typeface="+mn-cs"/>
+              </a:defRPr>
+            </a:lvl2pPr>
+            <a:lvl3pPr marL="914400" algn="l" defTabSz="914400" rtl="0" eaLnBrk="1" latinLnBrk="0" hangingPunct="1">
+              <a:defRPr sz="1800" kern="1200">
+                <a:solidFill>
+                  <a:schemeClr val="lt1"/>
+                </a:solidFill>
+                <a:latin typeface="+mn-lt"/>
+                <a:ea typeface="+mn-ea"/>
+                <a:cs typeface="+mn-cs"/>
+              </a:defRPr>
+            </a:lvl3pPr>
+            <a:lvl4pPr marL="1371600" algn="l" defTabSz="914400" rtl="0" eaLnBrk="1" latinLnBrk="0" hangingPunct="1">
+              <a:defRPr sz="1800" kern="1200">
+                <a:solidFill>
+                  <a:schemeClr val="lt1"/>
+                </a:solidFill>
+                <a:latin typeface="+mn-lt"/>
+                <a:ea typeface="+mn-ea"/>
+                <a:cs typeface="+mn-cs"/>
+              </a:defRPr>
+            </a:lvl4pPr>
+            <a:lvl5pPr marL="1828800" algn="l" defTabSz="914400" rtl="0" eaLnBrk="1" latinLnBrk="0" hangingPunct="1">
+              <a:defRPr sz="1800" kern="1200">
+                <a:solidFill>
+                  <a:schemeClr val="lt1"/>
+                </a:solidFill>
+                <a:latin typeface="+mn-lt"/>
+                <a:ea typeface="+mn-ea"/>
+                <a:cs typeface="+mn-cs"/>
+              </a:defRPr>
+            </a:lvl5pPr>
+            <a:lvl6pPr marL="2286000" algn="l" defTabSz="914400" rtl="0" eaLnBrk="1" latinLnBrk="0" hangingPunct="1">
+              <a:defRPr sz="1800" kern="1200">
+                <a:solidFill>
+                  <a:schemeClr val="lt1"/>
+                </a:solidFill>
+                <a:latin typeface="+mn-lt"/>
+                <a:ea typeface="+mn-ea"/>
+                <a:cs typeface="+mn-cs"/>
+              </a:defRPr>
+            </a:lvl6pPr>
+            <a:lvl7pPr marL="2743200" algn="l" defTabSz="914400" rtl="0" eaLnBrk="1" latinLnBrk="0" hangingPunct="1">
+              <a:defRPr sz="1800" kern="1200">
+                <a:solidFill>
+                  <a:schemeClr val="lt1"/>
+                </a:solidFill>
+                <a:latin typeface="+mn-lt"/>
+                <a:ea typeface="+mn-ea"/>
+                <a:cs typeface="+mn-cs"/>
+              </a:defRPr>
+            </a:lvl7pPr>
+            <a:lvl8pPr marL="3200400" algn="l" defTabSz="914400" rtl="0" eaLnBrk="1" latinLnBrk="0" hangingPunct="1">
+              <a:defRPr sz="1800" kern="1200">
+                <a:solidFill>
+                  <a:schemeClr val="lt1"/>
+                </a:solidFill>
+                <a:latin typeface="+mn-lt"/>
+                <a:ea typeface="+mn-ea"/>
+                <a:cs typeface="+mn-cs"/>
+              </a:defRPr>
+            </a:lvl8pPr>
+            <a:lvl9pPr marL="3657600" algn="l" defTabSz="914400" rtl="0" eaLnBrk="1" latinLnBrk="0" hangingPunct="1">
+              <a:defRPr sz="1800" kern="1200">
+                <a:solidFill>
+                  <a:schemeClr val="lt1"/>
+                </a:solidFill>
+                <a:latin typeface="+mn-lt"/>
+                <a:ea typeface="+mn-ea"/>
+                <a:cs typeface="+mn-cs"/>
+              </a:defRPr>
+            </a:lvl9pPr>
+          </a:lstStyle>
+          <a:p>
+            <a:pPr algn="ctr"/>
+            <a:endParaRPr lang="en-US"/>
+          </a:p>
+        </p:txBody>
+      </p:sp>
+      <p:sp useBgFill="1">
+        <p:nvSpPr>
+          <p:cNvPr id="19" name="Rectangle 18">
+            <a:extLst>
+              <a:ext uri="{FF2B5EF4-FFF2-40B4-BE49-F238E27FC236}">
+                <a16:creationId xmlns:a16="http://schemas.microsoft.com/office/drawing/2014/main" id="{E81BF4F6-F2CF-4984-9D14-D6966D92F99F}"/>
+              </a:ext>
+              <a:ext uri="{C183D7F6-B498-43B3-948B-1728B52AA6E4}">
+                <adec:decorative xmlns:adec="http://schemas.microsoft.com/office/drawing/2017/decorative" val="1"/>
+              </a:ext>
+            </a:extLst>
+          </p:cNvPr>
+          <p:cNvSpPr>
+            <a:spLocks noGrp="1" noRot="1" noChangeAspect="1" noMove="1" noResize="1" noEditPoints="1" noAdjustHandles="1" noChangeArrowheads="1" noChangeShapeType="1" noTextEdit="1"/>
+          </p:cNvSpPr>
+          <p:nvPr>
+            <p:extLst>
+              <p:ext uri="{386F3935-93C4-4BCD-93E2-E3B085C9AB24}">
+                <p16:designElem xmlns:p16="http://schemas.microsoft.com/office/powerpoint/2015/main" val="1"/>
+              </p:ext>
+            </p:extLst>
+          </p:nvPr>
+        </p:nvSpPr>
+        <p:spPr>
+          <a:xfrm>
+            <a:off x="0" y="0"/>
+            <a:ext cx="6391835" cy="2285999"/>
+          </a:xfrm>
+          <a:prstGeom prst="rect">
+            <a:avLst/>
+          </a:prstGeom>
+          <a:ln>
+            <a:noFill/>
+          </a:ln>
+          <a:effectLst>
+            <a:outerShdw blurRad="596900" dist="304800" dir="7140000" sx="90000" sy="90000" algn="t" rotWithShape="0">
+              <a:srgbClr val="000000">
+                <a:alpha val="15000"/>
+              </a:srgbClr>
+            </a:outerShdw>
+          </a:effectLst>
+        </p:spPr>
+        <p:style>
+          <a:lnRef idx="2">
+            <a:schemeClr val="accent1">
+              <a:shade val="50000"/>
+            </a:schemeClr>
+          </a:lnRef>
+          <a:fillRef idx="1">
+            <a:schemeClr val="accent1"/>
+          </a:fillRef>
+          <a:effectRef idx="0">
+            <a:schemeClr val="accent1"/>
+          </a:effectRef>
+          <a:fontRef idx="minor">
+            <a:schemeClr val="lt1"/>
+          </a:fontRef>
+        </p:style>
+        <p:txBody>
+          <a:bodyPr rtlCol="0" anchor="ctr"/>
+          <a:lstStyle/>
+          <a:p>
+            <a:pPr algn="ctr"/>
+            <a:endParaRPr lang="en-US"/>
+          </a:p>
+        </p:txBody>
+      </p:sp>
+      <p:sp>
+        <p:nvSpPr>
+          <p:cNvPr id="2" name="Title 1">
+            <a:extLst>
+              <a:ext uri="{FF2B5EF4-FFF2-40B4-BE49-F238E27FC236}">
+                <a16:creationId xmlns:a16="http://schemas.microsoft.com/office/drawing/2014/main" id="{EF2B573E-A5AA-0BB9-6CB3-0319AB8A0BF5}"/>
+              </a:ext>
+            </a:extLst>
+          </p:cNvPr>
+          <p:cNvSpPr>
+            <a:spLocks noGrp="1"/>
+          </p:cNvSpPr>
+          <p:nvPr>
+            <p:ph type="title"/>
+          </p:nvPr>
+        </p:nvSpPr>
+        <p:spPr>
+          <a:xfrm>
+            <a:off x="571352" y="350196"/>
+            <a:ext cx="3485178" cy="1624520"/>
+          </a:xfrm>
+        </p:spPr>
+        <p:txBody>
+          <a:bodyPr anchor="ctr">
+            <a:normAutofit/>
+          </a:bodyPr>
+          <a:lstStyle/>
+          <a:p>
+            <a:r>
+              <a:rPr lang="en-US" sz="3500"/>
+              <a:t>What’s Next?</a:t>
+            </a:r>
+          </a:p>
+        </p:txBody>
+      </p:sp>
+      <p:sp>
+        <p:nvSpPr>
+          <p:cNvPr id="3" name="Content Placeholder 2">
+            <a:extLst>
+              <a:ext uri="{FF2B5EF4-FFF2-40B4-BE49-F238E27FC236}">
+                <a16:creationId xmlns:a16="http://schemas.microsoft.com/office/drawing/2014/main" id="{B77284A2-09A7-0167-B203-821223B0B497}"/>
+              </a:ext>
+            </a:extLst>
+          </p:cNvPr>
+          <p:cNvSpPr>
+            <a:spLocks noGrp="1"/>
+          </p:cNvSpPr>
+          <p:nvPr>
+            <p:ph idx="1"/>
+          </p:nvPr>
+        </p:nvSpPr>
+        <p:spPr>
+          <a:xfrm>
+            <a:off x="571351" y="2743200"/>
+            <a:ext cx="3485179" cy="3613149"/>
+          </a:xfrm>
+        </p:spPr>
+        <p:txBody>
+          <a:bodyPr anchor="ctr">
+            <a:normAutofit/>
+          </a:bodyPr>
+          <a:lstStyle/>
+          <a:p>
+            <a:r>
+              <a:rPr lang="en-US" sz="2400" dirty="0"/>
+              <a:t>Multimodal Retrieval: Integrating text, image, and video data.</a:t>
+            </a:r>
+          </a:p>
+          <a:p>
+            <a:r>
+              <a:rPr lang="en-US" sz="2400" dirty="0"/>
+              <a:t>Explainable AI: Transparency in AI decision-making.</a:t>
+            </a:r>
+          </a:p>
+          <a:p>
+            <a:r>
+              <a:rPr lang="en-US" sz="2400" dirty="0"/>
+              <a:t>Real-Time Adaptation: Continuous learning from user interactions.</a:t>
+            </a:r>
+          </a:p>
+        </p:txBody>
+      </p:sp>
+      <p:pic>
+        <p:nvPicPr>
+          <p:cNvPr id="13" name="Picture 12" descr="Computer script on a screen">
+            <a:extLst>
+              <a:ext uri="{FF2B5EF4-FFF2-40B4-BE49-F238E27FC236}">
+                <a16:creationId xmlns:a16="http://schemas.microsoft.com/office/drawing/2014/main" id="{CE07EDD8-FB48-BC17-12D7-C0357FCE04A6}"/>
+              </a:ext>
+            </a:extLst>
+          </p:cNvPr>
+          <p:cNvPicPr>
+            <a:picLocks noChangeAspect="1"/>
+          </p:cNvPicPr>
+          <p:nvPr/>
+        </p:nvPicPr>
+        <p:blipFill>
+          <a:blip r:embed="rId3"/>
+          <a:srcRect l="7839" r="47611" b="-2"/>
+          <a:stretch/>
+        </p:blipFill>
+        <p:spPr>
+          <a:xfrm>
+            <a:off x="4572000" y="1"/>
+            <a:ext cx="4577118" cy="6858000"/>
+          </a:xfrm>
+          <a:prstGeom prst="rect">
+            <a:avLst/>
+          </a:prstGeom>
+        </p:spPr>
+      </p:pic>
+    </p:spTree>
+    <p:extLst>
+      <p:ext uri="{BB962C8B-B14F-4D97-AF65-F5344CB8AC3E}">
+        <p14:creationId xmlns:p14="http://schemas.microsoft.com/office/powerpoint/2010/main" val="3700440609"/>
+      </p:ext>
+    </p:extLst>
+  </p:cSld>
+  <p:clrMapOvr>
+    <a:masterClrMapping/>
+  </p:clrMapOvr>
+</p:sld>
+</file>
+
+<file path=ppt/slides/slide2.xml><?xml version="1.0" encoding="utf-8"?>
+<p:sld xmlns:a="http://schemas.openxmlformats.org/drawingml/2006/main" xmlns:r="http://schemas.openxmlformats.org/officeDocument/2006/relationships" xmlns:p="http://schemas.openxmlformats.org/presentationml/2006/main">
+  <p:cSld>
+    <p:bg>
+      <p:bgPr>
+        <a:solidFill>
+          <a:schemeClr val="bg1"/>
+        </a:solidFill>
+        <a:effectLst/>
+      </p:bgPr>
+    </p:bg>
+    <p:spTree>
+      <p:nvGrpSpPr>
+        <p:cNvPr id="1" name=""/>
+        <p:cNvGrpSpPr/>
+        <p:nvPr/>
+      </p:nvGrpSpPr>
+      <p:grpSpPr>
+        <a:xfrm>
+          <a:off x="0" y="0"/>
+          <a:ext cx="0" cy="0"/>
+          <a:chOff x="0" y="0"/>
+          <a:chExt cx="0" cy="0"/>
+        </a:xfrm>
+      </p:grpSpPr>
+      <p:sp useBgFill="1">
+        <p:nvSpPr>
+          <p:cNvPr id="16" name="Slide Background">
+            <a:extLst>
+              <a:ext uri="{FF2B5EF4-FFF2-40B4-BE49-F238E27FC236}">
+                <a16:creationId xmlns:a16="http://schemas.microsoft.com/office/drawing/2014/main" id="{9F7D5CDA-D291-4307-BF55-1381FED29634}"/>
+              </a:ext>
+              <a:ext uri="{C183D7F6-B498-43B3-948B-1728B52AA6E4}">
+                <adec:decorative xmlns:adec="http://schemas.microsoft.com/office/drawing/2017/decorative" val="1"/>
+              </a:ext>
+            </a:extLst>
+          </p:cNvPr>
+          <p:cNvSpPr>
+            <a:spLocks noGrp="1" noRot="1" noChangeAspect="1" noMove="1" noResize="1" noEditPoints="1" noAdjustHandles="1" noChangeArrowheads="1" noChangeShapeType="1" noTextEdit="1"/>
+          </p:cNvSpPr>
+          <p:nvPr>
+            <p:extLst>
+              <p:ext uri="{386F3935-93C4-4BCD-93E2-E3B085C9AB24}">
+                <p16:designElem xmlns:p16="http://schemas.microsoft.com/office/powerpoint/2015/main" val="1"/>
+              </p:ext>
+            </p:extLst>
+          </p:nvPr>
+        </p:nvSpPr>
+        <p:spPr>
+          <a:xfrm>
+            <a:off x="0" y="0"/>
+            <a:ext cx="9144000" cy="6858000"/>
+          </a:xfrm>
+          <a:prstGeom prst="rect">
+            <a:avLst/>
+          </a:prstGeom>
+          <a:ln>
+            <a:noFill/>
+          </a:ln>
+        </p:spPr>
+        <p:style>
+          <a:lnRef idx="2">
+            <a:schemeClr val="accent1">
+              <a:shade val="50000"/>
+            </a:schemeClr>
+          </a:lnRef>
+          <a:fillRef idx="1">
+            <a:schemeClr val="accent1"/>
+          </a:fillRef>
+          <a:effectRef idx="0">
+            <a:schemeClr val="accent1"/>
+          </a:effectRef>
+          <a:fontRef idx="minor">
+            <a:schemeClr val="lt1"/>
+          </a:fontRef>
+        </p:style>
+        <p:txBody>
+          <a:bodyPr rtlCol="0" anchor="ctr"/>
+          <a:lstStyle/>
+          <a:p>
+            <a:pPr algn="ctr"/>
+            <a:endParaRPr lang="en-US"/>
+          </a:p>
+        </p:txBody>
+      </p:sp>
+      <p:pic>
+        <p:nvPicPr>
+          <p:cNvPr id="5" name="Picture 4" descr="Question mark on green pastel background">
+            <a:extLst>
+              <a:ext uri="{FF2B5EF4-FFF2-40B4-BE49-F238E27FC236}">
+                <a16:creationId xmlns:a16="http://schemas.microsoft.com/office/drawing/2014/main" id="{818ABA2D-A8F2-78E8-DFA6-4E9A53C34074}"/>
+              </a:ext>
+            </a:extLst>
+          </p:cNvPr>
+          <p:cNvPicPr>
+            <a:picLocks noChangeAspect="1"/>
+          </p:cNvPicPr>
+          <p:nvPr/>
+        </p:nvPicPr>
+        <p:blipFill rotWithShape="1">
+          <a:blip r:embed="rId3"/>
+          <a:srcRect l="44935" r="5123"/>
+          <a:stretch/>
+        </p:blipFill>
+        <p:spPr>
+          <a:xfrm>
+            <a:off x="4577270" y="10"/>
+            <a:ext cx="4566728" cy="6857990"/>
+          </a:xfrm>
+          <a:prstGeom prst="rect">
+            <a:avLst/>
+          </a:prstGeom>
+        </p:spPr>
+      </p:pic>
+      <p:sp useBgFill="1">
+        <p:nvSpPr>
+          <p:cNvPr id="18" name="Rectangle 17">
+            <a:extLst>
+              <a:ext uri="{FF2B5EF4-FFF2-40B4-BE49-F238E27FC236}">
+                <a16:creationId xmlns:a16="http://schemas.microsoft.com/office/drawing/2014/main" id="{59B296B9-C5A5-4E4F-9B60-C907B5F1466C}"/>
+              </a:ext>
+              <a:ext uri="{C183D7F6-B498-43B3-948B-1728B52AA6E4}">
+                <adec:decorative xmlns:adec="http://schemas.microsoft.com/office/drawing/2017/decorative" val="1"/>
+              </a:ext>
+            </a:extLst>
+          </p:cNvPr>
+          <p:cNvSpPr>
+            <a:spLocks noGrp="1" noRot="1" noChangeAspect="1" noMove="1" noResize="1" noEditPoints="1" noAdjustHandles="1" noChangeArrowheads="1" noChangeShapeType="1" noTextEdit="1"/>
+          </p:cNvSpPr>
+          <p:nvPr>
+            <p:extLst>
+              <p:ext uri="{386F3935-93C4-4BCD-93E2-E3B085C9AB24}">
+                <p16:designElem xmlns:p16="http://schemas.microsoft.com/office/powerpoint/2015/main" val="1"/>
+              </p:ext>
+            </p:extLst>
+          </p:nvPr>
+        </p:nvSpPr>
+        <p:spPr>
+          <a:xfrm>
+            <a:off x="0" y="0"/>
+            <a:ext cx="4577268" cy="6858000"/>
+          </a:xfrm>
+          <a:prstGeom prst="rect">
+            <a:avLst/>
+          </a:prstGeom>
+          <a:ln>
+            <a:noFill/>
+          </a:ln>
+          <a:effectLst>
+            <a:outerShdw blurRad="889000" dist="406400" dir="21540000" sx="90000" sy="90000" algn="t" rotWithShape="0">
+              <a:srgbClr val="000000">
+                <a:alpha val="20000"/>
+              </a:srgbClr>
+            </a:outerShdw>
+          </a:effectLst>
+        </p:spPr>
+        <p:style>
+          <a:lnRef idx="2">
+            <a:schemeClr val="accent1">
+              <a:shade val="50000"/>
+            </a:schemeClr>
+          </a:lnRef>
+          <a:fillRef idx="1">
+            <a:schemeClr val="accent1"/>
+          </a:fillRef>
+          <a:effectRef idx="0">
+            <a:schemeClr val="accent1"/>
+          </a:effectRef>
+          <a:fontRef idx="minor">
+            <a:schemeClr val="lt1"/>
+          </a:fontRef>
+        </p:style>
+        <p:txBody>
+          <a:bodyPr rtlCol="0" anchor="ctr"/>
+          <a:lstStyle/>
+          <a:p>
+            <a:pPr algn="ctr"/>
+            <a:endParaRPr lang="en-US"/>
+          </a:p>
+        </p:txBody>
+      </p:sp>
+      <p:sp useBgFill="1">
+        <p:nvSpPr>
+          <p:cNvPr id="20" name="Rectangle 19">
+            <a:extLst>
+              <a:ext uri="{FF2B5EF4-FFF2-40B4-BE49-F238E27FC236}">
+                <a16:creationId xmlns:a16="http://schemas.microsoft.com/office/drawing/2014/main" id="{D0300FD3-5AF1-6305-15FA-9078072672E2}"/>
+              </a:ext>
+              <a:ext uri="{C183D7F6-B498-43B3-948B-1728B52AA6E4}">
+                <adec:decorative xmlns:adec="http://schemas.microsoft.com/office/drawing/2017/decorative" val="1"/>
+              </a:ext>
+            </a:extLst>
+          </p:cNvPr>
+          <p:cNvSpPr>
+            <a:spLocks noGrp="1" noRot="1" noChangeAspect="1" noMove="1" noResize="1" noEditPoints="1" noAdjustHandles="1" noChangeArrowheads="1" noChangeShapeType="1" noTextEdit="1"/>
+          </p:cNvSpPr>
+          <p:nvPr>
+            <p:extLst>
+              <p:ext uri="{386F3935-93C4-4BCD-93E2-E3B085C9AB24}">
+                <p16:designElem xmlns:p16="http://schemas.microsoft.com/office/powerpoint/2015/main" val="1"/>
+              </p:ext>
+            </p:extLst>
+          </p:nvPr>
+        </p:nvSpPr>
+        <p:spPr>
+          <a:xfrm>
+            <a:off x="0" y="0"/>
+            <a:ext cx="4577268" cy="2285995"/>
+          </a:xfrm>
+          <a:prstGeom prst="rect">
+            <a:avLst/>
+          </a:prstGeom>
+          <a:ln>
+            <a:noFill/>
+          </a:ln>
+          <a:effectLst>
+            <a:outerShdw blurRad="254000" dist="127000" dir="5460000" sx="92000" sy="92000" algn="t" rotWithShape="0">
+              <a:srgbClr val="000000">
+                <a:alpha val="30000"/>
+              </a:srgbClr>
+            </a:outerShdw>
+          </a:effectLst>
+        </p:spPr>
+        <p:style>
+          <a:lnRef idx="2">
+            <a:schemeClr val="accent1">
+              <a:shade val="50000"/>
+            </a:schemeClr>
+          </a:lnRef>
+          <a:fillRef idx="1">
+            <a:schemeClr val="accent1"/>
+          </a:fillRef>
+          <a:effectRef idx="0">
+            <a:schemeClr val="accent1"/>
+          </a:effectRef>
+          <a:fontRef idx="minor">
+            <a:schemeClr val="lt1"/>
+          </a:fontRef>
+        </p:style>
+        <p:txBody>
+          <a:bodyPr rtlCol="0" anchor="ctr"/>
+          <a:lstStyle/>
+          <a:p>
+            <a:pPr algn="ctr"/>
+            <a:endParaRPr lang="en-US"/>
+          </a:p>
+        </p:txBody>
+      </p:sp>
+      <p:sp>
+        <p:nvSpPr>
+          <p:cNvPr id="2" name="Title 1"/>
+          <p:cNvSpPr>
+            <a:spLocks noGrp="1"/>
+          </p:cNvSpPr>
+          <p:nvPr>
+            <p:ph type="title"/>
+          </p:nvPr>
+        </p:nvSpPr>
+        <p:spPr>
+          <a:xfrm>
+            <a:off x="571350" y="328512"/>
+            <a:ext cx="3583791" cy="1628970"/>
+          </a:xfrm>
+        </p:spPr>
+        <p:txBody>
+          <a:bodyPr anchor="ctr">
+            <a:normAutofit/>
+          </a:bodyPr>
+          <a:lstStyle/>
+          <a:p>
+            <a:pPr>
+              <a:lnSpc>
+                <a:spcPct val="90000"/>
+              </a:lnSpc>
+            </a:pPr>
+            <a:r>
+              <a:rPr lang="en-US" sz="3500" dirty="0"/>
+              <a:t>What is RAG?</a:t>
+            </a:r>
+          </a:p>
+        </p:txBody>
+      </p:sp>
+      <p:sp>
+        <p:nvSpPr>
+          <p:cNvPr id="3" name="Content Placeholder 2"/>
+          <p:cNvSpPr>
+            <a:spLocks noGrp="1"/>
+          </p:cNvSpPr>
+          <p:nvPr>
+            <p:ph idx="1"/>
+          </p:nvPr>
+        </p:nvSpPr>
+        <p:spPr>
+          <a:xfrm>
+            <a:off x="151254" y="2884929"/>
+            <a:ext cx="4276367" cy="3374137"/>
+          </a:xfrm>
+        </p:spPr>
+        <p:txBody>
+          <a:bodyPr anchor="ctr">
+            <a:noAutofit/>
+          </a:bodyPr>
+          <a:lstStyle/>
+          <a:p>
+            <a:r>
+              <a:rPr lang="en-US" sz="2400" dirty="0"/>
+              <a:t>Combines retrieval systems with advanced AI to enhance relevance and accuracy.</a:t>
+            </a:r>
+          </a:p>
+          <a:p>
+            <a:r>
+              <a:rPr lang="en-US" sz="2400" dirty="0"/>
+              <a:t>Bridges the gap between traditional search and intelligent generation.</a:t>
+            </a:r>
+          </a:p>
+          <a:p>
+            <a:r>
+              <a:rPr lang="en-US" sz="2400" dirty="0"/>
+              <a:t>Example: Enhanced search results in eCommerce, healthcare, and customer support.</a:t>
+            </a:r>
+          </a:p>
+        </p:txBody>
+      </p:sp>
+    </p:spTree>
+  </p:cSld>
+  <p:clrMapOvr>
+    <a:masterClrMapping/>
+  </p:clrMapOvr>
+</p:sld>
+</file>
+
+<file path=ppt/slides/slide3.xml><?xml version="1.0" encoding="utf-8"?>
+<p:sld xmlns:a="http://schemas.openxmlformats.org/drawingml/2006/main" xmlns:r="http://schemas.openxmlformats.org/officeDocument/2006/relationships" xmlns:p="http://schemas.openxmlformats.org/presentationml/2006/main">
+  <p:cSld>
+    <p:bg>
+      <p:bgPr>
+        <a:solidFill>
+          <a:schemeClr val="bg1"/>
+        </a:solidFill>
+        <a:effectLst/>
+      </p:bgPr>
+    </p:bg>
+    <p:spTree>
+      <p:nvGrpSpPr>
+        <p:cNvPr id="1" name=""/>
+        <p:cNvGrpSpPr/>
+        <p:nvPr/>
+      </p:nvGrpSpPr>
+      <p:grpSpPr>
+        <a:xfrm>
+          <a:off x="0" y="0"/>
+          <a:ext cx="0" cy="0"/>
+          <a:chOff x="0" y="0"/>
+          <a:chExt cx="0" cy="0"/>
+        </a:xfrm>
+      </p:grpSpPr>
+      <p:sp useBgFill="1">
+        <p:nvSpPr>
+          <p:cNvPr id="24" name="Slide Background">
+            <a:extLst>
+              <a:ext uri="{FF2B5EF4-FFF2-40B4-BE49-F238E27FC236}">
+                <a16:creationId xmlns:a16="http://schemas.microsoft.com/office/drawing/2014/main" id="{9F7D5CDA-D291-4307-BF55-1381FED29634}"/>
+              </a:ext>
+              <a:ext uri="{C183D7F6-B498-43B3-948B-1728B52AA6E4}">
+                <adec:decorative xmlns:adec="http://schemas.microsoft.com/office/drawing/2017/decorative" val="1"/>
+              </a:ext>
+            </a:extLst>
+          </p:cNvPr>
+          <p:cNvSpPr>
+            <a:spLocks noGrp="1" noRot="1" noChangeAspect="1" noMove="1" noResize="1" noEditPoints="1" noAdjustHandles="1" noChangeArrowheads="1" noChangeShapeType="1" noTextEdit="1"/>
+          </p:cNvSpPr>
+          <p:nvPr>
+            <p:extLst>
+              <p:ext uri="{386F3935-93C4-4BCD-93E2-E3B085C9AB24}">
+                <p16:designElem xmlns:p16="http://schemas.microsoft.com/office/powerpoint/2015/main" val="1"/>
+              </p:ext>
+            </p:extLst>
+          </p:nvPr>
+        </p:nvSpPr>
+        <p:spPr>
+          <a:xfrm>
+            <a:off x="0" y="0"/>
+            <a:ext cx="9144000" cy="6858000"/>
+          </a:xfrm>
+          <a:prstGeom prst="rect">
+            <a:avLst/>
+          </a:prstGeom>
+          <a:ln>
+            <a:noFill/>
+          </a:ln>
+        </p:spPr>
+        <p:style>
+          <a:lnRef idx="2">
+            <a:schemeClr val="accent1">
+              <a:shade val="50000"/>
+            </a:schemeClr>
+          </a:lnRef>
+          <a:fillRef idx="1">
+            <a:schemeClr val="accent1"/>
+          </a:fillRef>
+          <a:effectRef idx="0">
+            <a:schemeClr val="accent1"/>
+          </a:effectRef>
+          <a:fontRef idx="minor">
+            <a:schemeClr val="lt1"/>
+          </a:fontRef>
+        </p:style>
+        <p:txBody>
+          <a:bodyPr rtlCol="0" anchor="ctr"/>
+          <a:lstStyle/>
+          <a:p>
+            <a:pPr algn="ctr"/>
+            <a:endParaRPr lang="en-US"/>
+          </a:p>
+        </p:txBody>
+      </p:sp>
+      <p:pic>
+        <p:nvPicPr>
+          <p:cNvPr id="20" name="Picture 19" descr="Different colored textiles beside each other">
+            <a:extLst>
+              <a:ext uri="{FF2B5EF4-FFF2-40B4-BE49-F238E27FC236}">
+                <a16:creationId xmlns:a16="http://schemas.microsoft.com/office/drawing/2014/main" id="{BD364C0F-2437-7285-CB31-F6FFE0741749}"/>
+              </a:ext>
+            </a:extLst>
+          </p:cNvPr>
+          <p:cNvPicPr>
+            <a:picLocks noChangeAspect="1"/>
+          </p:cNvPicPr>
+          <p:nvPr/>
+        </p:nvPicPr>
+        <p:blipFill>
+          <a:blip r:embed="rId3"/>
+          <a:srcRect l="24278" r="25780"/>
+          <a:stretch/>
+        </p:blipFill>
+        <p:spPr>
+          <a:xfrm>
+            <a:off x="4577270" y="10"/>
+            <a:ext cx="4566728" cy="6857990"/>
+          </a:xfrm>
+          <a:prstGeom prst="rect">
+            <a:avLst/>
+          </a:prstGeom>
+        </p:spPr>
+      </p:pic>
+      <p:sp useBgFill="1">
+        <p:nvSpPr>
+          <p:cNvPr id="26" name="Rectangle 25">
+            <a:extLst>
+              <a:ext uri="{FF2B5EF4-FFF2-40B4-BE49-F238E27FC236}">
+                <a16:creationId xmlns:a16="http://schemas.microsoft.com/office/drawing/2014/main" id="{59B296B9-C5A5-4E4F-9B60-C907B5F1466C}"/>
+              </a:ext>
+              <a:ext uri="{C183D7F6-B498-43B3-948B-1728B52AA6E4}">
+                <adec:decorative xmlns:adec="http://schemas.microsoft.com/office/drawing/2017/decorative" val="1"/>
+              </a:ext>
+            </a:extLst>
+          </p:cNvPr>
+          <p:cNvSpPr>
+            <a:spLocks noGrp="1" noRot="1" noChangeAspect="1" noMove="1" noResize="1" noEditPoints="1" noAdjustHandles="1" noChangeArrowheads="1" noChangeShapeType="1" noTextEdit="1"/>
+          </p:cNvSpPr>
+          <p:nvPr>
+            <p:extLst>
+              <p:ext uri="{386F3935-93C4-4BCD-93E2-E3B085C9AB24}">
+                <p16:designElem xmlns:p16="http://schemas.microsoft.com/office/powerpoint/2015/main" val="1"/>
+              </p:ext>
+            </p:extLst>
+          </p:nvPr>
+        </p:nvSpPr>
+        <p:spPr>
+          <a:xfrm>
+            <a:off x="0" y="0"/>
+            <a:ext cx="4577268" cy="6858000"/>
+          </a:xfrm>
+          <a:prstGeom prst="rect">
+            <a:avLst/>
+          </a:prstGeom>
+          <a:ln>
+            <a:noFill/>
+          </a:ln>
+          <a:effectLst>
+            <a:outerShdw blurRad="889000" dist="406400" dir="21540000" sx="90000" sy="90000" algn="t" rotWithShape="0">
+              <a:srgbClr val="000000">
+                <a:alpha val="20000"/>
+              </a:srgbClr>
+            </a:outerShdw>
+          </a:effectLst>
+        </p:spPr>
+        <p:style>
+          <a:lnRef idx="2">
+            <a:schemeClr val="accent1">
+              <a:shade val="50000"/>
+            </a:schemeClr>
+          </a:lnRef>
+          <a:fillRef idx="1">
+            <a:schemeClr val="accent1"/>
+          </a:fillRef>
+          <a:effectRef idx="0">
+            <a:schemeClr val="accent1"/>
+          </a:effectRef>
+          <a:fontRef idx="minor">
+            <a:schemeClr val="lt1"/>
+          </a:fontRef>
+        </p:style>
+        <p:txBody>
+          <a:bodyPr rtlCol="0" anchor="ctr"/>
+          <a:lstStyle/>
+          <a:p>
+            <a:pPr algn="ctr"/>
+            <a:endParaRPr lang="en-US"/>
+          </a:p>
+        </p:txBody>
+      </p:sp>
+      <p:sp useBgFill="1">
+        <p:nvSpPr>
+          <p:cNvPr id="28" name="Rectangle 27">
+            <a:extLst>
+              <a:ext uri="{FF2B5EF4-FFF2-40B4-BE49-F238E27FC236}">
+                <a16:creationId xmlns:a16="http://schemas.microsoft.com/office/drawing/2014/main" id="{D0300FD3-5AF1-6305-15FA-9078072672E2}"/>
+              </a:ext>
+              <a:ext uri="{C183D7F6-B498-43B3-948B-1728B52AA6E4}">
+                <adec:decorative xmlns:adec="http://schemas.microsoft.com/office/drawing/2017/decorative" val="1"/>
+              </a:ext>
+            </a:extLst>
+          </p:cNvPr>
+          <p:cNvSpPr>
+            <a:spLocks noGrp="1" noRot="1" noChangeAspect="1" noMove="1" noResize="1" noEditPoints="1" noAdjustHandles="1" noChangeArrowheads="1" noChangeShapeType="1" noTextEdit="1"/>
+          </p:cNvSpPr>
+          <p:nvPr>
+            <p:extLst>
+              <p:ext uri="{386F3935-93C4-4BCD-93E2-E3B085C9AB24}">
+                <p16:designElem xmlns:p16="http://schemas.microsoft.com/office/powerpoint/2015/main" val="1"/>
+              </p:ext>
+            </p:extLst>
+          </p:nvPr>
+        </p:nvSpPr>
+        <p:spPr>
+          <a:xfrm>
+            <a:off x="0" y="0"/>
+            <a:ext cx="4577268" cy="2285995"/>
+          </a:xfrm>
+          <a:prstGeom prst="rect">
+            <a:avLst/>
+          </a:prstGeom>
+          <a:ln>
+            <a:noFill/>
+          </a:ln>
+          <a:effectLst>
+            <a:outerShdw blurRad="254000" dist="127000" dir="5460000" sx="92000" sy="92000" algn="t" rotWithShape="0">
+              <a:srgbClr val="000000">
+                <a:alpha val="30000"/>
+              </a:srgbClr>
+            </a:outerShdw>
+          </a:effectLst>
+        </p:spPr>
+        <p:style>
+          <a:lnRef idx="2">
+            <a:schemeClr val="accent1">
+              <a:shade val="50000"/>
+            </a:schemeClr>
+          </a:lnRef>
+          <a:fillRef idx="1">
+            <a:schemeClr val="accent1"/>
+          </a:fillRef>
+          <a:effectRef idx="0">
+            <a:schemeClr val="accent1"/>
+          </a:effectRef>
+          <a:fontRef idx="minor">
+            <a:schemeClr val="lt1"/>
+          </a:fontRef>
+        </p:style>
+        <p:txBody>
+          <a:bodyPr rtlCol="0" anchor="ctr"/>
+          <a:lstStyle/>
+          <a:p>
+            <a:pPr algn="ctr"/>
+            <a:endParaRPr lang="en-US"/>
+          </a:p>
+        </p:txBody>
+      </p:sp>
+      <p:sp>
+        <p:nvSpPr>
+          <p:cNvPr id="2" name="Title 1"/>
+          <p:cNvSpPr>
+            <a:spLocks noGrp="1"/>
+          </p:cNvSpPr>
+          <p:nvPr>
+            <p:ph type="title"/>
+          </p:nvPr>
+        </p:nvSpPr>
+        <p:spPr>
+          <a:xfrm>
+            <a:off x="571350" y="328512"/>
+            <a:ext cx="3583791" cy="1628970"/>
+          </a:xfrm>
+        </p:spPr>
+        <p:txBody>
+          <a:bodyPr anchor="ctr">
+            <a:normAutofit/>
+          </a:bodyPr>
+          <a:lstStyle/>
+          <a:p>
+            <a:r>
+              <a:rPr lang="en-US" sz="3500" dirty="0"/>
+              <a:t>The Need for RAG</a:t>
+            </a:r>
+          </a:p>
+        </p:txBody>
+      </p:sp>
+      <p:sp>
+        <p:nvSpPr>
+          <p:cNvPr id="3" name="Content Placeholder 2"/>
+          <p:cNvSpPr>
+            <a:spLocks noGrp="1"/>
+          </p:cNvSpPr>
+          <p:nvPr>
+            <p:ph idx="1"/>
+          </p:nvPr>
+        </p:nvSpPr>
+        <p:spPr>
+          <a:xfrm>
+            <a:off x="153564" y="2884929"/>
+            <a:ext cx="3912604" cy="3374137"/>
+          </a:xfrm>
+        </p:spPr>
+        <p:txBody>
+          <a:bodyPr anchor="ctr">
+            <a:noAutofit/>
+          </a:bodyPr>
+          <a:lstStyle/>
+          <a:p>
+            <a:r>
+              <a:rPr lang="en-US" sz="2400" dirty="0"/>
+              <a:t>Limitations of traditional </a:t>
+            </a:r>
+            <a:r>
+              <a:rPr lang="en-US" sz="2400" dirty="0" err="1"/>
+              <a:t>keword</a:t>
+            </a:r>
+            <a:r>
+              <a:rPr lang="en-US" sz="2400" dirty="0"/>
+              <a:t>-matching search systems.</a:t>
+            </a:r>
+          </a:p>
+          <a:p>
+            <a:r>
+              <a:rPr lang="en-US" sz="2400" dirty="0"/>
+              <a:t>Increasing demand for context-aware and personalized results.</a:t>
+            </a:r>
+          </a:p>
+          <a:p>
+            <a:r>
+              <a:rPr lang="en-US" sz="2400" dirty="0"/>
+              <a:t>LLMs are “stuck” at a particular time, potentially resulting in hallucinations.</a:t>
+            </a:r>
+          </a:p>
+        </p:txBody>
+      </p:sp>
+    </p:spTree>
+  </p:cSld>
+  <p:clrMapOvr>
+    <a:masterClrMapping/>
+  </p:clrMapOvr>
+</p:sld>
+</file>
+
+<file path=ppt/slides/slide4.xml><?xml version="1.0" encoding="utf-8"?>
+<p:sld xmlns:a="http://schemas.openxmlformats.org/drawingml/2006/main" xmlns:r="http://schemas.openxmlformats.org/officeDocument/2006/relationships" xmlns:p="http://schemas.openxmlformats.org/presentationml/2006/main">
+  <p:cSld>
+    <p:spTree>
+      <p:nvGrpSpPr>
+        <p:cNvPr id="1" name=""/>
+        <p:cNvGrpSpPr/>
+        <p:nvPr/>
+      </p:nvGrpSpPr>
+      <p:grpSpPr>
+        <a:xfrm>
+          <a:off x="0" y="0"/>
+          <a:ext cx="0" cy="0"/>
+          <a:chOff x="0" y="0"/>
+          <a:chExt cx="0" cy="0"/>
+        </a:xfrm>
+      </p:grpSpPr>
+      <p:sp>
+        <p:nvSpPr>
+          <p:cNvPr id="2" name="Title 1">
+            <a:extLst>
+              <a:ext uri="{FF2B5EF4-FFF2-40B4-BE49-F238E27FC236}">
+                <a16:creationId xmlns:a16="http://schemas.microsoft.com/office/drawing/2014/main" id="{A68AF749-A675-60C8-2CFB-790E9E4BA3A2}"/>
+              </a:ext>
+            </a:extLst>
+          </p:cNvPr>
+          <p:cNvSpPr>
+            <a:spLocks noGrp="1"/>
+          </p:cNvSpPr>
+          <p:nvPr>
+            <p:ph type="title"/>
+          </p:nvPr>
+        </p:nvSpPr>
+        <p:spPr/>
+        <p:txBody>
+          <a:bodyPr/>
+          <a:lstStyle/>
+          <a:p>
+            <a:r>
+              <a:rPr lang="en-US" dirty="0"/>
+              <a:t>Drawback of Gen AI Without RAG</a:t>
+            </a:r>
+          </a:p>
+        </p:txBody>
+      </p:sp>
+      <p:pic>
+        <p:nvPicPr>
+          <p:cNvPr id="5" name="Content Placeholder 4">
+            <a:extLst>
+              <a:ext uri="{FF2B5EF4-FFF2-40B4-BE49-F238E27FC236}">
+                <a16:creationId xmlns:a16="http://schemas.microsoft.com/office/drawing/2014/main" id="{68561E72-B66D-12EA-1377-B6174429D418}"/>
+              </a:ext>
+            </a:extLst>
+          </p:cNvPr>
+          <p:cNvPicPr>
+            <a:picLocks noGrp="1" noChangeAspect="1"/>
+          </p:cNvPicPr>
+          <p:nvPr>
+            <p:ph idx="1"/>
+          </p:nvPr>
+        </p:nvPicPr>
+        <p:blipFill>
+          <a:blip r:embed="rId2"/>
+          <a:stretch>
+            <a:fillRect/>
+          </a:stretch>
+        </p:blipFill>
+        <p:spPr>
+          <a:xfrm>
+            <a:off x="1475288" y="1600200"/>
+            <a:ext cx="6193423" cy="4525963"/>
+          </a:xfrm>
+        </p:spPr>
+      </p:pic>
+      <p:sp>
+        <p:nvSpPr>
+          <p:cNvPr id="6" name="TextBox 5">
+            <a:extLst>
+              <a:ext uri="{FF2B5EF4-FFF2-40B4-BE49-F238E27FC236}">
+                <a16:creationId xmlns:a16="http://schemas.microsoft.com/office/drawing/2014/main" id="{9C47A601-C5C6-4190-6344-70FDD2D1BB59}"/>
+              </a:ext>
+            </a:extLst>
+          </p:cNvPr>
+          <p:cNvSpPr txBox="1"/>
+          <p:nvPr/>
+        </p:nvSpPr>
+        <p:spPr>
+          <a:xfrm>
+            <a:off x="457200" y="6351684"/>
+            <a:ext cx="2512855" cy="369332"/>
+          </a:xfrm>
+          <a:prstGeom prst="rect">
+            <a:avLst/>
+          </a:prstGeom>
+          <a:noFill/>
+        </p:spPr>
+        <p:txBody>
+          <a:bodyPr wrap="square" rtlCol="0">
+            <a:spAutoFit/>
+          </a:bodyPr>
+          <a:lstStyle/>
+          <a:p>
+            <a:r>
+              <a:rPr lang="en-US" dirty="0"/>
+              <a:t>Credit: </a:t>
+            </a:r>
+            <a:r>
+              <a:rPr lang="en-US" dirty="0">
+                <a:hlinkClick r:id="rId3"/>
+              </a:rPr>
+              <a:t>Pinecone.io</a:t>
+            </a:r>
+            <a:endParaRPr lang="en-US" dirty="0"/>
+          </a:p>
+        </p:txBody>
+      </p:sp>
+    </p:spTree>
+    <p:extLst>
+      <p:ext uri="{BB962C8B-B14F-4D97-AF65-F5344CB8AC3E}">
+        <p14:creationId xmlns:p14="http://schemas.microsoft.com/office/powerpoint/2010/main" val="449830461"/>
+      </p:ext>
+    </p:extLst>
+  </p:cSld>
+  <p:clrMapOvr>
+    <a:masterClrMapping/>
+  </p:clrMapOvr>
+</p:sld>
+</file>
+
+<file path=ppt/slides/slide5.xml><?xml version="1.0" encoding="utf-8"?>
+<p:sld xmlns:a="http://schemas.openxmlformats.org/drawingml/2006/main" xmlns:r="http://schemas.openxmlformats.org/officeDocument/2006/relationships" xmlns:p="http://schemas.openxmlformats.org/presentationml/2006/main">
+  <p:cSld>
+    <p:bg>
+      <p:bgPr>
+        <a:solidFill>
+          <a:schemeClr val="bg1"/>
+        </a:solidFill>
+        <a:effectLst/>
+      </p:bgPr>
+    </p:bg>
+    <p:spTree>
+      <p:nvGrpSpPr>
+        <p:cNvPr id="1" name=""/>
+        <p:cNvGrpSpPr/>
+        <p:nvPr/>
+      </p:nvGrpSpPr>
+      <p:grpSpPr>
+        <a:xfrm>
+          <a:off x="0" y="0"/>
+          <a:ext cx="0" cy="0"/>
+          <a:chOff x="0" y="0"/>
+          <a:chExt cx="0" cy="0"/>
+        </a:xfrm>
+      </p:grpSpPr>
+      <p:sp useBgFill="1">
+        <p:nvSpPr>
+          <p:cNvPr id="9" name="Slide Background">
+            <a:extLst>
+              <a:ext uri="{FF2B5EF4-FFF2-40B4-BE49-F238E27FC236}">
+                <a16:creationId xmlns:a16="http://schemas.microsoft.com/office/drawing/2014/main" id="{9F7D5CDA-D291-4307-BF55-1381FED29634}"/>
+              </a:ext>
+              <a:ext uri="{C183D7F6-B498-43B3-948B-1728B52AA6E4}">
+                <adec:decorative xmlns:adec="http://schemas.microsoft.com/office/drawing/2017/decorative" val="1"/>
+              </a:ext>
+            </a:extLst>
+          </p:cNvPr>
+          <p:cNvSpPr>
+            <a:spLocks noGrp="1" noRot="1" noChangeAspect="1" noMove="1" noResize="1" noEditPoints="1" noAdjustHandles="1" noChangeArrowheads="1" noChangeShapeType="1" noTextEdit="1"/>
+          </p:cNvSpPr>
+          <p:nvPr>
+            <p:extLst>
+              <p:ext uri="{386F3935-93C4-4BCD-93E2-E3B085C9AB24}">
+                <p16:designElem xmlns:p16="http://schemas.microsoft.com/office/powerpoint/2015/main" val="1"/>
+              </p:ext>
+            </p:extLst>
+          </p:nvPr>
+        </p:nvSpPr>
+        <p:spPr>
+          <a:xfrm>
+            <a:off x="0" y="0"/>
+            <a:ext cx="9144000" cy="6858000"/>
+          </a:xfrm>
+          <a:prstGeom prst="rect">
+            <a:avLst/>
+          </a:prstGeom>
+          <a:ln>
+            <a:noFill/>
+          </a:ln>
+        </p:spPr>
+        <p:style>
+          <a:lnRef idx="2">
+            <a:schemeClr val="accent1">
+              <a:shade val="50000"/>
+            </a:schemeClr>
+          </a:lnRef>
+          <a:fillRef idx="1">
+            <a:schemeClr val="accent1"/>
+          </a:fillRef>
+          <a:effectRef idx="0">
+            <a:schemeClr val="accent1"/>
+          </a:effectRef>
+          <a:fontRef idx="minor">
+            <a:schemeClr val="lt1"/>
+          </a:fontRef>
+        </p:style>
+        <p:txBody>
+          <a:bodyPr rtlCol="0" anchor="ctr"/>
+          <a:lstStyle/>
+          <a:p>
+            <a:pPr algn="ctr"/>
+            <a:endParaRPr lang="en-US"/>
+          </a:p>
+        </p:txBody>
+      </p:sp>
+      <p:sp>
+        <p:nvSpPr>
+          <p:cNvPr id="2" name="Title 1"/>
+          <p:cNvSpPr>
+            <a:spLocks noGrp="1"/>
+          </p:cNvSpPr>
+          <p:nvPr>
+            <p:ph type="title"/>
+          </p:nvPr>
+        </p:nvSpPr>
+        <p:spPr>
+          <a:xfrm>
+            <a:off x="619477" y="156687"/>
+            <a:ext cx="4000647" cy="1708242"/>
+          </a:xfrm>
+        </p:spPr>
+        <p:txBody>
+          <a:bodyPr anchor="ctr">
+            <a:normAutofit/>
+          </a:bodyPr>
+          <a:lstStyle/>
+          <a:p>
+            <a:r>
+              <a:rPr lang="en-US" sz="3500" dirty="0"/>
+              <a:t>RAG Workflow</a:t>
+            </a:r>
+          </a:p>
+        </p:txBody>
+      </p:sp>
+      <p:sp>
+        <p:nvSpPr>
+          <p:cNvPr id="3" name="Content Placeholder 2"/>
+          <p:cNvSpPr>
+            <a:spLocks noGrp="1"/>
+          </p:cNvSpPr>
+          <p:nvPr>
+            <p:ph idx="1"/>
+          </p:nvPr>
+        </p:nvSpPr>
+        <p:spPr>
+          <a:xfrm>
+            <a:off x="124108" y="1623747"/>
+            <a:ext cx="4895132" cy="4679697"/>
+          </a:xfrm>
+        </p:spPr>
+        <p:txBody>
+          <a:bodyPr anchor="ctr">
+            <a:noAutofit/>
+          </a:bodyPr>
+          <a:lstStyle/>
+          <a:p>
+            <a:pPr marL="457200" indent="-457200">
+              <a:buAutoNum type="arabicPeriod"/>
+            </a:pPr>
+            <a:r>
+              <a:rPr lang="en-US" sz="2400" dirty="0"/>
+              <a:t>User Query: Input from the user.</a:t>
+            </a:r>
+          </a:p>
+          <a:p>
+            <a:pPr marL="457200" indent="-457200">
+              <a:buAutoNum type="arabicPeriod"/>
+            </a:pPr>
+            <a:r>
+              <a:rPr lang="en-US" sz="2400" dirty="0"/>
+              <a:t>Retrieval: Relevant documents retrieved using dense embeddings.</a:t>
+            </a:r>
+          </a:p>
+          <a:p>
+            <a:pPr marL="457200" indent="-457200">
+              <a:buAutoNum type="arabicPeriod"/>
+            </a:pPr>
+            <a:r>
+              <a:rPr lang="en-US" sz="2400" dirty="0"/>
+              <a:t>Augmentation: Retrieved data integrated with the query.</a:t>
+            </a:r>
+          </a:p>
+          <a:p>
+            <a:pPr marL="457200" indent="-457200">
+              <a:buAutoNum type="arabicPeriod"/>
+            </a:pPr>
+            <a:r>
+              <a:rPr lang="en-US" sz="2400" dirty="0"/>
+              <a:t>Generation: Final response produced using a generative model.</a:t>
+            </a:r>
+          </a:p>
+        </p:txBody>
+      </p:sp>
+      <p:pic>
+        <p:nvPicPr>
+          <p:cNvPr id="5" name="Picture 4" descr="An abstract design with lines and financial symbols">
+            <a:extLst>
+              <a:ext uri="{FF2B5EF4-FFF2-40B4-BE49-F238E27FC236}">
+                <a16:creationId xmlns:a16="http://schemas.microsoft.com/office/drawing/2014/main" id="{596B3E05-533F-37E9-DCC8-03989411BC01}"/>
+              </a:ext>
+            </a:extLst>
+          </p:cNvPr>
+          <p:cNvPicPr>
+            <a:picLocks noChangeAspect="1"/>
+          </p:cNvPicPr>
+          <p:nvPr/>
+        </p:nvPicPr>
+        <p:blipFill rotWithShape="1">
+          <a:blip r:embed="rId3"/>
+          <a:srcRect l="30188" r="31080"/>
+          <a:stretch/>
+        </p:blipFill>
+        <p:spPr>
+          <a:xfrm>
+            <a:off x="5143347" y="-10886"/>
+            <a:ext cx="4000653" cy="6868886"/>
+          </a:xfrm>
+          <a:prstGeom prst="rect">
+            <a:avLst/>
+          </a:prstGeom>
+          <a:effectLst>
+            <a:outerShdw blurRad="127000" dist="50800" dir="10800000" sx="99000" sy="99000" algn="r" rotWithShape="0">
+              <a:prstClr val="black">
+                <a:alpha val="40000"/>
+              </a:prstClr>
+            </a:outerShdw>
+          </a:effectLst>
+        </p:spPr>
+      </p:pic>
+    </p:spTree>
+  </p:cSld>
+  <p:clrMapOvr>
+    <a:masterClrMapping/>
+  </p:clrMapOvr>
+</p:sld>
+</file>
+
+<file path=ppt/slides/slide6.xml><?xml version="1.0" encoding="utf-8"?>
+<p:sld xmlns:a="http://schemas.openxmlformats.org/drawingml/2006/main" xmlns:r="http://schemas.openxmlformats.org/officeDocument/2006/relationships" xmlns:p="http://schemas.openxmlformats.org/presentationml/2006/main">
+  <p:cSld>
+    <p:spTree>
+      <p:nvGrpSpPr>
+        <p:cNvPr id="1" name="">
+          <a:extLst>
+            <a:ext uri="{FF2B5EF4-FFF2-40B4-BE49-F238E27FC236}">
+              <a16:creationId xmlns:a16="http://schemas.microsoft.com/office/drawing/2014/main" id="{06FF460B-4CF5-ED85-3A50-0D739E6FEB91}"/>
+            </a:ext>
+          </a:extLst>
+        </p:cNvPr>
+        <p:cNvGrpSpPr/>
+        <p:nvPr/>
+      </p:nvGrpSpPr>
+      <p:grpSpPr>
+        <a:xfrm>
+          <a:off x="0" y="0"/>
+          <a:ext cx="0" cy="0"/>
+          <a:chOff x="0" y="0"/>
+          <a:chExt cx="0" cy="0"/>
+        </a:xfrm>
+      </p:grpSpPr>
+      <p:sp>
+        <p:nvSpPr>
+          <p:cNvPr id="2" name="Title 1">
+            <a:extLst>
+              <a:ext uri="{FF2B5EF4-FFF2-40B4-BE49-F238E27FC236}">
+                <a16:creationId xmlns:a16="http://schemas.microsoft.com/office/drawing/2014/main" id="{512A4DB9-8FB3-CB94-7496-D9783108DA7F}"/>
+              </a:ext>
+            </a:extLst>
+          </p:cNvPr>
+          <p:cNvSpPr>
+            <a:spLocks noGrp="1"/>
+          </p:cNvSpPr>
+          <p:nvPr>
+            <p:ph type="title"/>
+          </p:nvPr>
+        </p:nvSpPr>
+        <p:spPr/>
+        <p:txBody>
+          <a:bodyPr/>
+          <a:lstStyle/>
+          <a:p>
+            <a:r>
+              <a:rPr lang="en-US" dirty="0"/>
+              <a:t>Using RAG with Sematic Search</a:t>
+            </a:r>
+          </a:p>
+        </p:txBody>
+      </p:sp>
+      <p:sp>
+        <p:nvSpPr>
+          <p:cNvPr id="6" name="TextBox 5">
+            <a:extLst>
+              <a:ext uri="{FF2B5EF4-FFF2-40B4-BE49-F238E27FC236}">
+                <a16:creationId xmlns:a16="http://schemas.microsoft.com/office/drawing/2014/main" id="{4AA7CBBC-E897-BCCD-872D-BC730B5D420A}"/>
+              </a:ext>
+            </a:extLst>
+          </p:cNvPr>
+          <p:cNvSpPr txBox="1"/>
+          <p:nvPr/>
+        </p:nvSpPr>
+        <p:spPr>
+          <a:xfrm>
+            <a:off x="457200" y="6351684"/>
+            <a:ext cx="2512855" cy="369332"/>
+          </a:xfrm>
+          <a:prstGeom prst="rect">
+            <a:avLst/>
+          </a:prstGeom>
+          <a:noFill/>
+        </p:spPr>
+        <p:txBody>
+          <a:bodyPr wrap="square" rtlCol="0">
+            <a:spAutoFit/>
+          </a:bodyPr>
+          <a:lstStyle/>
+          <a:p>
+            <a:r>
+              <a:rPr lang="en-US" dirty="0"/>
+              <a:t>Credit: </a:t>
+            </a:r>
+            <a:r>
+              <a:rPr lang="en-US" dirty="0">
+                <a:hlinkClick r:id="rId3"/>
+              </a:rPr>
+              <a:t>Pinecone.io</a:t>
+            </a:r>
+            <a:endParaRPr lang="en-US" dirty="0"/>
+          </a:p>
+        </p:txBody>
+      </p:sp>
+      <p:sp>
+        <p:nvSpPr>
+          <p:cNvPr id="4" name="Content Placeholder 3">
+            <a:extLst>
+              <a:ext uri="{FF2B5EF4-FFF2-40B4-BE49-F238E27FC236}">
+                <a16:creationId xmlns:a16="http://schemas.microsoft.com/office/drawing/2014/main" id="{B8DA4666-BFA2-0FE6-A45A-E17144EA3CA0}"/>
+              </a:ext>
+            </a:extLst>
+          </p:cNvPr>
+          <p:cNvSpPr>
+            <a:spLocks noGrp="1"/>
+          </p:cNvSpPr>
+          <p:nvPr>
+            <p:ph idx="1"/>
+          </p:nvPr>
+        </p:nvSpPr>
+        <p:spPr/>
+        <p:txBody>
+          <a:bodyPr/>
+          <a:lstStyle/>
+          <a:p>
+            <a:endParaRPr lang="en-US"/>
+          </a:p>
+        </p:txBody>
+      </p:sp>
+      <p:pic>
+        <p:nvPicPr>
+          <p:cNvPr id="7" name="Picture 6">
+            <a:extLst>
+              <a:ext uri="{FF2B5EF4-FFF2-40B4-BE49-F238E27FC236}">
+                <a16:creationId xmlns:a16="http://schemas.microsoft.com/office/drawing/2014/main" id="{F9006806-5073-350E-DB2C-45C155AB6D9B}"/>
+              </a:ext>
+            </a:extLst>
+          </p:cNvPr>
+          <p:cNvPicPr>
+            <a:picLocks noChangeAspect="1"/>
+          </p:cNvPicPr>
+          <p:nvPr/>
+        </p:nvPicPr>
+        <p:blipFill>
+          <a:blip r:embed="rId4"/>
+          <a:stretch>
+            <a:fillRect/>
+          </a:stretch>
+        </p:blipFill>
+        <p:spPr>
+          <a:xfrm>
+            <a:off x="457200" y="1290799"/>
+            <a:ext cx="8229600" cy="4810949"/>
+          </a:xfrm>
+          <a:prstGeom prst="rect">
+            <a:avLst/>
+          </a:prstGeom>
+        </p:spPr>
+      </p:pic>
+    </p:spTree>
+    <p:extLst>
+      <p:ext uri="{BB962C8B-B14F-4D97-AF65-F5344CB8AC3E}">
+        <p14:creationId xmlns:p14="http://schemas.microsoft.com/office/powerpoint/2010/main" val="37961247"/>
+      </p:ext>
+    </p:extLst>
+  </p:cSld>
+  <p:clrMapOvr>
+    <a:masterClrMapping/>
+  </p:clrMapOvr>
+</p:sld>
+</file>
+
+<file path=ppt/slides/slide7.xml><?xml version="1.0" encoding="utf-8"?>
+<p:sld xmlns:a="http://schemas.openxmlformats.org/drawingml/2006/main" xmlns:r="http://schemas.openxmlformats.org/officeDocument/2006/relationships" xmlns:p="http://schemas.openxmlformats.org/presentationml/2006/main">
+  <p:cSld>
+    <p:spTree>
+      <p:nvGrpSpPr>
+        <p:cNvPr id="1" name="">
+          <a:extLst>
+            <a:ext uri="{FF2B5EF4-FFF2-40B4-BE49-F238E27FC236}">
+              <a16:creationId xmlns:a16="http://schemas.microsoft.com/office/drawing/2014/main" id="{30C8533E-A9AD-F8B0-3558-6B939F985DCC}"/>
+            </a:ext>
+          </a:extLst>
+        </p:cNvPr>
+        <p:cNvGrpSpPr/>
+        <p:nvPr/>
+      </p:nvGrpSpPr>
+      <p:grpSpPr>
+        <a:xfrm>
+          <a:off x="0" y="0"/>
+          <a:ext cx="0" cy="0"/>
+          <a:chOff x="0" y="0"/>
+          <a:chExt cx="0" cy="0"/>
+        </a:xfrm>
+      </p:grpSpPr>
+      <p:sp>
+        <p:nvSpPr>
+          <p:cNvPr id="2" name="Title 1">
+            <a:extLst>
+              <a:ext uri="{FF2B5EF4-FFF2-40B4-BE49-F238E27FC236}">
+                <a16:creationId xmlns:a16="http://schemas.microsoft.com/office/drawing/2014/main" id="{A365CDB2-6ECA-B46F-0F31-6DBE5DE5828D}"/>
+              </a:ext>
+            </a:extLst>
+          </p:cNvPr>
+          <p:cNvSpPr>
+            <a:spLocks noGrp="1"/>
+          </p:cNvSpPr>
+          <p:nvPr>
+            <p:ph type="title"/>
+          </p:nvPr>
+        </p:nvSpPr>
+        <p:spPr/>
+        <p:txBody>
+          <a:bodyPr/>
+          <a:lstStyle/>
+          <a:p>
+            <a:r>
+              <a:rPr lang="en-US" dirty="0"/>
+              <a:t>Returning a Better Answer</a:t>
+            </a:r>
+          </a:p>
+        </p:txBody>
+      </p:sp>
+      <p:sp>
+        <p:nvSpPr>
+          <p:cNvPr id="6" name="TextBox 5">
+            <a:extLst>
+              <a:ext uri="{FF2B5EF4-FFF2-40B4-BE49-F238E27FC236}">
+                <a16:creationId xmlns:a16="http://schemas.microsoft.com/office/drawing/2014/main" id="{1128480E-FDF9-633D-5CA6-BA2AAEC4FB69}"/>
+              </a:ext>
+            </a:extLst>
+          </p:cNvPr>
+          <p:cNvSpPr txBox="1"/>
+          <p:nvPr/>
+        </p:nvSpPr>
+        <p:spPr>
+          <a:xfrm>
+            <a:off x="457200" y="6351684"/>
+            <a:ext cx="2512855" cy="369332"/>
+          </a:xfrm>
+          <a:prstGeom prst="rect">
+            <a:avLst/>
+          </a:prstGeom>
+          <a:noFill/>
+        </p:spPr>
+        <p:txBody>
+          <a:bodyPr wrap="square" rtlCol="0">
+            <a:spAutoFit/>
+          </a:bodyPr>
+          <a:lstStyle/>
+          <a:p>
+            <a:r>
+              <a:rPr lang="en-US" dirty="0"/>
+              <a:t>Credit: </a:t>
+            </a:r>
+            <a:r>
+              <a:rPr lang="en-US" dirty="0">
+                <a:hlinkClick r:id="rId3"/>
+              </a:rPr>
+              <a:t>Pinecone.io</a:t>
+            </a:r>
+            <a:endParaRPr lang="en-US" dirty="0"/>
+          </a:p>
+        </p:txBody>
+      </p:sp>
+      <p:pic>
+        <p:nvPicPr>
+          <p:cNvPr id="5" name="Content Placeholder 4">
+            <a:extLst>
+              <a:ext uri="{FF2B5EF4-FFF2-40B4-BE49-F238E27FC236}">
+                <a16:creationId xmlns:a16="http://schemas.microsoft.com/office/drawing/2014/main" id="{49DB91BF-A304-B498-DC19-82AA52540950}"/>
+              </a:ext>
+            </a:extLst>
+          </p:cNvPr>
+          <p:cNvPicPr>
+            <a:picLocks noGrp="1" noChangeAspect="1"/>
+          </p:cNvPicPr>
+          <p:nvPr>
+            <p:ph idx="1"/>
+          </p:nvPr>
+        </p:nvPicPr>
+        <p:blipFill>
+          <a:blip r:embed="rId4"/>
+          <a:stretch>
+            <a:fillRect/>
+          </a:stretch>
+        </p:blipFill>
+        <p:spPr>
+          <a:xfrm>
+            <a:off x="1492862" y="1600200"/>
+            <a:ext cx="6158276" cy="4525963"/>
+          </a:xfrm>
+        </p:spPr>
+      </p:pic>
+    </p:spTree>
+    <p:extLst>
+      <p:ext uri="{BB962C8B-B14F-4D97-AF65-F5344CB8AC3E}">
+        <p14:creationId xmlns:p14="http://schemas.microsoft.com/office/powerpoint/2010/main" val="677064844"/>
+      </p:ext>
+    </p:extLst>
+  </p:cSld>
+  <p:clrMapOvr>
+    <a:masterClrMapping/>
+  </p:clrMapOvr>
+</p:sld>
+</file>
+
+<file path=ppt/slides/slide8.xml><?xml version="1.0" encoding="utf-8"?>
+<p:sld xmlns:a="http://schemas.openxmlformats.org/drawingml/2006/main" xmlns:r="http://schemas.openxmlformats.org/officeDocument/2006/relationships" xmlns:p="http://schemas.openxmlformats.org/presentationml/2006/main">
+  <p:cSld>
+    <p:bg>
+      <p:bgPr>
+        <a:solidFill>
+          <a:schemeClr val="bg1"/>
+        </a:solidFill>
+        <a:effectLst/>
+      </p:bgPr>
+    </p:bg>
+    <p:spTree>
+      <p:nvGrpSpPr>
         <p:cNvPr id="1" name=""/>
         <p:cNvGrpSpPr/>
         <p:nvPr/>
@@ -6213,7 +7845,7 @@
 </p:sld>
 </file>
 
-<file path=ppt/slides/slide11.xml><?xml version="1.0" encoding="utf-8"?>
+<file path=ppt/slides/slide9.xml><?xml version="1.0" encoding="utf-8"?>
 <p:sld xmlns:a="http://schemas.openxmlformats.org/drawingml/2006/main" xmlns:r="http://schemas.openxmlformats.org/officeDocument/2006/relationships" xmlns:p="http://schemas.openxmlformats.org/presentationml/2006/main">
   <p:cSld>
     <p:bg>
@@ -6527,2654 +8159,6 @@
         </p:sp>
       </p:grpSp>
     </p:spTree>
-  </p:cSld>
-  <p:clrMapOvr>
-    <a:masterClrMapping/>
-  </p:clrMapOvr>
-</p:sld>
-</file>
-
-<file path=ppt/slides/slide12.xml><?xml version="1.0" encoding="utf-8"?>
-<p:sld xmlns:a="http://schemas.openxmlformats.org/drawingml/2006/main" xmlns:r="http://schemas.openxmlformats.org/officeDocument/2006/relationships" xmlns:p="http://schemas.openxmlformats.org/presentationml/2006/main">
-  <p:cSld>
-    <p:bg>
-      <p:bgPr>
-        <a:solidFill>
-          <a:schemeClr val="bg1"/>
-        </a:solidFill>
-        <a:effectLst/>
-      </p:bgPr>
-    </p:bg>
-    <p:spTree>
-      <p:nvGrpSpPr>
-        <p:cNvPr id="1" name="">
-          <a:extLst>
-            <a:ext uri="{FF2B5EF4-FFF2-40B4-BE49-F238E27FC236}">
-              <a16:creationId xmlns:a16="http://schemas.microsoft.com/office/drawing/2014/main" id="{CEC35AD8-F65E-6FE7-6573-E14C7BC33EAE}"/>
-            </a:ext>
-          </a:extLst>
-        </p:cNvPr>
-        <p:cNvGrpSpPr/>
-        <p:nvPr/>
-      </p:nvGrpSpPr>
-      <p:grpSpPr>
-        <a:xfrm>
-          <a:off x="0" y="0"/>
-          <a:ext cx="0" cy="0"/>
-          <a:chOff x="0" y="0"/>
-          <a:chExt cx="0" cy="0"/>
-        </a:xfrm>
-      </p:grpSpPr>
-      <p:sp useBgFill="1">
-        <p:nvSpPr>
-          <p:cNvPr id="22" name="Slide Background">
-            <a:extLst>
-              <a:ext uri="{FF2B5EF4-FFF2-40B4-BE49-F238E27FC236}">
-                <a16:creationId xmlns:a16="http://schemas.microsoft.com/office/drawing/2014/main" id="{C0763A76-9F1C-4FC5-82B7-DD475DA461B2}"/>
-              </a:ext>
-              <a:ext uri="{C183D7F6-B498-43B3-948B-1728B52AA6E4}">
-                <adec:decorative xmlns:adec="http://schemas.microsoft.com/office/drawing/2017/decorative" val="1"/>
-              </a:ext>
-            </a:extLst>
-          </p:cNvPr>
-          <p:cNvSpPr>
-            <a:spLocks noGrp="1" noRot="1" noChangeAspect="1" noMove="1" noResize="1" noEditPoints="1" noAdjustHandles="1" noChangeArrowheads="1" noChangeShapeType="1" noTextEdit="1"/>
-          </p:cNvSpPr>
-          <p:nvPr>
-            <p:extLst>
-              <p:ext uri="{386F3935-93C4-4BCD-93E2-E3B085C9AB24}">
-                <p16:designElem xmlns:p16="http://schemas.microsoft.com/office/powerpoint/2015/main" val="1"/>
-              </p:ext>
-            </p:extLst>
-          </p:nvPr>
-        </p:nvSpPr>
-        <p:spPr bwMode="white">
-          <a:xfrm>
-            <a:off x="0" y="0"/>
-            <a:ext cx="9143998" cy="6858000"/>
-          </a:xfrm>
-          <a:prstGeom prst="rect">
-            <a:avLst/>
-          </a:prstGeom>
-          <a:ln>
-            <a:noFill/>
-          </a:ln>
-        </p:spPr>
-        <p:style>
-          <a:lnRef idx="2">
-            <a:schemeClr val="accent1">
-              <a:shade val="50000"/>
-            </a:schemeClr>
-          </a:lnRef>
-          <a:fillRef idx="1">
-            <a:schemeClr val="accent1"/>
-          </a:fillRef>
-          <a:effectRef idx="0">
-            <a:schemeClr val="accent1"/>
-          </a:effectRef>
-          <a:fontRef idx="minor">
-            <a:schemeClr val="lt1"/>
-          </a:fontRef>
-        </p:style>
-        <p:txBody>
-          <a:bodyPr rtlCol="0" anchor="ctr"/>
-          <a:lstStyle>
-            <a:defPPr>
-              <a:defRPr lang="en-US"/>
-            </a:defPPr>
-            <a:lvl1pPr marL="0" algn="l" defTabSz="914400" rtl="0" eaLnBrk="1" latinLnBrk="0" hangingPunct="1">
-              <a:defRPr sz="1800" kern="1200">
-                <a:solidFill>
-                  <a:schemeClr val="lt1"/>
-                </a:solidFill>
-                <a:latin typeface="+mn-lt"/>
-                <a:ea typeface="+mn-ea"/>
-                <a:cs typeface="+mn-cs"/>
-              </a:defRPr>
-            </a:lvl1pPr>
-            <a:lvl2pPr marL="457200" algn="l" defTabSz="914400" rtl="0" eaLnBrk="1" latinLnBrk="0" hangingPunct="1">
-              <a:defRPr sz="1800" kern="1200">
-                <a:solidFill>
-                  <a:schemeClr val="lt1"/>
-                </a:solidFill>
-                <a:latin typeface="+mn-lt"/>
-                <a:ea typeface="+mn-ea"/>
-                <a:cs typeface="+mn-cs"/>
-              </a:defRPr>
-            </a:lvl2pPr>
-            <a:lvl3pPr marL="914400" algn="l" defTabSz="914400" rtl="0" eaLnBrk="1" latinLnBrk="0" hangingPunct="1">
-              <a:defRPr sz="1800" kern="1200">
-                <a:solidFill>
-                  <a:schemeClr val="lt1"/>
-                </a:solidFill>
-                <a:latin typeface="+mn-lt"/>
-                <a:ea typeface="+mn-ea"/>
-                <a:cs typeface="+mn-cs"/>
-              </a:defRPr>
-            </a:lvl3pPr>
-            <a:lvl4pPr marL="1371600" algn="l" defTabSz="914400" rtl="0" eaLnBrk="1" latinLnBrk="0" hangingPunct="1">
-              <a:defRPr sz="1800" kern="1200">
-                <a:solidFill>
-                  <a:schemeClr val="lt1"/>
-                </a:solidFill>
-                <a:latin typeface="+mn-lt"/>
-                <a:ea typeface="+mn-ea"/>
-                <a:cs typeface="+mn-cs"/>
-              </a:defRPr>
-            </a:lvl4pPr>
-            <a:lvl5pPr marL="1828800" algn="l" defTabSz="914400" rtl="0" eaLnBrk="1" latinLnBrk="0" hangingPunct="1">
-              <a:defRPr sz="1800" kern="1200">
-                <a:solidFill>
-                  <a:schemeClr val="lt1"/>
-                </a:solidFill>
-                <a:latin typeface="+mn-lt"/>
-                <a:ea typeface="+mn-ea"/>
-                <a:cs typeface="+mn-cs"/>
-              </a:defRPr>
-            </a:lvl5pPr>
-            <a:lvl6pPr marL="2286000" algn="l" defTabSz="914400" rtl="0" eaLnBrk="1" latinLnBrk="0" hangingPunct="1">
-              <a:defRPr sz="1800" kern="1200">
-                <a:solidFill>
-                  <a:schemeClr val="lt1"/>
-                </a:solidFill>
-                <a:latin typeface="+mn-lt"/>
-                <a:ea typeface="+mn-ea"/>
-                <a:cs typeface="+mn-cs"/>
-              </a:defRPr>
-            </a:lvl6pPr>
-            <a:lvl7pPr marL="2743200" algn="l" defTabSz="914400" rtl="0" eaLnBrk="1" latinLnBrk="0" hangingPunct="1">
-              <a:defRPr sz="1800" kern="1200">
-                <a:solidFill>
-                  <a:schemeClr val="lt1"/>
-                </a:solidFill>
-                <a:latin typeface="+mn-lt"/>
-                <a:ea typeface="+mn-ea"/>
-                <a:cs typeface="+mn-cs"/>
-              </a:defRPr>
-            </a:lvl7pPr>
-            <a:lvl8pPr marL="3200400" algn="l" defTabSz="914400" rtl="0" eaLnBrk="1" latinLnBrk="0" hangingPunct="1">
-              <a:defRPr sz="1800" kern="1200">
-                <a:solidFill>
-                  <a:schemeClr val="lt1"/>
-                </a:solidFill>
-                <a:latin typeface="+mn-lt"/>
-                <a:ea typeface="+mn-ea"/>
-                <a:cs typeface="+mn-cs"/>
-              </a:defRPr>
-            </a:lvl8pPr>
-            <a:lvl9pPr marL="3657600" algn="l" defTabSz="914400" rtl="0" eaLnBrk="1" latinLnBrk="0" hangingPunct="1">
-              <a:defRPr sz="1800" kern="1200">
-                <a:solidFill>
-                  <a:schemeClr val="lt1"/>
-                </a:solidFill>
-                <a:latin typeface="+mn-lt"/>
-                <a:ea typeface="+mn-ea"/>
-                <a:cs typeface="+mn-cs"/>
-              </a:defRPr>
-            </a:lvl9pPr>
-          </a:lstStyle>
-          <a:p>
-            <a:pPr algn="ctr"/>
-            <a:endParaRPr lang="en-US"/>
-          </a:p>
-        </p:txBody>
-      </p:sp>
-      <p:sp useBgFill="1">
-        <p:nvSpPr>
-          <p:cNvPr id="24" name="Rectangle 23">
-            <a:extLst>
-              <a:ext uri="{FF2B5EF4-FFF2-40B4-BE49-F238E27FC236}">
-                <a16:creationId xmlns:a16="http://schemas.microsoft.com/office/drawing/2014/main" id="{E81BF4F6-F2CF-4984-9D14-D6966D92F99F}"/>
-              </a:ext>
-              <a:ext uri="{C183D7F6-B498-43B3-948B-1728B52AA6E4}">
-                <adec:decorative xmlns:adec="http://schemas.microsoft.com/office/drawing/2017/decorative" val="1"/>
-              </a:ext>
-            </a:extLst>
-          </p:cNvPr>
-          <p:cNvSpPr>
-            <a:spLocks noGrp="1" noRot="1" noChangeAspect="1" noMove="1" noResize="1" noEditPoints="1" noAdjustHandles="1" noChangeArrowheads="1" noChangeShapeType="1" noTextEdit="1"/>
-          </p:cNvSpPr>
-          <p:nvPr>
-            <p:extLst>
-              <p:ext uri="{386F3935-93C4-4BCD-93E2-E3B085C9AB24}">
-                <p16:designElem xmlns:p16="http://schemas.microsoft.com/office/powerpoint/2015/main" val="1"/>
-              </p:ext>
-            </p:extLst>
-          </p:nvPr>
-        </p:nvSpPr>
-        <p:spPr>
-          <a:xfrm>
-            <a:off x="0" y="0"/>
-            <a:ext cx="6391835" cy="2285999"/>
-          </a:xfrm>
-          <a:prstGeom prst="rect">
-            <a:avLst/>
-          </a:prstGeom>
-          <a:ln>
-            <a:noFill/>
-          </a:ln>
-          <a:effectLst>
-            <a:outerShdw blurRad="596900" dist="304800" dir="7140000" sx="90000" sy="90000" algn="t" rotWithShape="0">
-              <a:srgbClr val="000000">
-                <a:alpha val="15000"/>
-              </a:srgbClr>
-            </a:outerShdw>
-          </a:effectLst>
-        </p:spPr>
-        <p:style>
-          <a:lnRef idx="2">
-            <a:schemeClr val="accent1">
-              <a:shade val="50000"/>
-            </a:schemeClr>
-          </a:lnRef>
-          <a:fillRef idx="1">
-            <a:schemeClr val="accent1"/>
-          </a:fillRef>
-          <a:effectRef idx="0">
-            <a:schemeClr val="accent1"/>
-          </a:effectRef>
-          <a:fontRef idx="minor">
-            <a:schemeClr val="lt1"/>
-          </a:fontRef>
-        </p:style>
-        <p:txBody>
-          <a:bodyPr rtlCol="0" anchor="ctr"/>
-          <a:lstStyle/>
-          <a:p>
-            <a:pPr algn="ctr"/>
-            <a:endParaRPr lang="en-US"/>
-          </a:p>
-        </p:txBody>
-      </p:sp>
-      <p:sp>
-        <p:nvSpPr>
-          <p:cNvPr id="2" name="Title 1">
-            <a:extLst>
-              <a:ext uri="{FF2B5EF4-FFF2-40B4-BE49-F238E27FC236}">
-                <a16:creationId xmlns:a16="http://schemas.microsoft.com/office/drawing/2014/main" id="{54F0BC00-710E-F723-EA82-0A2CA7F2EFE5}"/>
-              </a:ext>
-            </a:extLst>
-          </p:cNvPr>
-          <p:cNvSpPr>
-            <a:spLocks noGrp="1"/>
-          </p:cNvSpPr>
-          <p:nvPr>
-            <p:ph type="title"/>
-          </p:nvPr>
-        </p:nvSpPr>
-        <p:spPr>
-          <a:xfrm>
-            <a:off x="571352" y="350196"/>
-            <a:ext cx="3485178" cy="1624520"/>
-          </a:xfrm>
-        </p:spPr>
-        <p:txBody>
-          <a:bodyPr anchor="ctr">
-            <a:normAutofit/>
-          </a:bodyPr>
-          <a:lstStyle/>
-          <a:p>
-            <a:r>
-              <a:rPr lang="en-US" sz="3500" dirty="0"/>
-              <a:t>Addressing Challenges</a:t>
-            </a:r>
-          </a:p>
-        </p:txBody>
-      </p:sp>
-      <p:sp>
-        <p:nvSpPr>
-          <p:cNvPr id="3" name="Content Placeholder 2">
-            <a:extLst>
-              <a:ext uri="{FF2B5EF4-FFF2-40B4-BE49-F238E27FC236}">
-                <a16:creationId xmlns:a16="http://schemas.microsoft.com/office/drawing/2014/main" id="{59794141-69E0-23B7-5594-2E291EAC7A11}"/>
-              </a:ext>
-            </a:extLst>
-          </p:cNvPr>
-          <p:cNvSpPr>
-            <a:spLocks noGrp="1"/>
-          </p:cNvSpPr>
-          <p:nvPr>
-            <p:ph idx="1"/>
-          </p:nvPr>
-        </p:nvSpPr>
-        <p:spPr>
-          <a:xfrm>
-            <a:off x="571351" y="2743200"/>
-            <a:ext cx="3485179" cy="3613149"/>
-          </a:xfrm>
-        </p:spPr>
-        <p:txBody>
-          <a:bodyPr anchor="ctr">
-            <a:normAutofit/>
-          </a:bodyPr>
-          <a:lstStyle/>
-          <a:p>
-            <a:r>
-              <a:rPr lang="en-US" sz="2400" dirty="0"/>
-              <a:t>Data privacy and security.</a:t>
-            </a:r>
-          </a:p>
-          <a:p>
-            <a:r>
-              <a:rPr lang="en-US" sz="2400" dirty="0"/>
-              <a:t>Bias in AI models.</a:t>
-            </a:r>
-          </a:p>
-          <a:p>
-            <a:r>
-              <a:rPr lang="en-US" sz="2400" dirty="0"/>
-              <a:t>Scalability with large datasets.</a:t>
-            </a:r>
-          </a:p>
-          <a:p>
-            <a:r>
-              <a:rPr lang="en-US" sz="2400" dirty="0"/>
-              <a:t>Managing retrieval errors affecting generation.</a:t>
-            </a:r>
-          </a:p>
-        </p:txBody>
-      </p:sp>
-      <p:pic>
-        <p:nvPicPr>
-          <p:cNvPr id="13" name="Picture 12" descr="3D technology art">
-            <a:extLst>
-              <a:ext uri="{FF2B5EF4-FFF2-40B4-BE49-F238E27FC236}">
-                <a16:creationId xmlns:a16="http://schemas.microsoft.com/office/drawing/2014/main" id="{F1EA1A67-A30B-AA0D-4FE8-083E146126E5}"/>
-              </a:ext>
-            </a:extLst>
-          </p:cNvPr>
-          <p:cNvPicPr>
-            <a:picLocks noChangeAspect="1"/>
-          </p:cNvPicPr>
-          <p:nvPr/>
-        </p:nvPicPr>
-        <p:blipFill>
-          <a:blip r:embed="rId3"/>
-          <a:srcRect l="19952" r="35498" b="-2"/>
-          <a:stretch/>
-        </p:blipFill>
-        <p:spPr>
-          <a:xfrm>
-            <a:off x="4572000" y="1"/>
-            <a:ext cx="4577118" cy="6858000"/>
-          </a:xfrm>
-          <a:prstGeom prst="rect">
-            <a:avLst/>
-          </a:prstGeom>
-        </p:spPr>
-      </p:pic>
-    </p:spTree>
-    <p:extLst>
-      <p:ext uri="{BB962C8B-B14F-4D97-AF65-F5344CB8AC3E}">
-        <p14:creationId xmlns:p14="http://schemas.microsoft.com/office/powerpoint/2010/main" val="2138871945"/>
-      </p:ext>
-    </p:extLst>
-  </p:cSld>
-  <p:clrMapOvr>
-    <a:masterClrMapping/>
-  </p:clrMapOvr>
-</p:sld>
-</file>
-
-<file path=ppt/slides/slide13.xml><?xml version="1.0" encoding="utf-8"?>
-<p:sld xmlns:a="http://schemas.openxmlformats.org/drawingml/2006/main" xmlns:r="http://schemas.openxmlformats.org/officeDocument/2006/relationships" xmlns:p="http://schemas.openxmlformats.org/presentationml/2006/main">
-  <p:cSld>
-    <p:bg>
-      <p:bgPr>
-        <a:solidFill>
-          <a:schemeClr val="bg1"/>
-        </a:solidFill>
-        <a:effectLst/>
-      </p:bgPr>
-    </p:bg>
-    <p:spTree>
-      <p:nvGrpSpPr>
-        <p:cNvPr id="1" name="">
-          <a:extLst>
-            <a:ext uri="{FF2B5EF4-FFF2-40B4-BE49-F238E27FC236}">
-              <a16:creationId xmlns:a16="http://schemas.microsoft.com/office/drawing/2014/main" id="{5823952A-6107-594C-40FC-EC9ED2B80130}"/>
-            </a:ext>
-          </a:extLst>
-        </p:cNvPr>
-        <p:cNvGrpSpPr/>
-        <p:nvPr/>
-      </p:nvGrpSpPr>
-      <p:grpSpPr>
-        <a:xfrm>
-          <a:off x="0" y="0"/>
-          <a:ext cx="0" cy="0"/>
-          <a:chOff x="0" y="0"/>
-          <a:chExt cx="0" cy="0"/>
-        </a:xfrm>
-      </p:grpSpPr>
-      <p:sp useBgFill="1">
-        <p:nvSpPr>
-          <p:cNvPr id="17" name="Slide Background">
-            <a:extLst>
-              <a:ext uri="{FF2B5EF4-FFF2-40B4-BE49-F238E27FC236}">
-                <a16:creationId xmlns:a16="http://schemas.microsoft.com/office/drawing/2014/main" id="{C0763A76-9F1C-4FC5-82B7-DD475DA461B2}"/>
-              </a:ext>
-              <a:ext uri="{C183D7F6-B498-43B3-948B-1728B52AA6E4}">
-                <adec:decorative xmlns:adec="http://schemas.microsoft.com/office/drawing/2017/decorative" val="1"/>
-              </a:ext>
-            </a:extLst>
-          </p:cNvPr>
-          <p:cNvSpPr>
-            <a:spLocks noGrp="1" noRot="1" noChangeAspect="1" noMove="1" noResize="1" noEditPoints="1" noAdjustHandles="1" noChangeArrowheads="1" noChangeShapeType="1" noTextEdit="1"/>
-          </p:cNvSpPr>
-          <p:nvPr>
-            <p:extLst>
-              <p:ext uri="{386F3935-93C4-4BCD-93E2-E3B085C9AB24}">
-                <p16:designElem xmlns:p16="http://schemas.microsoft.com/office/powerpoint/2015/main" val="1"/>
-              </p:ext>
-            </p:extLst>
-          </p:nvPr>
-        </p:nvSpPr>
-        <p:spPr bwMode="white">
-          <a:xfrm>
-            <a:off x="0" y="0"/>
-            <a:ext cx="9143998" cy="6858000"/>
-          </a:xfrm>
-          <a:prstGeom prst="rect">
-            <a:avLst/>
-          </a:prstGeom>
-          <a:ln>
-            <a:noFill/>
-          </a:ln>
-        </p:spPr>
-        <p:style>
-          <a:lnRef idx="2">
-            <a:schemeClr val="accent1">
-              <a:shade val="50000"/>
-            </a:schemeClr>
-          </a:lnRef>
-          <a:fillRef idx="1">
-            <a:schemeClr val="accent1"/>
-          </a:fillRef>
-          <a:effectRef idx="0">
-            <a:schemeClr val="accent1"/>
-          </a:effectRef>
-          <a:fontRef idx="minor">
-            <a:schemeClr val="lt1"/>
-          </a:fontRef>
-        </p:style>
-        <p:txBody>
-          <a:bodyPr rtlCol="0" anchor="ctr"/>
-          <a:lstStyle>
-            <a:defPPr>
-              <a:defRPr lang="en-US"/>
-            </a:defPPr>
-            <a:lvl1pPr marL="0" algn="l" defTabSz="914400" rtl="0" eaLnBrk="1" latinLnBrk="0" hangingPunct="1">
-              <a:defRPr sz="1800" kern="1200">
-                <a:solidFill>
-                  <a:schemeClr val="lt1"/>
-                </a:solidFill>
-                <a:latin typeface="+mn-lt"/>
-                <a:ea typeface="+mn-ea"/>
-                <a:cs typeface="+mn-cs"/>
-              </a:defRPr>
-            </a:lvl1pPr>
-            <a:lvl2pPr marL="457200" algn="l" defTabSz="914400" rtl="0" eaLnBrk="1" latinLnBrk="0" hangingPunct="1">
-              <a:defRPr sz="1800" kern="1200">
-                <a:solidFill>
-                  <a:schemeClr val="lt1"/>
-                </a:solidFill>
-                <a:latin typeface="+mn-lt"/>
-                <a:ea typeface="+mn-ea"/>
-                <a:cs typeface="+mn-cs"/>
-              </a:defRPr>
-            </a:lvl2pPr>
-            <a:lvl3pPr marL="914400" algn="l" defTabSz="914400" rtl="0" eaLnBrk="1" latinLnBrk="0" hangingPunct="1">
-              <a:defRPr sz="1800" kern="1200">
-                <a:solidFill>
-                  <a:schemeClr val="lt1"/>
-                </a:solidFill>
-                <a:latin typeface="+mn-lt"/>
-                <a:ea typeface="+mn-ea"/>
-                <a:cs typeface="+mn-cs"/>
-              </a:defRPr>
-            </a:lvl3pPr>
-            <a:lvl4pPr marL="1371600" algn="l" defTabSz="914400" rtl="0" eaLnBrk="1" latinLnBrk="0" hangingPunct="1">
-              <a:defRPr sz="1800" kern="1200">
-                <a:solidFill>
-                  <a:schemeClr val="lt1"/>
-                </a:solidFill>
-                <a:latin typeface="+mn-lt"/>
-                <a:ea typeface="+mn-ea"/>
-                <a:cs typeface="+mn-cs"/>
-              </a:defRPr>
-            </a:lvl4pPr>
-            <a:lvl5pPr marL="1828800" algn="l" defTabSz="914400" rtl="0" eaLnBrk="1" latinLnBrk="0" hangingPunct="1">
-              <a:defRPr sz="1800" kern="1200">
-                <a:solidFill>
-                  <a:schemeClr val="lt1"/>
-                </a:solidFill>
-                <a:latin typeface="+mn-lt"/>
-                <a:ea typeface="+mn-ea"/>
-                <a:cs typeface="+mn-cs"/>
-              </a:defRPr>
-            </a:lvl5pPr>
-            <a:lvl6pPr marL="2286000" algn="l" defTabSz="914400" rtl="0" eaLnBrk="1" latinLnBrk="0" hangingPunct="1">
-              <a:defRPr sz="1800" kern="1200">
-                <a:solidFill>
-                  <a:schemeClr val="lt1"/>
-                </a:solidFill>
-                <a:latin typeface="+mn-lt"/>
-                <a:ea typeface="+mn-ea"/>
-                <a:cs typeface="+mn-cs"/>
-              </a:defRPr>
-            </a:lvl6pPr>
-            <a:lvl7pPr marL="2743200" algn="l" defTabSz="914400" rtl="0" eaLnBrk="1" latinLnBrk="0" hangingPunct="1">
-              <a:defRPr sz="1800" kern="1200">
-                <a:solidFill>
-                  <a:schemeClr val="lt1"/>
-                </a:solidFill>
-                <a:latin typeface="+mn-lt"/>
-                <a:ea typeface="+mn-ea"/>
-                <a:cs typeface="+mn-cs"/>
-              </a:defRPr>
-            </a:lvl7pPr>
-            <a:lvl8pPr marL="3200400" algn="l" defTabSz="914400" rtl="0" eaLnBrk="1" latinLnBrk="0" hangingPunct="1">
-              <a:defRPr sz="1800" kern="1200">
-                <a:solidFill>
-                  <a:schemeClr val="lt1"/>
-                </a:solidFill>
-                <a:latin typeface="+mn-lt"/>
-                <a:ea typeface="+mn-ea"/>
-                <a:cs typeface="+mn-cs"/>
-              </a:defRPr>
-            </a:lvl8pPr>
-            <a:lvl9pPr marL="3657600" algn="l" defTabSz="914400" rtl="0" eaLnBrk="1" latinLnBrk="0" hangingPunct="1">
-              <a:defRPr sz="1800" kern="1200">
-                <a:solidFill>
-                  <a:schemeClr val="lt1"/>
-                </a:solidFill>
-                <a:latin typeface="+mn-lt"/>
-                <a:ea typeface="+mn-ea"/>
-                <a:cs typeface="+mn-cs"/>
-              </a:defRPr>
-            </a:lvl9pPr>
-          </a:lstStyle>
-          <a:p>
-            <a:pPr algn="ctr"/>
-            <a:endParaRPr lang="en-US"/>
-          </a:p>
-        </p:txBody>
-      </p:sp>
-      <p:sp useBgFill="1">
-        <p:nvSpPr>
-          <p:cNvPr id="19" name="Rectangle 18">
-            <a:extLst>
-              <a:ext uri="{FF2B5EF4-FFF2-40B4-BE49-F238E27FC236}">
-                <a16:creationId xmlns:a16="http://schemas.microsoft.com/office/drawing/2014/main" id="{E81BF4F6-F2CF-4984-9D14-D6966D92F99F}"/>
-              </a:ext>
-              <a:ext uri="{C183D7F6-B498-43B3-948B-1728B52AA6E4}">
-                <adec:decorative xmlns:adec="http://schemas.microsoft.com/office/drawing/2017/decorative" val="1"/>
-              </a:ext>
-            </a:extLst>
-          </p:cNvPr>
-          <p:cNvSpPr>
-            <a:spLocks noGrp="1" noRot="1" noChangeAspect="1" noMove="1" noResize="1" noEditPoints="1" noAdjustHandles="1" noChangeArrowheads="1" noChangeShapeType="1" noTextEdit="1"/>
-          </p:cNvSpPr>
-          <p:nvPr>
-            <p:extLst>
-              <p:ext uri="{386F3935-93C4-4BCD-93E2-E3B085C9AB24}">
-                <p16:designElem xmlns:p16="http://schemas.microsoft.com/office/powerpoint/2015/main" val="1"/>
-              </p:ext>
-            </p:extLst>
-          </p:nvPr>
-        </p:nvSpPr>
-        <p:spPr>
-          <a:xfrm>
-            <a:off x="0" y="0"/>
-            <a:ext cx="6391835" cy="2285999"/>
-          </a:xfrm>
-          <a:prstGeom prst="rect">
-            <a:avLst/>
-          </a:prstGeom>
-          <a:ln>
-            <a:noFill/>
-          </a:ln>
-          <a:effectLst>
-            <a:outerShdw blurRad="596900" dist="304800" dir="7140000" sx="90000" sy="90000" algn="t" rotWithShape="0">
-              <a:srgbClr val="000000">
-                <a:alpha val="15000"/>
-              </a:srgbClr>
-            </a:outerShdw>
-          </a:effectLst>
-        </p:spPr>
-        <p:style>
-          <a:lnRef idx="2">
-            <a:schemeClr val="accent1">
-              <a:shade val="50000"/>
-            </a:schemeClr>
-          </a:lnRef>
-          <a:fillRef idx="1">
-            <a:schemeClr val="accent1"/>
-          </a:fillRef>
-          <a:effectRef idx="0">
-            <a:schemeClr val="accent1"/>
-          </a:effectRef>
-          <a:fontRef idx="minor">
-            <a:schemeClr val="lt1"/>
-          </a:fontRef>
-        </p:style>
-        <p:txBody>
-          <a:bodyPr rtlCol="0" anchor="ctr"/>
-          <a:lstStyle/>
-          <a:p>
-            <a:pPr algn="ctr"/>
-            <a:endParaRPr lang="en-US"/>
-          </a:p>
-        </p:txBody>
-      </p:sp>
-      <p:sp>
-        <p:nvSpPr>
-          <p:cNvPr id="2" name="Title 1">
-            <a:extLst>
-              <a:ext uri="{FF2B5EF4-FFF2-40B4-BE49-F238E27FC236}">
-                <a16:creationId xmlns:a16="http://schemas.microsoft.com/office/drawing/2014/main" id="{EF2B573E-A5AA-0BB9-6CB3-0319AB8A0BF5}"/>
-              </a:ext>
-            </a:extLst>
-          </p:cNvPr>
-          <p:cNvSpPr>
-            <a:spLocks noGrp="1"/>
-          </p:cNvSpPr>
-          <p:nvPr>
-            <p:ph type="title"/>
-          </p:nvPr>
-        </p:nvSpPr>
-        <p:spPr>
-          <a:xfrm>
-            <a:off x="571352" y="350196"/>
-            <a:ext cx="3485178" cy="1624520"/>
-          </a:xfrm>
-        </p:spPr>
-        <p:txBody>
-          <a:bodyPr anchor="ctr">
-            <a:normAutofit/>
-          </a:bodyPr>
-          <a:lstStyle/>
-          <a:p>
-            <a:r>
-              <a:rPr lang="en-US" sz="3500"/>
-              <a:t>What’s Next?</a:t>
-            </a:r>
-          </a:p>
-        </p:txBody>
-      </p:sp>
-      <p:sp>
-        <p:nvSpPr>
-          <p:cNvPr id="3" name="Content Placeholder 2">
-            <a:extLst>
-              <a:ext uri="{FF2B5EF4-FFF2-40B4-BE49-F238E27FC236}">
-                <a16:creationId xmlns:a16="http://schemas.microsoft.com/office/drawing/2014/main" id="{B77284A2-09A7-0167-B203-821223B0B497}"/>
-              </a:ext>
-            </a:extLst>
-          </p:cNvPr>
-          <p:cNvSpPr>
-            <a:spLocks noGrp="1"/>
-          </p:cNvSpPr>
-          <p:nvPr>
-            <p:ph idx="1"/>
-          </p:nvPr>
-        </p:nvSpPr>
-        <p:spPr>
-          <a:xfrm>
-            <a:off x="571351" y="2743200"/>
-            <a:ext cx="3485179" cy="3613149"/>
-          </a:xfrm>
-        </p:spPr>
-        <p:txBody>
-          <a:bodyPr anchor="ctr">
-            <a:normAutofit/>
-          </a:bodyPr>
-          <a:lstStyle/>
-          <a:p>
-            <a:r>
-              <a:rPr lang="en-US" sz="2400" dirty="0"/>
-              <a:t>Multimodal Retrieval: Integrating text, image, and video data.</a:t>
-            </a:r>
-          </a:p>
-          <a:p>
-            <a:r>
-              <a:rPr lang="en-US" sz="2400" dirty="0"/>
-              <a:t>Explainable AI: Transparency in AI decision-making.</a:t>
-            </a:r>
-          </a:p>
-          <a:p>
-            <a:r>
-              <a:rPr lang="en-US" sz="2400" dirty="0"/>
-              <a:t>Real-Time Adaptation: Continuous learning from user interactions.</a:t>
-            </a:r>
-          </a:p>
-        </p:txBody>
-      </p:sp>
-      <p:pic>
-        <p:nvPicPr>
-          <p:cNvPr id="13" name="Picture 12" descr="Computer script on a screen">
-            <a:extLst>
-              <a:ext uri="{FF2B5EF4-FFF2-40B4-BE49-F238E27FC236}">
-                <a16:creationId xmlns:a16="http://schemas.microsoft.com/office/drawing/2014/main" id="{CE07EDD8-FB48-BC17-12D7-C0357FCE04A6}"/>
-              </a:ext>
-            </a:extLst>
-          </p:cNvPr>
-          <p:cNvPicPr>
-            <a:picLocks noChangeAspect="1"/>
-          </p:cNvPicPr>
-          <p:nvPr/>
-        </p:nvPicPr>
-        <p:blipFill>
-          <a:blip r:embed="rId3"/>
-          <a:srcRect l="7839" r="47611" b="-2"/>
-          <a:stretch/>
-        </p:blipFill>
-        <p:spPr>
-          <a:xfrm>
-            <a:off x="4572000" y="1"/>
-            <a:ext cx="4577118" cy="6858000"/>
-          </a:xfrm>
-          <a:prstGeom prst="rect">
-            <a:avLst/>
-          </a:prstGeom>
-        </p:spPr>
-      </p:pic>
-    </p:spTree>
-    <p:extLst>
-      <p:ext uri="{BB962C8B-B14F-4D97-AF65-F5344CB8AC3E}">
-        <p14:creationId xmlns:p14="http://schemas.microsoft.com/office/powerpoint/2010/main" val="3700440609"/>
-      </p:ext>
-    </p:extLst>
-  </p:cSld>
-  <p:clrMapOvr>
-    <a:masterClrMapping/>
-  </p:clrMapOvr>
-</p:sld>
-</file>
-
-<file path=ppt/slides/slide2.xml><?xml version="1.0" encoding="utf-8"?>
-<p:sld xmlns:a="http://schemas.openxmlformats.org/drawingml/2006/main" xmlns:r="http://schemas.openxmlformats.org/officeDocument/2006/relationships" xmlns:p="http://schemas.openxmlformats.org/presentationml/2006/main">
-  <p:cSld>
-    <p:bg>
-      <p:bgPr>
-        <a:solidFill>
-          <a:schemeClr val="bg1"/>
-        </a:solidFill>
-        <a:effectLst/>
-      </p:bgPr>
-    </p:bg>
-    <p:spTree>
-      <p:nvGrpSpPr>
-        <p:cNvPr id="1" name=""/>
-        <p:cNvGrpSpPr/>
-        <p:nvPr/>
-      </p:nvGrpSpPr>
-      <p:grpSpPr>
-        <a:xfrm>
-          <a:off x="0" y="0"/>
-          <a:ext cx="0" cy="0"/>
-          <a:chOff x="0" y="0"/>
-          <a:chExt cx="0" cy="0"/>
-        </a:xfrm>
-      </p:grpSpPr>
-      <p:sp useBgFill="1">
-        <p:nvSpPr>
-          <p:cNvPr id="16" name="Slide Background">
-            <a:extLst>
-              <a:ext uri="{FF2B5EF4-FFF2-40B4-BE49-F238E27FC236}">
-                <a16:creationId xmlns:a16="http://schemas.microsoft.com/office/drawing/2014/main" id="{9F7D5CDA-D291-4307-BF55-1381FED29634}"/>
-              </a:ext>
-              <a:ext uri="{C183D7F6-B498-43B3-948B-1728B52AA6E4}">
-                <adec:decorative xmlns:adec="http://schemas.microsoft.com/office/drawing/2017/decorative" val="1"/>
-              </a:ext>
-            </a:extLst>
-          </p:cNvPr>
-          <p:cNvSpPr>
-            <a:spLocks noGrp="1" noRot="1" noChangeAspect="1" noMove="1" noResize="1" noEditPoints="1" noAdjustHandles="1" noChangeArrowheads="1" noChangeShapeType="1" noTextEdit="1"/>
-          </p:cNvSpPr>
-          <p:nvPr>
-            <p:extLst>
-              <p:ext uri="{386F3935-93C4-4BCD-93E2-E3B085C9AB24}">
-                <p16:designElem xmlns:p16="http://schemas.microsoft.com/office/powerpoint/2015/main" val="1"/>
-              </p:ext>
-            </p:extLst>
-          </p:nvPr>
-        </p:nvSpPr>
-        <p:spPr>
-          <a:xfrm>
-            <a:off x="0" y="0"/>
-            <a:ext cx="9144000" cy="6858000"/>
-          </a:xfrm>
-          <a:prstGeom prst="rect">
-            <a:avLst/>
-          </a:prstGeom>
-          <a:ln>
-            <a:noFill/>
-          </a:ln>
-        </p:spPr>
-        <p:style>
-          <a:lnRef idx="2">
-            <a:schemeClr val="accent1">
-              <a:shade val="50000"/>
-            </a:schemeClr>
-          </a:lnRef>
-          <a:fillRef idx="1">
-            <a:schemeClr val="accent1"/>
-          </a:fillRef>
-          <a:effectRef idx="0">
-            <a:schemeClr val="accent1"/>
-          </a:effectRef>
-          <a:fontRef idx="minor">
-            <a:schemeClr val="lt1"/>
-          </a:fontRef>
-        </p:style>
-        <p:txBody>
-          <a:bodyPr rtlCol="0" anchor="ctr"/>
-          <a:lstStyle/>
-          <a:p>
-            <a:pPr algn="ctr"/>
-            <a:endParaRPr lang="en-US"/>
-          </a:p>
-        </p:txBody>
-      </p:sp>
-      <p:pic>
-        <p:nvPicPr>
-          <p:cNvPr id="5" name="Picture 4" descr="Question mark on green pastel background">
-            <a:extLst>
-              <a:ext uri="{FF2B5EF4-FFF2-40B4-BE49-F238E27FC236}">
-                <a16:creationId xmlns:a16="http://schemas.microsoft.com/office/drawing/2014/main" id="{818ABA2D-A8F2-78E8-DFA6-4E9A53C34074}"/>
-              </a:ext>
-            </a:extLst>
-          </p:cNvPr>
-          <p:cNvPicPr>
-            <a:picLocks noChangeAspect="1"/>
-          </p:cNvPicPr>
-          <p:nvPr/>
-        </p:nvPicPr>
-        <p:blipFill rotWithShape="1">
-          <a:blip r:embed="rId3"/>
-          <a:srcRect l="44935" r="5123"/>
-          <a:stretch/>
-        </p:blipFill>
-        <p:spPr>
-          <a:xfrm>
-            <a:off x="4577270" y="10"/>
-            <a:ext cx="4566728" cy="6857990"/>
-          </a:xfrm>
-          <a:prstGeom prst="rect">
-            <a:avLst/>
-          </a:prstGeom>
-        </p:spPr>
-      </p:pic>
-      <p:sp useBgFill="1">
-        <p:nvSpPr>
-          <p:cNvPr id="18" name="Rectangle 17">
-            <a:extLst>
-              <a:ext uri="{FF2B5EF4-FFF2-40B4-BE49-F238E27FC236}">
-                <a16:creationId xmlns:a16="http://schemas.microsoft.com/office/drawing/2014/main" id="{59B296B9-C5A5-4E4F-9B60-C907B5F1466C}"/>
-              </a:ext>
-              <a:ext uri="{C183D7F6-B498-43B3-948B-1728B52AA6E4}">
-                <adec:decorative xmlns:adec="http://schemas.microsoft.com/office/drawing/2017/decorative" val="1"/>
-              </a:ext>
-            </a:extLst>
-          </p:cNvPr>
-          <p:cNvSpPr>
-            <a:spLocks noGrp="1" noRot="1" noChangeAspect="1" noMove="1" noResize="1" noEditPoints="1" noAdjustHandles="1" noChangeArrowheads="1" noChangeShapeType="1" noTextEdit="1"/>
-          </p:cNvSpPr>
-          <p:nvPr>
-            <p:extLst>
-              <p:ext uri="{386F3935-93C4-4BCD-93E2-E3B085C9AB24}">
-                <p16:designElem xmlns:p16="http://schemas.microsoft.com/office/powerpoint/2015/main" val="1"/>
-              </p:ext>
-            </p:extLst>
-          </p:nvPr>
-        </p:nvSpPr>
-        <p:spPr>
-          <a:xfrm>
-            <a:off x="0" y="0"/>
-            <a:ext cx="4577268" cy="6858000"/>
-          </a:xfrm>
-          <a:prstGeom prst="rect">
-            <a:avLst/>
-          </a:prstGeom>
-          <a:ln>
-            <a:noFill/>
-          </a:ln>
-          <a:effectLst>
-            <a:outerShdw blurRad="889000" dist="406400" dir="21540000" sx="90000" sy="90000" algn="t" rotWithShape="0">
-              <a:srgbClr val="000000">
-                <a:alpha val="20000"/>
-              </a:srgbClr>
-            </a:outerShdw>
-          </a:effectLst>
-        </p:spPr>
-        <p:style>
-          <a:lnRef idx="2">
-            <a:schemeClr val="accent1">
-              <a:shade val="50000"/>
-            </a:schemeClr>
-          </a:lnRef>
-          <a:fillRef idx="1">
-            <a:schemeClr val="accent1"/>
-          </a:fillRef>
-          <a:effectRef idx="0">
-            <a:schemeClr val="accent1"/>
-          </a:effectRef>
-          <a:fontRef idx="minor">
-            <a:schemeClr val="lt1"/>
-          </a:fontRef>
-        </p:style>
-        <p:txBody>
-          <a:bodyPr rtlCol="0" anchor="ctr"/>
-          <a:lstStyle/>
-          <a:p>
-            <a:pPr algn="ctr"/>
-            <a:endParaRPr lang="en-US"/>
-          </a:p>
-        </p:txBody>
-      </p:sp>
-      <p:sp useBgFill="1">
-        <p:nvSpPr>
-          <p:cNvPr id="20" name="Rectangle 19">
-            <a:extLst>
-              <a:ext uri="{FF2B5EF4-FFF2-40B4-BE49-F238E27FC236}">
-                <a16:creationId xmlns:a16="http://schemas.microsoft.com/office/drawing/2014/main" id="{D0300FD3-5AF1-6305-15FA-9078072672E2}"/>
-              </a:ext>
-              <a:ext uri="{C183D7F6-B498-43B3-948B-1728B52AA6E4}">
-                <adec:decorative xmlns:adec="http://schemas.microsoft.com/office/drawing/2017/decorative" val="1"/>
-              </a:ext>
-            </a:extLst>
-          </p:cNvPr>
-          <p:cNvSpPr>
-            <a:spLocks noGrp="1" noRot="1" noChangeAspect="1" noMove="1" noResize="1" noEditPoints="1" noAdjustHandles="1" noChangeArrowheads="1" noChangeShapeType="1" noTextEdit="1"/>
-          </p:cNvSpPr>
-          <p:nvPr>
-            <p:extLst>
-              <p:ext uri="{386F3935-93C4-4BCD-93E2-E3B085C9AB24}">
-                <p16:designElem xmlns:p16="http://schemas.microsoft.com/office/powerpoint/2015/main" val="1"/>
-              </p:ext>
-            </p:extLst>
-          </p:nvPr>
-        </p:nvSpPr>
-        <p:spPr>
-          <a:xfrm>
-            <a:off x="0" y="0"/>
-            <a:ext cx="4577268" cy="2285995"/>
-          </a:xfrm>
-          <a:prstGeom prst="rect">
-            <a:avLst/>
-          </a:prstGeom>
-          <a:ln>
-            <a:noFill/>
-          </a:ln>
-          <a:effectLst>
-            <a:outerShdw blurRad="254000" dist="127000" dir="5460000" sx="92000" sy="92000" algn="t" rotWithShape="0">
-              <a:srgbClr val="000000">
-                <a:alpha val="30000"/>
-              </a:srgbClr>
-            </a:outerShdw>
-          </a:effectLst>
-        </p:spPr>
-        <p:style>
-          <a:lnRef idx="2">
-            <a:schemeClr val="accent1">
-              <a:shade val="50000"/>
-            </a:schemeClr>
-          </a:lnRef>
-          <a:fillRef idx="1">
-            <a:schemeClr val="accent1"/>
-          </a:fillRef>
-          <a:effectRef idx="0">
-            <a:schemeClr val="accent1"/>
-          </a:effectRef>
-          <a:fontRef idx="minor">
-            <a:schemeClr val="lt1"/>
-          </a:fontRef>
-        </p:style>
-        <p:txBody>
-          <a:bodyPr rtlCol="0" anchor="ctr"/>
-          <a:lstStyle/>
-          <a:p>
-            <a:pPr algn="ctr"/>
-            <a:endParaRPr lang="en-US"/>
-          </a:p>
-        </p:txBody>
-      </p:sp>
-      <p:sp>
-        <p:nvSpPr>
-          <p:cNvPr id="2" name="Title 1"/>
-          <p:cNvSpPr>
-            <a:spLocks noGrp="1"/>
-          </p:cNvSpPr>
-          <p:nvPr>
-            <p:ph type="title"/>
-          </p:nvPr>
-        </p:nvSpPr>
-        <p:spPr>
-          <a:xfrm>
-            <a:off x="571350" y="328512"/>
-            <a:ext cx="3583791" cy="1628970"/>
-          </a:xfrm>
-        </p:spPr>
-        <p:txBody>
-          <a:bodyPr anchor="ctr">
-            <a:normAutofit/>
-          </a:bodyPr>
-          <a:lstStyle/>
-          <a:p>
-            <a:pPr>
-              <a:lnSpc>
-                <a:spcPct val="90000"/>
-              </a:lnSpc>
-            </a:pPr>
-            <a:r>
-              <a:rPr lang="en-US" sz="3500" dirty="0"/>
-              <a:t>What is RAG?</a:t>
-            </a:r>
-          </a:p>
-        </p:txBody>
-      </p:sp>
-      <p:sp>
-        <p:nvSpPr>
-          <p:cNvPr id="3" name="Content Placeholder 2"/>
-          <p:cNvSpPr>
-            <a:spLocks noGrp="1"/>
-          </p:cNvSpPr>
-          <p:nvPr>
-            <p:ph idx="1"/>
-          </p:nvPr>
-        </p:nvSpPr>
-        <p:spPr>
-          <a:xfrm>
-            <a:off x="151254" y="2884929"/>
-            <a:ext cx="4276367" cy="3374137"/>
-          </a:xfrm>
-        </p:spPr>
-        <p:txBody>
-          <a:bodyPr anchor="ctr">
-            <a:noAutofit/>
-          </a:bodyPr>
-          <a:lstStyle/>
-          <a:p>
-            <a:r>
-              <a:rPr lang="en-US" sz="2400" dirty="0"/>
-              <a:t>Combines retrieval systems with advanced AI to enhance relevance and accuracy.</a:t>
-            </a:r>
-          </a:p>
-          <a:p>
-            <a:r>
-              <a:rPr lang="en-US" sz="2400" dirty="0"/>
-              <a:t>Bridges the gap between traditional search and intelligent generation.</a:t>
-            </a:r>
-          </a:p>
-          <a:p>
-            <a:r>
-              <a:rPr lang="en-US" sz="2400" dirty="0"/>
-              <a:t>Example: Enhanced search results in eCommerce, healthcare, and customer support.</a:t>
-            </a:r>
-          </a:p>
-        </p:txBody>
-      </p:sp>
-    </p:spTree>
-  </p:cSld>
-  <p:clrMapOvr>
-    <a:masterClrMapping/>
-  </p:clrMapOvr>
-</p:sld>
-</file>
-
-<file path=ppt/slides/slide3.xml><?xml version="1.0" encoding="utf-8"?>
-<p:sld xmlns:a="http://schemas.openxmlformats.org/drawingml/2006/main" xmlns:r="http://schemas.openxmlformats.org/officeDocument/2006/relationships" xmlns:p="http://schemas.openxmlformats.org/presentationml/2006/main">
-  <p:cSld>
-    <p:bg>
-      <p:bgPr>
-        <a:solidFill>
-          <a:schemeClr val="bg1"/>
-        </a:solidFill>
-        <a:effectLst/>
-      </p:bgPr>
-    </p:bg>
-    <p:spTree>
-      <p:nvGrpSpPr>
-        <p:cNvPr id="1" name=""/>
-        <p:cNvGrpSpPr/>
-        <p:nvPr/>
-      </p:nvGrpSpPr>
-      <p:grpSpPr>
-        <a:xfrm>
-          <a:off x="0" y="0"/>
-          <a:ext cx="0" cy="0"/>
-          <a:chOff x="0" y="0"/>
-          <a:chExt cx="0" cy="0"/>
-        </a:xfrm>
-      </p:grpSpPr>
-      <p:sp useBgFill="1">
-        <p:nvSpPr>
-          <p:cNvPr id="24" name="Slide Background">
-            <a:extLst>
-              <a:ext uri="{FF2B5EF4-FFF2-40B4-BE49-F238E27FC236}">
-                <a16:creationId xmlns:a16="http://schemas.microsoft.com/office/drawing/2014/main" id="{9F7D5CDA-D291-4307-BF55-1381FED29634}"/>
-              </a:ext>
-              <a:ext uri="{C183D7F6-B498-43B3-948B-1728B52AA6E4}">
-                <adec:decorative xmlns:adec="http://schemas.microsoft.com/office/drawing/2017/decorative" val="1"/>
-              </a:ext>
-            </a:extLst>
-          </p:cNvPr>
-          <p:cNvSpPr>
-            <a:spLocks noGrp="1" noRot="1" noChangeAspect="1" noMove="1" noResize="1" noEditPoints="1" noAdjustHandles="1" noChangeArrowheads="1" noChangeShapeType="1" noTextEdit="1"/>
-          </p:cNvSpPr>
-          <p:nvPr>
-            <p:extLst>
-              <p:ext uri="{386F3935-93C4-4BCD-93E2-E3B085C9AB24}">
-                <p16:designElem xmlns:p16="http://schemas.microsoft.com/office/powerpoint/2015/main" val="1"/>
-              </p:ext>
-            </p:extLst>
-          </p:nvPr>
-        </p:nvSpPr>
-        <p:spPr>
-          <a:xfrm>
-            <a:off x="0" y="0"/>
-            <a:ext cx="9144000" cy="6858000"/>
-          </a:xfrm>
-          <a:prstGeom prst="rect">
-            <a:avLst/>
-          </a:prstGeom>
-          <a:ln>
-            <a:noFill/>
-          </a:ln>
-        </p:spPr>
-        <p:style>
-          <a:lnRef idx="2">
-            <a:schemeClr val="accent1">
-              <a:shade val="50000"/>
-            </a:schemeClr>
-          </a:lnRef>
-          <a:fillRef idx="1">
-            <a:schemeClr val="accent1"/>
-          </a:fillRef>
-          <a:effectRef idx="0">
-            <a:schemeClr val="accent1"/>
-          </a:effectRef>
-          <a:fontRef idx="minor">
-            <a:schemeClr val="lt1"/>
-          </a:fontRef>
-        </p:style>
-        <p:txBody>
-          <a:bodyPr rtlCol="0" anchor="ctr"/>
-          <a:lstStyle/>
-          <a:p>
-            <a:pPr algn="ctr"/>
-            <a:endParaRPr lang="en-US"/>
-          </a:p>
-        </p:txBody>
-      </p:sp>
-      <p:pic>
-        <p:nvPicPr>
-          <p:cNvPr id="20" name="Picture 19" descr="Different colored textiles beside each other">
-            <a:extLst>
-              <a:ext uri="{FF2B5EF4-FFF2-40B4-BE49-F238E27FC236}">
-                <a16:creationId xmlns:a16="http://schemas.microsoft.com/office/drawing/2014/main" id="{BD364C0F-2437-7285-CB31-F6FFE0741749}"/>
-              </a:ext>
-            </a:extLst>
-          </p:cNvPr>
-          <p:cNvPicPr>
-            <a:picLocks noChangeAspect="1"/>
-          </p:cNvPicPr>
-          <p:nvPr/>
-        </p:nvPicPr>
-        <p:blipFill>
-          <a:blip r:embed="rId3"/>
-          <a:srcRect l="24278" r="25780"/>
-          <a:stretch/>
-        </p:blipFill>
-        <p:spPr>
-          <a:xfrm>
-            <a:off x="4577270" y="10"/>
-            <a:ext cx="4566728" cy="6857990"/>
-          </a:xfrm>
-          <a:prstGeom prst="rect">
-            <a:avLst/>
-          </a:prstGeom>
-        </p:spPr>
-      </p:pic>
-      <p:sp useBgFill="1">
-        <p:nvSpPr>
-          <p:cNvPr id="26" name="Rectangle 25">
-            <a:extLst>
-              <a:ext uri="{FF2B5EF4-FFF2-40B4-BE49-F238E27FC236}">
-                <a16:creationId xmlns:a16="http://schemas.microsoft.com/office/drawing/2014/main" id="{59B296B9-C5A5-4E4F-9B60-C907B5F1466C}"/>
-              </a:ext>
-              <a:ext uri="{C183D7F6-B498-43B3-948B-1728B52AA6E4}">
-                <adec:decorative xmlns:adec="http://schemas.microsoft.com/office/drawing/2017/decorative" val="1"/>
-              </a:ext>
-            </a:extLst>
-          </p:cNvPr>
-          <p:cNvSpPr>
-            <a:spLocks noGrp="1" noRot="1" noChangeAspect="1" noMove="1" noResize="1" noEditPoints="1" noAdjustHandles="1" noChangeArrowheads="1" noChangeShapeType="1" noTextEdit="1"/>
-          </p:cNvSpPr>
-          <p:nvPr>
-            <p:extLst>
-              <p:ext uri="{386F3935-93C4-4BCD-93E2-E3B085C9AB24}">
-                <p16:designElem xmlns:p16="http://schemas.microsoft.com/office/powerpoint/2015/main" val="1"/>
-              </p:ext>
-            </p:extLst>
-          </p:nvPr>
-        </p:nvSpPr>
-        <p:spPr>
-          <a:xfrm>
-            <a:off x="0" y="0"/>
-            <a:ext cx="4577268" cy="6858000"/>
-          </a:xfrm>
-          <a:prstGeom prst="rect">
-            <a:avLst/>
-          </a:prstGeom>
-          <a:ln>
-            <a:noFill/>
-          </a:ln>
-          <a:effectLst>
-            <a:outerShdw blurRad="889000" dist="406400" dir="21540000" sx="90000" sy="90000" algn="t" rotWithShape="0">
-              <a:srgbClr val="000000">
-                <a:alpha val="20000"/>
-              </a:srgbClr>
-            </a:outerShdw>
-          </a:effectLst>
-        </p:spPr>
-        <p:style>
-          <a:lnRef idx="2">
-            <a:schemeClr val="accent1">
-              <a:shade val="50000"/>
-            </a:schemeClr>
-          </a:lnRef>
-          <a:fillRef idx="1">
-            <a:schemeClr val="accent1"/>
-          </a:fillRef>
-          <a:effectRef idx="0">
-            <a:schemeClr val="accent1"/>
-          </a:effectRef>
-          <a:fontRef idx="minor">
-            <a:schemeClr val="lt1"/>
-          </a:fontRef>
-        </p:style>
-        <p:txBody>
-          <a:bodyPr rtlCol="0" anchor="ctr"/>
-          <a:lstStyle/>
-          <a:p>
-            <a:pPr algn="ctr"/>
-            <a:endParaRPr lang="en-US"/>
-          </a:p>
-        </p:txBody>
-      </p:sp>
-      <p:sp useBgFill="1">
-        <p:nvSpPr>
-          <p:cNvPr id="28" name="Rectangle 27">
-            <a:extLst>
-              <a:ext uri="{FF2B5EF4-FFF2-40B4-BE49-F238E27FC236}">
-                <a16:creationId xmlns:a16="http://schemas.microsoft.com/office/drawing/2014/main" id="{D0300FD3-5AF1-6305-15FA-9078072672E2}"/>
-              </a:ext>
-              <a:ext uri="{C183D7F6-B498-43B3-948B-1728B52AA6E4}">
-                <adec:decorative xmlns:adec="http://schemas.microsoft.com/office/drawing/2017/decorative" val="1"/>
-              </a:ext>
-            </a:extLst>
-          </p:cNvPr>
-          <p:cNvSpPr>
-            <a:spLocks noGrp="1" noRot="1" noChangeAspect="1" noMove="1" noResize="1" noEditPoints="1" noAdjustHandles="1" noChangeArrowheads="1" noChangeShapeType="1" noTextEdit="1"/>
-          </p:cNvSpPr>
-          <p:nvPr>
-            <p:extLst>
-              <p:ext uri="{386F3935-93C4-4BCD-93E2-E3B085C9AB24}">
-                <p16:designElem xmlns:p16="http://schemas.microsoft.com/office/powerpoint/2015/main" val="1"/>
-              </p:ext>
-            </p:extLst>
-          </p:nvPr>
-        </p:nvSpPr>
-        <p:spPr>
-          <a:xfrm>
-            <a:off x="0" y="0"/>
-            <a:ext cx="4577268" cy="2285995"/>
-          </a:xfrm>
-          <a:prstGeom prst="rect">
-            <a:avLst/>
-          </a:prstGeom>
-          <a:ln>
-            <a:noFill/>
-          </a:ln>
-          <a:effectLst>
-            <a:outerShdw blurRad="254000" dist="127000" dir="5460000" sx="92000" sy="92000" algn="t" rotWithShape="0">
-              <a:srgbClr val="000000">
-                <a:alpha val="30000"/>
-              </a:srgbClr>
-            </a:outerShdw>
-          </a:effectLst>
-        </p:spPr>
-        <p:style>
-          <a:lnRef idx="2">
-            <a:schemeClr val="accent1">
-              <a:shade val="50000"/>
-            </a:schemeClr>
-          </a:lnRef>
-          <a:fillRef idx="1">
-            <a:schemeClr val="accent1"/>
-          </a:fillRef>
-          <a:effectRef idx="0">
-            <a:schemeClr val="accent1"/>
-          </a:effectRef>
-          <a:fontRef idx="minor">
-            <a:schemeClr val="lt1"/>
-          </a:fontRef>
-        </p:style>
-        <p:txBody>
-          <a:bodyPr rtlCol="0" anchor="ctr"/>
-          <a:lstStyle/>
-          <a:p>
-            <a:pPr algn="ctr"/>
-            <a:endParaRPr lang="en-US"/>
-          </a:p>
-        </p:txBody>
-      </p:sp>
-      <p:sp>
-        <p:nvSpPr>
-          <p:cNvPr id="2" name="Title 1"/>
-          <p:cNvSpPr>
-            <a:spLocks noGrp="1"/>
-          </p:cNvSpPr>
-          <p:nvPr>
-            <p:ph type="title"/>
-          </p:nvPr>
-        </p:nvSpPr>
-        <p:spPr>
-          <a:xfrm>
-            <a:off x="571350" y="328512"/>
-            <a:ext cx="3583791" cy="1628970"/>
-          </a:xfrm>
-        </p:spPr>
-        <p:txBody>
-          <a:bodyPr anchor="ctr">
-            <a:normAutofit/>
-          </a:bodyPr>
-          <a:lstStyle/>
-          <a:p>
-            <a:r>
-              <a:rPr lang="en-US" sz="3500" dirty="0"/>
-              <a:t>The Need for RAG</a:t>
-            </a:r>
-          </a:p>
-        </p:txBody>
-      </p:sp>
-      <p:sp>
-        <p:nvSpPr>
-          <p:cNvPr id="3" name="Content Placeholder 2"/>
-          <p:cNvSpPr>
-            <a:spLocks noGrp="1"/>
-          </p:cNvSpPr>
-          <p:nvPr>
-            <p:ph idx="1"/>
-          </p:nvPr>
-        </p:nvSpPr>
-        <p:spPr>
-          <a:xfrm>
-            <a:off x="153564" y="2884929"/>
-            <a:ext cx="3912604" cy="3374137"/>
-          </a:xfrm>
-        </p:spPr>
-        <p:txBody>
-          <a:bodyPr anchor="ctr">
-            <a:noAutofit/>
-          </a:bodyPr>
-          <a:lstStyle/>
-          <a:p>
-            <a:r>
-              <a:rPr lang="en-US" sz="2400" dirty="0"/>
-              <a:t>Limitations of traditional </a:t>
-            </a:r>
-            <a:r>
-              <a:rPr lang="en-US" sz="2400" dirty="0" err="1"/>
-              <a:t>keword</a:t>
-            </a:r>
-            <a:r>
-              <a:rPr lang="en-US" sz="2400" dirty="0"/>
-              <a:t>-matching search systems.</a:t>
-            </a:r>
-          </a:p>
-          <a:p>
-            <a:r>
-              <a:rPr lang="en-US" sz="2400" dirty="0"/>
-              <a:t>Increasing demand for context-aware and personalized results.</a:t>
-            </a:r>
-          </a:p>
-          <a:p>
-            <a:r>
-              <a:rPr lang="en-US" sz="2400" dirty="0"/>
-              <a:t>LLMs are “stuck” at a particular time, potentially resulting in hallucinations.</a:t>
-            </a:r>
-          </a:p>
-        </p:txBody>
-      </p:sp>
-    </p:spTree>
-  </p:cSld>
-  <p:clrMapOvr>
-    <a:masterClrMapping/>
-  </p:clrMapOvr>
-</p:sld>
-</file>
-
-<file path=ppt/slides/slide4.xml><?xml version="1.0" encoding="utf-8"?>
-<p:sld xmlns:a="http://schemas.openxmlformats.org/drawingml/2006/main" xmlns:r="http://schemas.openxmlformats.org/officeDocument/2006/relationships" xmlns:p="http://schemas.openxmlformats.org/presentationml/2006/main">
-  <p:cSld>
-    <p:spTree>
-      <p:nvGrpSpPr>
-        <p:cNvPr id="1" name=""/>
-        <p:cNvGrpSpPr/>
-        <p:nvPr/>
-      </p:nvGrpSpPr>
-      <p:grpSpPr>
-        <a:xfrm>
-          <a:off x="0" y="0"/>
-          <a:ext cx="0" cy="0"/>
-          <a:chOff x="0" y="0"/>
-          <a:chExt cx="0" cy="0"/>
-        </a:xfrm>
-      </p:grpSpPr>
-      <p:sp>
-        <p:nvSpPr>
-          <p:cNvPr id="2" name="Title 1">
-            <a:extLst>
-              <a:ext uri="{FF2B5EF4-FFF2-40B4-BE49-F238E27FC236}">
-                <a16:creationId xmlns:a16="http://schemas.microsoft.com/office/drawing/2014/main" id="{A68AF749-A675-60C8-2CFB-790E9E4BA3A2}"/>
-              </a:ext>
-            </a:extLst>
-          </p:cNvPr>
-          <p:cNvSpPr>
-            <a:spLocks noGrp="1"/>
-          </p:cNvSpPr>
-          <p:nvPr>
-            <p:ph type="title"/>
-          </p:nvPr>
-        </p:nvSpPr>
-        <p:spPr/>
-        <p:txBody>
-          <a:bodyPr/>
-          <a:lstStyle/>
-          <a:p>
-            <a:r>
-              <a:rPr lang="en-US" dirty="0"/>
-              <a:t>Drawback of Gen AI Without RAG</a:t>
-            </a:r>
-          </a:p>
-        </p:txBody>
-      </p:sp>
-      <p:pic>
-        <p:nvPicPr>
-          <p:cNvPr id="5" name="Content Placeholder 4">
-            <a:extLst>
-              <a:ext uri="{FF2B5EF4-FFF2-40B4-BE49-F238E27FC236}">
-                <a16:creationId xmlns:a16="http://schemas.microsoft.com/office/drawing/2014/main" id="{68561E72-B66D-12EA-1377-B6174429D418}"/>
-              </a:ext>
-            </a:extLst>
-          </p:cNvPr>
-          <p:cNvPicPr>
-            <a:picLocks noGrp="1" noChangeAspect="1"/>
-          </p:cNvPicPr>
-          <p:nvPr>
-            <p:ph idx="1"/>
-          </p:nvPr>
-        </p:nvPicPr>
-        <p:blipFill>
-          <a:blip r:embed="rId2"/>
-          <a:stretch>
-            <a:fillRect/>
-          </a:stretch>
-        </p:blipFill>
-        <p:spPr>
-          <a:xfrm>
-            <a:off x="1475288" y="1600200"/>
-            <a:ext cx="6193423" cy="4525963"/>
-          </a:xfrm>
-        </p:spPr>
-      </p:pic>
-      <p:sp>
-        <p:nvSpPr>
-          <p:cNvPr id="6" name="TextBox 5">
-            <a:extLst>
-              <a:ext uri="{FF2B5EF4-FFF2-40B4-BE49-F238E27FC236}">
-                <a16:creationId xmlns:a16="http://schemas.microsoft.com/office/drawing/2014/main" id="{9C47A601-C5C6-4190-6344-70FDD2D1BB59}"/>
-              </a:ext>
-            </a:extLst>
-          </p:cNvPr>
-          <p:cNvSpPr txBox="1"/>
-          <p:nvPr/>
-        </p:nvSpPr>
-        <p:spPr>
-          <a:xfrm>
-            <a:off x="457200" y="6351684"/>
-            <a:ext cx="2512855" cy="369332"/>
-          </a:xfrm>
-          <a:prstGeom prst="rect">
-            <a:avLst/>
-          </a:prstGeom>
-          <a:noFill/>
-        </p:spPr>
-        <p:txBody>
-          <a:bodyPr wrap="square" rtlCol="0">
-            <a:spAutoFit/>
-          </a:bodyPr>
-          <a:lstStyle/>
-          <a:p>
-            <a:r>
-              <a:rPr lang="en-US" dirty="0"/>
-              <a:t>Credit: </a:t>
-            </a:r>
-            <a:r>
-              <a:rPr lang="en-US" dirty="0">
-                <a:hlinkClick r:id="rId3"/>
-              </a:rPr>
-              <a:t>Pinecone.io</a:t>
-            </a:r>
-            <a:endParaRPr lang="en-US" dirty="0"/>
-          </a:p>
-        </p:txBody>
-      </p:sp>
-    </p:spTree>
-    <p:extLst>
-      <p:ext uri="{BB962C8B-B14F-4D97-AF65-F5344CB8AC3E}">
-        <p14:creationId xmlns:p14="http://schemas.microsoft.com/office/powerpoint/2010/main" val="449830461"/>
-      </p:ext>
-    </p:extLst>
-  </p:cSld>
-  <p:clrMapOvr>
-    <a:masterClrMapping/>
-  </p:clrMapOvr>
-</p:sld>
-</file>
-
-<file path=ppt/slides/slide5.xml><?xml version="1.0" encoding="utf-8"?>
-<p:sld xmlns:a="http://schemas.openxmlformats.org/drawingml/2006/main" xmlns:r="http://schemas.openxmlformats.org/officeDocument/2006/relationships" xmlns:p="http://schemas.openxmlformats.org/presentationml/2006/main">
-  <p:cSld>
-    <p:bg>
-      <p:bgPr>
-        <a:solidFill>
-          <a:schemeClr val="bg1"/>
-        </a:solidFill>
-        <a:effectLst/>
-      </p:bgPr>
-    </p:bg>
-    <p:spTree>
-      <p:nvGrpSpPr>
-        <p:cNvPr id="1" name=""/>
-        <p:cNvGrpSpPr/>
-        <p:nvPr/>
-      </p:nvGrpSpPr>
-      <p:grpSpPr>
-        <a:xfrm>
-          <a:off x="0" y="0"/>
-          <a:ext cx="0" cy="0"/>
-          <a:chOff x="0" y="0"/>
-          <a:chExt cx="0" cy="0"/>
-        </a:xfrm>
-      </p:grpSpPr>
-      <p:sp useBgFill="1">
-        <p:nvSpPr>
-          <p:cNvPr id="9" name="Slide Background">
-            <a:extLst>
-              <a:ext uri="{FF2B5EF4-FFF2-40B4-BE49-F238E27FC236}">
-                <a16:creationId xmlns:a16="http://schemas.microsoft.com/office/drawing/2014/main" id="{9F7D5CDA-D291-4307-BF55-1381FED29634}"/>
-              </a:ext>
-              <a:ext uri="{C183D7F6-B498-43B3-948B-1728B52AA6E4}">
-                <adec:decorative xmlns:adec="http://schemas.microsoft.com/office/drawing/2017/decorative" val="1"/>
-              </a:ext>
-            </a:extLst>
-          </p:cNvPr>
-          <p:cNvSpPr>
-            <a:spLocks noGrp="1" noRot="1" noChangeAspect="1" noMove="1" noResize="1" noEditPoints="1" noAdjustHandles="1" noChangeArrowheads="1" noChangeShapeType="1" noTextEdit="1"/>
-          </p:cNvSpPr>
-          <p:nvPr>
-            <p:extLst>
-              <p:ext uri="{386F3935-93C4-4BCD-93E2-E3B085C9AB24}">
-                <p16:designElem xmlns:p16="http://schemas.microsoft.com/office/powerpoint/2015/main" val="1"/>
-              </p:ext>
-            </p:extLst>
-          </p:nvPr>
-        </p:nvSpPr>
-        <p:spPr>
-          <a:xfrm>
-            <a:off x="0" y="0"/>
-            <a:ext cx="9144000" cy="6858000"/>
-          </a:xfrm>
-          <a:prstGeom prst="rect">
-            <a:avLst/>
-          </a:prstGeom>
-          <a:ln>
-            <a:noFill/>
-          </a:ln>
-        </p:spPr>
-        <p:style>
-          <a:lnRef idx="2">
-            <a:schemeClr val="accent1">
-              <a:shade val="50000"/>
-            </a:schemeClr>
-          </a:lnRef>
-          <a:fillRef idx="1">
-            <a:schemeClr val="accent1"/>
-          </a:fillRef>
-          <a:effectRef idx="0">
-            <a:schemeClr val="accent1"/>
-          </a:effectRef>
-          <a:fontRef idx="minor">
-            <a:schemeClr val="lt1"/>
-          </a:fontRef>
-        </p:style>
-        <p:txBody>
-          <a:bodyPr rtlCol="0" anchor="ctr"/>
-          <a:lstStyle/>
-          <a:p>
-            <a:pPr algn="ctr"/>
-            <a:endParaRPr lang="en-US"/>
-          </a:p>
-        </p:txBody>
-      </p:sp>
-      <p:sp>
-        <p:nvSpPr>
-          <p:cNvPr id="2" name="Title 1"/>
-          <p:cNvSpPr>
-            <a:spLocks noGrp="1"/>
-          </p:cNvSpPr>
-          <p:nvPr>
-            <p:ph type="title"/>
-          </p:nvPr>
-        </p:nvSpPr>
-        <p:spPr>
-          <a:xfrm>
-            <a:off x="619477" y="156687"/>
-            <a:ext cx="4000647" cy="1708242"/>
-          </a:xfrm>
-        </p:spPr>
-        <p:txBody>
-          <a:bodyPr anchor="ctr">
-            <a:normAutofit/>
-          </a:bodyPr>
-          <a:lstStyle/>
-          <a:p>
-            <a:r>
-              <a:rPr lang="en-US" sz="3500" dirty="0"/>
-              <a:t>RAG Workflow</a:t>
-            </a:r>
-          </a:p>
-        </p:txBody>
-      </p:sp>
-      <p:sp>
-        <p:nvSpPr>
-          <p:cNvPr id="3" name="Content Placeholder 2"/>
-          <p:cNvSpPr>
-            <a:spLocks noGrp="1"/>
-          </p:cNvSpPr>
-          <p:nvPr>
-            <p:ph idx="1"/>
-          </p:nvPr>
-        </p:nvSpPr>
-        <p:spPr>
-          <a:xfrm>
-            <a:off x="124108" y="1623747"/>
-            <a:ext cx="4895132" cy="4679697"/>
-          </a:xfrm>
-        </p:spPr>
-        <p:txBody>
-          <a:bodyPr anchor="ctr">
-            <a:noAutofit/>
-          </a:bodyPr>
-          <a:lstStyle/>
-          <a:p>
-            <a:pPr marL="457200" indent="-457200">
-              <a:buAutoNum type="arabicPeriod"/>
-            </a:pPr>
-            <a:r>
-              <a:rPr lang="en-US" sz="2400" dirty="0"/>
-              <a:t>User Query: Input from the user.</a:t>
-            </a:r>
-          </a:p>
-          <a:p>
-            <a:pPr marL="457200" indent="-457200">
-              <a:buAutoNum type="arabicPeriod"/>
-            </a:pPr>
-            <a:r>
-              <a:rPr lang="en-US" sz="2400" dirty="0"/>
-              <a:t>Retrieval: Relevant documents retrieved using dense embeddings.</a:t>
-            </a:r>
-          </a:p>
-          <a:p>
-            <a:pPr marL="457200" indent="-457200">
-              <a:buAutoNum type="arabicPeriod"/>
-            </a:pPr>
-            <a:r>
-              <a:rPr lang="en-US" sz="2400" dirty="0"/>
-              <a:t>Augmentation: Retrieved data integrated with the query.</a:t>
-            </a:r>
-          </a:p>
-          <a:p>
-            <a:pPr marL="457200" indent="-457200">
-              <a:buAutoNum type="arabicPeriod"/>
-            </a:pPr>
-            <a:r>
-              <a:rPr lang="en-US" sz="2400" dirty="0"/>
-              <a:t>Generation: Final response produced using a generative model.</a:t>
-            </a:r>
-          </a:p>
-        </p:txBody>
-      </p:sp>
-      <p:pic>
-        <p:nvPicPr>
-          <p:cNvPr id="5" name="Picture 4" descr="An abstract design with lines and financial symbols">
-            <a:extLst>
-              <a:ext uri="{FF2B5EF4-FFF2-40B4-BE49-F238E27FC236}">
-                <a16:creationId xmlns:a16="http://schemas.microsoft.com/office/drawing/2014/main" id="{596B3E05-533F-37E9-DCC8-03989411BC01}"/>
-              </a:ext>
-            </a:extLst>
-          </p:cNvPr>
-          <p:cNvPicPr>
-            <a:picLocks noChangeAspect="1"/>
-          </p:cNvPicPr>
-          <p:nvPr/>
-        </p:nvPicPr>
-        <p:blipFill rotWithShape="1">
-          <a:blip r:embed="rId3"/>
-          <a:srcRect l="30188" r="31080"/>
-          <a:stretch/>
-        </p:blipFill>
-        <p:spPr>
-          <a:xfrm>
-            <a:off x="5143347" y="-10886"/>
-            <a:ext cx="4000653" cy="6868886"/>
-          </a:xfrm>
-          <a:prstGeom prst="rect">
-            <a:avLst/>
-          </a:prstGeom>
-          <a:effectLst>
-            <a:outerShdw blurRad="127000" dist="50800" dir="10800000" sx="99000" sy="99000" algn="r" rotWithShape="0">
-              <a:prstClr val="black">
-                <a:alpha val="40000"/>
-              </a:prstClr>
-            </a:outerShdw>
-          </a:effectLst>
-        </p:spPr>
-      </p:pic>
-    </p:spTree>
-  </p:cSld>
-  <p:clrMapOvr>
-    <a:masterClrMapping/>
-  </p:clrMapOvr>
-</p:sld>
-</file>
-
-<file path=ppt/slides/slide6.xml><?xml version="1.0" encoding="utf-8"?>
-<p:sld xmlns:a="http://schemas.openxmlformats.org/drawingml/2006/main" xmlns:r="http://schemas.openxmlformats.org/officeDocument/2006/relationships" xmlns:p="http://schemas.openxmlformats.org/presentationml/2006/main">
-  <p:cSld>
-    <p:spTree>
-      <p:nvGrpSpPr>
-        <p:cNvPr id="1" name="">
-          <a:extLst>
-            <a:ext uri="{FF2B5EF4-FFF2-40B4-BE49-F238E27FC236}">
-              <a16:creationId xmlns:a16="http://schemas.microsoft.com/office/drawing/2014/main" id="{49841D3A-0A07-4BFB-109F-B186BFA6E377}"/>
-            </a:ext>
-          </a:extLst>
-        </p:cNvPr>
-        <p:cNvGrpSpPr/>
-        <p:nvPr/>
-      </p:nvGrpSpPr>
-      <p:grpSpPr>
-        <a:xfrm>
-          <a:off x="0" y="0"/>
-          <a:ext cx="0" cy="0"/>
-          <a:chOff x="0" y="0"/>
-          <a:chExt cx="0" cy="0"/>
-        </a:xfrm>
-      </p:grpSpPr>
-      <p:sp>
-        <p:nvSpPr>
-          <p:cNvPr id="2" name="Title 1">
-            <a:extLst>
-              <a:ext uri="{FF2B5EF4-FFF2-40B4-BE49-F238E27FC236}">
-                <a16:creationId xmlns:a16="http://schemas.microsoft.com/office/drawing/2014/main" id="{C973D8D4-DA9E-85CE-CCF6-AB5650EC821A}"/>
-              </a:ext>
-            </a:extLst>
-          </p:cNvPr>
-          <p:cNvSpPr>
-            <a:spLocks noGrp="1"/>
-          </p:cNvSpPr>
-          <p:nvPr>
-            <p:ph type="title"/>
-          </p:nvPr>
-        </p:nvSpPr>
-        <p:spPr/>
-        <p:txBody>
-          <a:bodyPr/>
-          <a:lstStyle/>
-          <a:p>
-            <a:r>
-              <a:rPr lang="en-US" dirty="0"/>
-              <a:t>Creating a Vector Database</a:t>
-            </a:r>
-          </a:p>
-        </p:txBody>
-      </p:sp>
-      <p:sp>
-        <p:nvSpPr>
-          <p:cNvPr id="6" name="TextBox 5">
-            <a:extLst>
-              <a:ext uri="{FF2B5EF4-FFF2-40B4-BE49-F238E27FC236}">
-                <a16:creationId xmlns:a16="http://schemas.microsoft.com/office/drawing/2014/main" id="{F2BF1F2A-96A5-2FE2-3E72-3F815B064894}"/>
-              </a:ext>
-            </a:extLst>
-          </p:cNvPr>
-          <p:cNvSpPr txBox="1"/>
-          <p:nvPr/>
-        </p:nvSpPr>
-        <p:spPr>
-          <a:xfrm>
-            <a:off x="457200" y="6351684"/>
-            <a:ext cx="2512855" cy="369332"/>
-          </a:xfrm>
-          <a:prstGeom prst="rect">
-            <a:avLst/>
-          </a:prstGeom>
-          <a:noFill/>
-        </p:spPr>
-        <p:txBody>
-          <a:bodyPr wrap="square" rtlCol="0">
-            <a:spAutoFit/>
-          </a:bodyPr>
-          <a:lstStyle/>
-          <a:p>
-            <a:r>
-              <a:rPr lang="en-US" dirty="0"/>
-              <a:t>Credit: </a:t>
-            </a:r>
-            <a:r>
-              <a:rPr lang="en-US" dirty="0">
-                <a:hlinkClick r:id="rId3"/>
-              </a:rPr>
-              <a:t>Pinecone.io</a:t>
-            </a:r>
-            <a:endParaRPr lang="en-US" dirty="0"/>
-          </a:p>
-        </p:txBody>
-      </p:sp>
-      <p:pic>
-        <p:nvPicPr>
-          <p:cNvPr id="8" name="Content Placeholder 7">
-            <a:extLst>
-              <a:ext uri="{FF2B5EF4-FFF2-40B4-BE49-F238E27FC236}">
-                <a16:creationId xmlns:a16="http://schemas.microsoft.com/office/drawing/2014/main" id="{7BE4AA5C-1A11-FD1E-AEC4-FB1140F7A9E4}"/>
-              </a:ext>
-            </a:extLst>
-          </p:cNvPr>
-          <p:cNvPicPr>
-            <a:picLocks noGrp="1" noChangeAspect="1"/>
-          </p:cNvPicPr>
-          <p:nvPr>
-            <p:ph idx="1"/>
-          </p:nvPr>
-        </p:nvPicPr>
-        <p:blipFill>
-          <a:blip r:embed="rId4"/>
-          <a:stretch>
-            <a:fillRect/>
-          </a:stretch>
-        </p:blipFill>
-        <p:spPr>
-          <a:xfrm>
-            <a:off x="457200" y="1756649"/>
-            <a:ext cx="8229600" cy="4213064"/>
-          </a:xfrm>
-        </p:spPr>
-      </p:pic>
-    </p:spTree>
-    <p:extLst>
-      <p:ext uri="{BB962C8B-B14F-4D97-AF65-F5344CB8AC3E}">
-        <p14:creationId xmlns:p14="http://schemas.microsoft.com/office/powerpoint/2010/main" val="2410568824"/>
-      </p:ext>
-    </p:extLst>
-  </p:cSld>
-  <p:clrMapOvr>
-    <a:masterClrMapping/>
-  </p:clrMapOvr>
-</p:sld>
-</file>
-
-<file path=ppt/slides/slide7.xml><?xml version="1.0" encoding="utf-8"?>
-<p:sld xmlns:a="http://schemas.openxmlformats.org/drawingml/2006/main" xmlns:r="http://schemas.openxmlformats.org/officeDocument/2006/relationships" xmlns:p="http://schemas.openxmlformats.org/presentationml/2006/main">
-  <p:cSld>
-    <p:bg>
-      <p:bgPr>
-        <a:solidFill>
-          <a:schemeClr val="bg1"/>
-        </a:solidFill>
-        <a:effectLst/>
-      </p:bgPr>
-    </p:bg>
-    <p:spTree>
-      <p:nvGrpSpPr>
-        <p:cNvPr id="1" name=""/>
-        <p:cNvGrpSpPr/>
-        <p:nvPr/>
-      </p:nvGrpSpPr>
-      <p:grpSpPr>
-        <a:xfrm>
-          <a:off x="0" y="0"/>
-          <a:ext cx="0" cy="0"/>
-          <a:chOff x="0" y="0"/>
-          <a:chExt cx="0" cy="0"/>
-        </a:xfrm>
-      </p:grpSpPr>
-      <p:sp>
-        <p:nvSpPr>
-          <p:cNvPr id="2" name="Title 1"/>
-          <p:cNvSpPr>
-            <a:spLocks noGrp="1"/>
-          </p:cNvSpPr>
-          <p:nvPr>
-            <p:ph type="title"/>
-          </p:nvPr>
-        </p:nvSpPr>
-        <p:spPr>
-          <a:xfrm>
-            <a:off x="657519" y="239502"/>
-            <a:ext cx="3266449" cy="1616203"/>
-          </a:xfrm>
-        </p:spPr>
-        <p:txBody>
-          <a:bodyPr anchor="b">
-            <a:normAutofit/>
-          </a:bodyPr>
-          <a:lstStyle/>
-          <a:p>
-            <a:r>
-              <a:rPr lang="en-US" sz="3600" dirty="0"/>
-              <a:t>Core Technologies</a:t>
-            </a:r>
-          </a:p>
-        </p:txBody>
-      </p:sp>
-      <p:sp>
-        <p:nvSpPr>
-          <p:cNvPr id="3" name="Content Placeholder 2"/>
-          <p:cNvSpPr>
-            <a:spLocks noGrp="1"/>
-          </p:cNvSpPr>
-          <p:nvPr>
-            <p:ph idx="1"/>
-          </p:nvPr>
-        </p:nvSpPr>
-        <p:spPr>
-          <a:xfrm>
-            <a:off x="130628" y="2533476"/>
-            <a:ext cx="4303867" cy="3447832"/>
-          </a:xfrm>
-        </p:spPr>
-        <p:txBody>
-          <a:bodyPr anchor="t">
-            <a:noAutofit/>
-          </a:bodyPr>
-          <a:lstStyle/>
-          <a:p>
-            <a:r>
-              <a:rPr lang="en-US" sz="2400" dirty="0"/>
-              <a:t>Retrieval Models: BM25, dense embeddings, vector databases (e.g., FAISS, Pinecone).</a:t>
-            </a:r>
-          </a:p>
-          <a:p>
-            <a:r>
-              <a:rPr lang="en-US" sz="2400" dirty="0"/>
-              <a:t>Generative Models: Transformer-based architectures (e.g., GPT).</a:t>
-            </a:r>
-          </a:p>
-          <a:p>
-            <a:r>
-              <a:rPr lang="en-US" sz="2400" dirty="0"/>
-              <a:t>Knowledge Integration: Use of knowledge graphs to enhance context.</a:t>
-            </a:r>
-          </a:p>
-        </p:txBody>
-      </p:sp>
-      <p:pic>
-        <p:nvPicPr>
-          <p:cNvPr id="5" name="Picture 4" descr="Abstract network of node and mesh">
-            <a:extLst>
-              <a:ext uri="{FF2B5EF4-FFF2-40B4-BE49-F238E27FC236}">
-                <a16:creationId xmlns:a16="http://schemas.microsoft.com/office/drawing/2014/main" id="{DDAD627A-2250-9CEE-9815-3245C003A152}"/>
-              </a:ext>
-            </a:extLst>
-          </p:cNvPr>
-          <p:cNvPicPr>
-            <a:picLocks noChangeAspect="1"/>
-          </p:cNvPicPr>
-          <p:nvPr/>
-        </p:nvPicPr>
-        <p:blipFill rotWithShape="1">
-          <a:blip r:embed="rId3"/>
-          <a:srcRect l="23902" r="26098"/>
-          <a:stretch/>
-        </p:blipFill>
-        <p:spPr>
-          <a:xfrm>
-            <a:off x="4572000" y="10"/>
-            <a:ext cx="4571999" cy="6857990"/>
-          </a:xfrm>
-          <a:prstGeom prst="rect">
-            <a:avLst/>
-          </a:prstGeom>
-        </p:spPr>
-      </p:pic>
-      <p:sp>
-        <p:nvSpPr>
-          <p:cNvPr id="9" name="Rectangle 8">
-            <a:extLst>
-              <a:ext uri="{FF2B5EF4-FFF2-40B4-BE49-F238E27FC236}">
-                <a16:creationId xmlns:a16="http://schemas.microsoft.com/office/drawing/2014/main" id="{AE3A741D-C19B-960A-5803-1C5887147820}"/>
-              </a:ext>
-              <a:ext uri="{C183D7F6-B498-43B3-948B-1728B52AA6E4}">
-                <adec:decorative xmlns:adec="http://schemas.microsoft.com/office/drawing/2017/decorative" val="1"/>
-              </a:ext>
-            </a:extLst>
-          </p:cNvPr>
-          <p:cNvSpPr>
-            <a:spLocks noGrp="1" noRot="1" noChangeAspect="1" noMove="1" noResize="1" noEditPoints="1" noAdjustHandles="1" noChangeArrowheads="1" noChangeShapeType="1" noTextEdit="1"/>
-          </p:cNvSpPr>
-          <p:nvPr>
-            <p:extLst>
-              <p:ext uri="{386F3935-93C4-4BCD-93E2-E3B085C9AB24}">
-                <p16:designElem xmlns:p16="http://schemas.microsoft.com/office/powerpoint/2015/main" val="1"/>
-              </p:ext>
-            </p:extLst>
-          </p:nvPr>
-        </p:nvSpPr>
-        <p:spPr>
-          <a:xfrm rot="5400000">
-            <a:off x="6082135" y="3792161"/>
-            <a:ext cx="1559464" cy="4579735"/>
-          </a:xfrm>
-          <a:prstGeom prst="rect">
-            <a:avLst/>
-          </a:prstGeom>
-          <a:gradFill>
-            <a:gsLst>
-              <a:gs pos="0">
-                <a:schemeClr val="accent5">
-                  <a:alpha val="77000"/>
-                </a:schemeClr>
-              </a:gs>
-              <a:gs pos="57000">
-                <a:schemeClr val="accent5">
-                  <a:lumMod val="60000"/>
-                  <a:lumOff val="40000"/>
-                  <a:alpha val="0"/>
-                </a:schemeClr>
-              </a:gs>
-            </a:gsLst>
-            <a:lin ang="11100000" scaled="0"/>
-          </a:gradFill>
-          <a:ln>
-            <a:noFill/>
-          </a:ln>
-        </p:spPr>
-        <p:style>
-          <a:lnRef idx="2">
-            <a:schemeClr val="accent1">
-              <a:shade val="50000"/>
-            </a:schemeClr>
-          </a:lnRef>
-          <a:fillRef idx="1">
-            <a:schemeClr val="accent1"/>
-          </a:fillRef>
-          <a:effectRef idx="0">
-            <a:schemeClr val="accent1"/>
-          </a:effectRef>
-          <a:fontRef idx="minor">
-            <a:schemeClr val="lt1"/>
-          </a:fontRef>
-        </p:style>
-        <p:txBody>
-          <a:bodyPr rtlCol="0" anchor="ctr"/>
-          <a:lstStyle/>
-          <a:p>
-            <a:pPr algn="ctr"/>
-            <a:endParaRPr lang="en-US"/>
-          </a:p>
-        </p:txBody>
-      </p:sp>
-      <p:sp>
-        <p:nvSpPr>
-          <p:cNvPr id="11" name="Rectangle 10">
-            <a:extLst>
-              <a:ext uri="{FF2B5EF4-FFF2-40B4-BE49-F238E27FC236}">
-                <a16:creationId xmlns:a16="http://schemas.microsoft.com/office/drawing/2014/main" id="{9C3A50E9-9119-7BC3-083B-2D84CCC78E47}"/>
-              </a:ext>
-              <a:ext uri="{C183D7F6-B498-43B3-948B-1728B52AA6E4}">
-                <adec:decorative xmlns:adec="http://schemas.microsoft.com/office/drawing/2017/decorative" val="1"/>
-              </a:ext>
-            </a:extLst>
-          </p:cNvPr>
-          <p:cNvSpPr>
-            <a:spLocks noGrp="1" noRot="1" noChangeAspect="1" noMove="1" noResize="1" noEditPoints="1" noAdjustHandles="1" noChangeArrowheads="1" noChangeShapeType="1" noTextEdit="1"/>
-          </p:cNvSpPr>
-          <p:nvPr>
-            <p:extLst>
-              <p:ext uri="{386F3935-93C4-4BCD-93E2-E3B085C9AB24}">
-                <p16:designElem xmlns:p16="http://schemas.microsoft.com/office/powerpoint/2015/main" val="1"/>
-              </p:ext>
-            </p:extLst>
-          </p:nvPr>
-        </p:nvSpPr>
-        <p:spPr>
-          <a:xfrm>
-            <a:off x="7511580" y="-3760"/>
-            <a:ext cx="1632418" cy="6857999"/>
-          </a:xfrm>
-          <a:prstGeom prst="rect">
-            <a:avLst/>
-          </a:prstGeom>
-          <a:gradFill flip="none" rotWithShape="1">
-            <a:gsLst>
-              <a:gs pos="0">
-                <a:schemeClr val="accent2"/>
-              </a:gs>
-              <a:gs pos="40000">
-                <a:schemeClr val="accent2">
-                  <a:alpha val="0"/>
-                </a:schemeClr>
-              </a:gs>
-            </a:gsLst>
-            <a:lin ang="11400000" scaled="0"/>
-            <a:tileRect/>
-          </a:gradFill>
-          <a:ln>
-            <a:noFill/>
-          </a:ln>
-        </p:spPr>
-        <p:style>
-          <a:lnRef idx="2">
-            <a:schemeClr val="accent1">
-              <a:shade val="50000"/>
-            </a:schemeClr>
-          </a:lnRef>
-          <a:fillRef idx="1">
-            <a:schemeClr val="accent1"/>
-          </a:fillRef>
-          <a:effectRef idx="0">
-            <a:schemeClr val="accent1"/>
-          </a:effectRef>
-          <a:fontRef idx="minor">
-            <a:schemeClr val="lt1"/>
-          </a:fontRef>
-        </p:style>
-        <p:txBody>
-          <a:bodyPr rtlCol="0" anchor="ctr"/>
-          <a:lstStyle/>
-          <a:p>
-            <a:pPr algn="ctr"/>
-            <a:endParaRPr lang="en-US"/>
-          </a:p>
-        </p:txBody>
-      </p:sp>
-      <p:sp>
-        <p:nvSpPr>
-          <p:cNvPr id="13" name="Rectangle 12">
-            <a:extLst>
-              <a:ext uri="{FF2B5EF4-FFF2-40B4-BE49-F238E27FC236}">
-                <a16:creationId xmlns:a16="http://schemas.microsoft.com/office/drawing/2014/main" id="{DC39DE25-0E4E-0AA7-0932-1D78C2372786}"/>
-              </a:ext>
-              <a:ext uri="{C183D7F6-B498-43B3-948B-1728B52AA6E4}">
-                <adec:decorative xmlns:adec="http://schemas.microsoft.com/office/drawing/2017/decorative" val="1"/>
-              </a:ext>
-            </a:extLst>
-          </p:cNvPr>
-          <p:cNvSpPr>
-            <a:spLocks noGrp="1" noRot="1" noChangeAspect="1" noMove="1" noResize="1" noEditPoints="1" noAdjustHandles="1" noChangeArrowheads="1" noChangeShapeType="1" noTextEdit="1"/>
-          </p:cNvSpPr>
-          <p:nvPr>
-            <p:extLst>
-              <p:ext uri="{386F3935-93C4-4BCD-93E2-E3B085C9AB24}">
-                <p16:designElem xmlns:p16="http://schemas.microsoft.com/office/powerpoint/2015/main" val="1"/>
-              </p:ext>
-            </p:extLst>
-          </p:nvPr>
-        </p:nvSpPr>
-        <p:spPr>
-          <a:xfrm flipV="1">
-            <a:off x="4572000" y="5502302"/>
-            <a:ext cx="4579735" cy="1359456"/>
-          </a:xfrm>
-          <a:prstGeom prst="rect">
-            <a:avLst/>
-          </a:prstGeom>
-          <a:gradFill flip="none" rotWithShape="1">
-            <a:gsLst>
-              <a:gs pos="0">
-                <a:schemeClr val="accent2">
-                  <a:alpha val="89000"/>
-                </a:schemeClr>
-              </a:gs>
-              <a:gs pos="38000">
-                <a:schemeClr val="accent5">
-                  <a:lumMod val="60000"/>
-                  <a:lumOff val="40000"/>
-                  <a:alpha val="0"/>
-                </a:schemeClr>
-              </a:gs>
-            </a:gsLst>
-            <a:lin ang="4200000" scaled="0"/>
-            <a:tileRect/>
-          </a:gradFill>
-          <a:ln w="12700" cap="flat" cmpd="sng" algn="ctr">
-            <a:noFill/>
-            <a:prstDash val="solid"/>
-            <a:miter lim="800000"/>
-          </a:ln>
-          <a:effectLst/>
-        </p:spPr>
-        <p:style>
-          <a:lnRef idx="2">
-            <a:schemeClr val="accent1">
-              <a:shade val="50000"/>
-            </a:schemeClr>
-          </a:lnRef>
-          <a:fillRef idx="1">
-            <a:schemeClr val="accent1"/>
-          </a:fillRef>
-          <a:effectRef idx="0">
-            <a:schemeClr val="accent1"/>
-          </a:effectRef>
-          <a:fontRef idx="minor">
-            <a:schemeClr val="lt1"/>
-          </a:fontRef>
-        </p:style>
-        <p:txBody>
-          <a:bodyPr rtlCol="0" anchor="ctr"/>
-          <a:lstStyle/>
-          <a:p>
-            <a:pPr algn="r"/>
-            <a:endParaRPr lang="en-US"/>
-          </a:p>
-        </p:txBody>
-      </p:sp>
-      <p:sp>
-        <p:nvSpPr>
-          <p:cNvPr id="15" name="Rectangle 14">
-            <a:extLst>
-              <a:ext uri="{FF2B5EF4-FFF2-40B4-BE49-F238E27FC236}">
-                <a16:creationId xmlns:a16="http://schemas.microsoft.com/office/drawing/2014/main" id="{8D6EA299-0840-6DEA-E670-C49AEBC87E89}"/>
-              </a:ext>
-              <a:ext uri="{C183D7F6-B498-43B3-948B-1728B52AA6E4}">
-                <adec:decorative xmlns:adec="http://schemas.microsoft.com/office/drawing/2017/decorative" val="1"/>
-              </a:ext>
-            </a:extLst>
-          </p:cNvPr>
-          <p:cNvSpPr>
-            <a:spLocks noGrp="1" noRot="1" noChangeAspect="1" noMove="1" noResize="1" noEditPoints="1" noAdjustHandles="1" noChangeArrowheads="1" noChangeShapeType="1" noTextEdit="1"/>
-          </p:cNvSpPr>
-          <p:nvPr>
-            <p:extLst>
-              <p:ext uri="{386F3935-93C4-4BCD-93E2-E3B085C9AB24}">
-                <p16:designElem xmlns:p16="http://schemas.microsoft.com/office/powerpoint/2015/main" val="1"/>
-              </p:ext>
-            </p:extLst>
-          </p:nvPr>
-        </p:nvSpPr>
-        <p:spPr>
-          <a:xfrm rot="10800000">
-            <a:off x="6770169" y="2939627"/>
-            <a:ext cx="2372181" cy="3914612"/>
-          </a:xfrm>
-          <a:prstGeom prst="rect">
-            <a:avLst/>
-          </a:prstGeom>
-          <a:gradFill flip="none" rotWithShape="1">
-            <a:gsLst>
-              <a:gs pos="0">
-                <a:schemeClr val="accent5">
-                  <a:lumMod val="60000"/>
-                  <a:lumOff val="40000"/>
-                </a:schemeClr>
-              </a:gs>
-              <a:gs pos="51000">
-                <a:schemeClr val="accent5">
-                  <a:lumMod val="60000"/>
-                  <a:lumOff val="40000"/>
-                  <a:alpha val="0"/>
-                </a:schemeClr>
-              </a:gs>
-            </a:gsLst>
-            <a:path path="circle">
-              <a:fillToRect r="100000" b="100000"/>
-            </a:path>
-            <a:tileRect l="-100000" t="-100000"/>
-          </a:gradFill>
-          <a:ln w="12700" cap="flat" cmpd="sng" algn="ctr">
-            <a:noFill/>
-            <a:prstDash val="solid"/>
-            <a:miter lim="800000"/>
-          </a:ln>
-          <a:effectLst/>
-        </p:spPr>
-        <p:style>
-          <a:lnRef idx="2">
-            <a:schemeClr val="accent1">
-              <a:shade val="50000"/>
-            </a:schemeClr>
-          </a:lnRef>
-          <a:fillRef idx="1">
-            <a:schemeClr val="accent1"/>
-          </a:fillRef>
-          <a:effectRef idx="0">
-            <a:schemeClr val="accent1"/>
-          </a:effectRef>
-          <a:fontRef idx="minor">
-            <a:schemeClr val="lt1"/>
-          </a:fontRef>
-        </p:style>
-        <p:txBody>
-          <a:bodyPr rtlCol="0" anchor="ctr"/>
-          <a:lstStyle/>
-          <a:p>
-            <a:pPr algn="r"/>
-            <a:endParaRPr lang="en-US"/>
-          </a:p>
-        </p:txBody>
-      </p:sp>
-    </p:spTree>
-  </p:cSld>
-  <p:clrMapOvr>
-    <a:masterClrMapping/>
-  </p:clrMapOvr>
-</p:sld>
-</file>
-
-<file path=ppt/slides/slide8.xml><?xml version="1.0" encoding="utf-8"?>
-<p:sld xmlns:a="http://schemas.openxmlformats.org/drawingml/2006/main" xmlns:r="http://schemas.openxmlformats.org/officeDocument/2006/relationships" xmlns:p="http://schemas.openxmlformats.org/presentationml/2006/main">
-  <p:cSld>
-    <p:spTree>
-      <p:nvGrpSpPr>
-        <p:cNvPr id="1" name="">
-          <a:extLst>
-            <a:ext uri="{FF2B5EF4-FFF2-40B4-BE49-F238E27FC236}">
-              <a16:creationId xmlns:a16="http://schemas.microsoft.com/office/drawing/2014/main" id="{06FF460B-4CF5-ED85-3A50-0D739E6FEB91}"/>
-            </a:ext>
-          </a:extLst>
-        </p:cNvPr>
-        <p:cNvGrpSpPr/>
-        <p:nvPr/>
-      </p:nvGrpSpPr>
-      <p:grpSpPr>
-        <a:xfrm>
-          <a:off x="0" y="0"/>
-          <a:ext cx="0" cy="0"/>
-          <a:chOff x="0" y="0"/>
-          <a:chExt cx="0" cy="0"/>
-        </a:xfrm>
-      </p:grpSpPr>
-      <p:sp>
-        <p:nvSpPr>
-          <p:cNvPr id="2" name="Title 1">
-            <a:extLst>
-              <a:ext uri="{FF2B5EF4-FFF2-40B4-BE49-F238E27FC236}">
-                <a16:creationId xmlns:a16="http://schemas.microsoft.com/office/drawing/2014/main" id="{512A4DB9-8FB3-CB94-7496-D9783108DA7F}"/>
-              </a:ext>
-            </a:extLst>
-          </p:cNvPr>
-          <p:cNvSpPr>
-            <a:spLocks noGrp="1"/>
-          </p:cNvSpPr>
-          <p:nvPr>
-            <p:ph type="title"/>
-          </p:nvPr>
-        </p:nvSpPr>
-        <p:spPr/>
-        <p:txBody>
-          <a:bodyPr/>
-          <a:lstStyle/>
-          <a:p>
-            <a:r>
-              <a:rPr lang="en-US" dirty="0"/>
-              <a:t>Using RAG with Sematic Search</a:t>
-            </a:r>
-          </a:p>
-        </p:txBody>
-      </p:sp>
-      <p:sp>
-        <p:nvSpPr>
-          <p:cNvPr id="6" name="TextBox 5">
-            <a:extLst>
-              <a:ext uri="{FF2B5EF4-FFF2-40B4-BE49-F238E27FC236}">
-                <a16:creationId xmlns:a16="http://schemas.microsoft.com/office/drawing/2014/main" id="{4AA7CBBC-E897-BCCD-872D-BC730B5D420A}"/>
-              </a:ext>
-            </a:extLst>
-          </p:cNvPr>
-          <p:cNvSpPr txBox="1"/>
-          <p:nvPr/>
-        </p:nvSpPr>
-        <p:spPr>
-          <a:xfrm>
-            <a:off x="457200" y="6351684"/>
-            <a:ext cx="2512855" cy="369332"/>
-          </a:xfrm>
-          <a:prstGeom prst="rect">
-            <a:avLst/>
-          </a:prstGeom>
-          <a:noFill/>
-        </p:spPr>
-        <p:txBody>
-          <a:bodyPr wrap="square" rtlCol="0">
-            <a:spAutoFit/>
-          </a:bodyPr>
-          <a:lstStyle/>
-          <a:p>
-            <a:r>
-              <a:rPr lang="en-US" dirty="0"/>
-              <a:t>Credit: </a:t>
-            </a:r>
-            <a:r>
-              <a:rPr lang="en-US" dirty="0">
-                <a:hlinkClick r:id="rId3"/>
-              </a:rPr>
-              <a:t>Pinecone.io</a:t>
-            </a:r>
-            <a:endParaRPr lang="en-US" dirty="0"/>
-          </a:p>
-        </p:txBody>
-      </p:sp>
-      <p:sp>
-        <p:nvSpPr>
-          <p:cNvPr id="4" name="Content Placeholder 3">
-            <a:extLst>
-              <a:ext uri="{FF2B5EF4-FFF2-40B4-BE49-F238E27FC236}">
-                <a16:creationId xmlns:a16="http://schemas.microsoft.com/office/drawing/2014/main" id="{B8DA4666-BFA2-0FE6-A45A-E17144EA3CA0}"/>
-              </a:ext>
-            </a:extLst>
-          </p:cNvPr>
-          <p:cNvSpPr>
-            <a:spLocks noGrp="1"/>
-          </p:cNvSpPr>
-          <p:nvPr>
-            <p:ph idx="1"/>
-          </p:nvPr>
-        </p:nvSpPr>
-        <p:spPr/>
-        <p:txBody>
-          <a:bodyPr/>
-          <a:lstStyle/>
-          <a:p>
-            <a:endParaRPr lang="en-US"/>
-          </a:p>
-        </p:txBody>
-      </p:sp>
-      <p:pic>
-        <p:nvPicPr>
-          <p:cNvPr id="7" name="Picture 6">
-            <a:extLst>
-              <a:ext uri="{FF2B5EF4-FFF2-40B4-BE49-F238E27FC236}">
-                <a16:creationId xmlns:a16="http://schemas.microsoft.com/office/drawing/2014/main" id="{F9006806-5073-350E-DB2C-45C155AB6D9B}"/>
-              </a:ext>
-            </a:extLst>
-          </p:cNvPr>
-          <p:cNvPicPr>
-            <a:picLocks noChangeAspect="1"/>
-          </p:cNvPicPr>
-          <p:nvPr/>
-        </p:nvPicPr>
-        <p:blipFill>
-          <a:blip r:embed="rId4"/>
-          <a:stretch>
-            <a:fillRect/>
-          </a:stretch>
-        </p:blipFill>
-        <p:spPr>
-          <a:xfrm>
-            <a:off x="457200" y="1290799"/>
-            <a:ext cx="8229600" cy="4810949"/>
-          </a:xfrm>
-          <a:prstGeom prst="rect">
-            <a:avLst/>
-          </a:prstGeom>
-        </p:spPr>
-      </p:pic>
-    </p:spTree>
-    <p:extLst>
-      <p:ext uri="{BB962C8B-B14F-4D97-AF65-F5344CB8AC3E}">
-        <p14:creationId xmlns:p14="http://schemas.microsoft.com/office/powerpoint/2010/main" val="37961247"/>
-      </p:ext>
-    </p:extLst>
-  </p:cSld>
-  <p:clrMapOvr>
-    <a:masterClrMapping/>
-  </p:clrMapOvr>
-</p:sld>
-</file>
-
-<file path=ppt/slides/slide9.xml><?xml version="1.0" encoding="utf-8"?>
-<p:sld xmlns:a="http://schemas.openxmlformats.org/drawingml/2006/main" xmlns:r="http://schemas.openxmlformats.org/officeDocument/2006/relationships" xmlns:p="http://schemas.openxmlformats.org/presentationml/2006/main">
-  <p:cSld>
-    <p:spTree>
-      <p:nvGrpSpPr>
-        <p:cNvPr id="1" name="">
-          <a:extLst>
-            <a:ext uri="{FF2B5EF4-FFF2-40B4-BE49-F238E27FC236}">
-              <a16:creationId xmlns:a16="http://schemas.microsoft.com/office/drawing/2014/main" id="{30C8533E-A9AD-F8B0-3558-6B939F985DCC}"/>
-            </a:ext>
-          </a:extLst>
-        </p:cNvPr>
-        <p:cNvGrpSpPr/>
-        <p:nvPr/>
-      </p:nvGrpSpPr>
-      <p:grpSpPr>
-        <a:xfrm>
-          <a:off x="0" y="0"/>
-          <a:ext cx="0" cy="0"/>
-          <a:chOff x="0" y="0"/>
-          <a:chExt cx="0" cy="0"/>
-        </a:xfrm>
-      </p:grpSpPr>
-      <p:sp>
-        <p:nvSpPr>
-          <p:cNvPr id="2" name="Title 1">
-            <a:extLst>
-              <a:ext uri="{FF2B5EF4-FFF2-40B4-BE49-F238E27FC236}">
-                <a16:creationId xmlns:a16="http://schemas.microsoft.com/office/drawing/2014/main" id="{A365CDB2-6ECA-B46F-0F31-6DBE5DE5828D}"/>
-              </a:ext>
-            </a:extLst>
-          </p:cNvPr>
-          <p:cNvSpPr>
-            <a:spLocks noGrp="1"/>
-          </p:cNvSpPr>
-          <p:nvPr>
-            <p:ph type="title"/>
-          </p:nvPr>
-        </p:nvSpPr>
-        <p:spPr/>
-        <p:txBody>
-          <a:bodyPr/>
-          <a:lstStyle/>
-          <a:p>
-            <a:r>
-              <a:rPr lang="en-US" dirty="0"/>
-              <a:t>Returning a Better Answer</a:t>
-            </a:r>
-          </a:p>
-        </p:txBody>
-      </p:sp>
-      <p:sp>
-        <p:nvSpPr>
-          <p:cNvPr id="6" name="TextBox 5">
-            <a:extLst>
-              <a:ext uri="{FF2B5EF4-FFF2-40B4-BE49-F238E27FC236}">
-                <a16:creationId xmlns:a16="http://schemas.microsoft.com/office/drawing/2014/main" id="{1128480E-FDF9-633D-5CA6-BA2AAEC4FB69}"/>
-              </a:ext>
-            </a:extLst>
-          </p:cNvPr>
-          <p:cNvSpPr txBox="1"/>
-          <p:nvPr/>
-        </p:nvSpPr>
-        <p:spPr>
-          <a:xfrm>
-            <a:off x="457200" y="6351684"/>
-            <a:ext cx="2512855" cy="369332"/>
-          </a:xfrm>
-          <a:prstGeom prst="rect">
-            <a:avLst/>
-          </a:prstGeom>
-          <a:noFill/>
-        </p:spPr>
-        <p:txBody>
-          <a:bodyPr wrap="square" rtlCol="0">
-            <a:spAutoFit/>
-          </a:bodyPr>
-          <a:lstStyle/>
-          <a:p>
-            <a:r>
-              <a:rPr lang="en-US" dirty="0"/>
-              <a:t>Credit: </a:t>
-            </a:r>
-            <a:r>
-              <a:rPr lang="en-US" dirty="0">
-                <a:hlinkClick r:id="rId3"/>
-              </a:rPr>
-              <a:t>Pinecone.io</a:t>
-            </a:r>
-            <a:endParaRPr lang="en-US" dirty="0"/>
-          </a:p>
-        </p:txBody>
-      </p:sp>
-      <p:pic>
-        <p:nvPicPr>
-          <p:cNvPr id="5" name="Content Placeholder 4">
-            <a:extLst>
-              <a:ext uri="{FF2B5EF4-FFF2-40B4-BE49-F238E27FC236}">
-                <a16:creationId xmlns:a16="http://schemas.microsoft.com/office/drawing/2014/main" id="{49DB91BF-A304-B498-DC19-82AA52540950}"/>
-              </a:ext>
-            </a:extLst>
-          </p:cNvPr>
-          <p:cNvPicPr>
-            <a:picLocks noGrp="1" noChangeAspect="1"/>
-          </p:cNvPicPr>
-          <p:nvPr>
-            <p:ph idx="1"/>
-          </p:nvPr>
-        </p:nvPicPr>
-        <p:blipFill>
-          <a:blip r:embed="rId4"/>
-          <a:stretch>
-            <a:fillRect/>
-          </a:stretch>
-        </p:blipFill>
-        <p:spPr>
-          <a:xfrm>
-            <a:off x="1492862" y="1600200"/>
-            <a:ext cx="6158276" cy="4525963"/>
-          </a:xfrm>
-        </p:spPr>
-      </p:pic>
-    </p:spTree>
-    <p:extLst>
-      <p:ext uri="{BB962C8B-B14F-4D97-AF65-F5344CB8AC3E}">
-        <p14:creationId xmlns:p14="http://schemas.microsoft.com/office/powerpoint/2010/main" val="677064844"/>
-      </p:ext>
-    </p:extLst>
   </p:cSld>
   <p:clrMapOvr>
     <a:masterClrMapping/>

--- a/AIE_Presentations/Retrieval_Augmented_Generation_Presentation.pptx
+++ b/AIE_Presentations/Retrieval_Augmented_Generation_Presentation.pptx
@@ -5,20 +5,18 @@
     <p:sldMasterId id="2147483648" r:id="rId1"/>
   </p:sldMasterIdLst>
   <p:notesMasterIdLst>
-    <p:notesMasterId r:id="rId13"/>
+    <p:notesMasterId r:id="rId11"/>
   </p:notesMasterIdLst>
   <p:sldIdLst>
     <p:sldId id="256" r:id="rId2"/>
     <p:sldId id="257" r:id="rId3"/>
     <p:sldId id="258" r:id="rId4"/>
     <p:sldId id="266" r:id="rId5"/>
-    <p:sldId id="259" r:id="rId6"/>
-    <p:sldId id="268" r:id="rId7"/>
-    <p:sldId id="269" r:id="rId8"/>
-    <p:sldId id="262" r:id="rId9"/>
-    <p:sldId id="263" r:id="rId10"/>
-    <p:sldId id="264" r:id="rId11"/>
-    <p:sldId id="265" r:id="rId12"/>
+    <p:sldId id="268" r:id="rId6"/>
+    <p:sldId id="259" r:id="rId7"/>
+    <p:sldId id="262" r:id="rId8"/>
+    <p:sldId id="263" r:id="rId9"/>
+    <p:sldId id="264" r:id="rId10"/>
   </p:sldIdLst>
   <p:sldSz cx="9144000" cy="6858000" type="screen4x3"/>
   <p:notesSz cx="6858000" cy="9144000"/>
@@ -240,11 +238,18 @@
   </pc:docChgLst>
   <pc:docChgLst>
     <pc:chgData name="Myers, Chelsea" userId="f282533b-c263-466c-86f9-3d67bd04ab31" providerId="ADAL" clId="{1E82D8ED-C9B3-4C8B-A95F-9CD17506E75D}"/>
-    <pc:docChg chg="delSld">
-      <pc:chgData name="Myers, Chelsea" userId="f282533b-c263-466c-86f9-3d67bd04ab31" providerId="ADAL" clId="{1E82D8ED-C9B3-4C8B-A95F-9CD17506E75D}" dt="2025-08-29T20:33:13.487" v="1" actId="2696"/>
+    <pc:docChg chg="custSel delSld modSld sldOrd">
+      <pc:chgData name="Myers, Chelsea" userId="f282533b-c263-466c-86f9-3d67bd04ab31" providerId="ADAL" clId="{1E82D8ED-C9B3-4C8B-A95F-9CD17506E75D}" dt="2025-08-29T21:11:24.164" v="35" actId="47"/>
       <pc:docMkLst>
         <pc:docMk/>
       </pc:docMkLst>
+      <pc:sldChg chg="ord">
+        <pc:chgData name="Myers, Chelsea" userId="f282533b-c263-466c-86f9-3d67bd04ab31" providerId="ADAL" clId="{1E82D8ED-C9B3-4C8B-A95F-9CD17506E75D}" dt="2025-08-29T21:07:38.816" v="21"/>
+        <pc:sldMkLst>
+          <pc:docMk/>
+          <pc:sldMk cId="0" sldId="259"/>
+        </pc:sldMkLst>
+      </pc:sldChg>
       <pc:sldChg chg="del">
         <pc:chgData name="Myers, Chelsea" userId="f282533b-c263-466c-86f9-3d67bd04ab31" providerId="ADAL" clId="{1E82D8ED-C9B3-4C8B-A95F-9CD17506E75D}" dt="2025-08-29T20:33:13.487" v="1" actId="2696"/>
         <pc:sldMkLst>
@@ -253,10 +258,71 @@
         </pc:sldMkLst>
       </pc:sldChg>
       <pc:sldChg chg="del">
+        <pc:chgData name="Myers, Chelsea" userId="f282533b-c263-466c-86f9-3d67bd04ab31" providerId="ADAL" clId="{1E82D8ED-C9B3-4C8B-A95F-9CD17506E75D}" dt="2025-08-29T21:11:24.164" v="35" actId="47"/>
+        <pc:sldMkLst>
+          <pc:docMk/>
+          <pc:sldMk cId="3700440609" sldId="265"/>
+        </pc:sldMkLst>
+      </pc:sldChg>
+      <pc:sldChg chg="del">
         <pc:chgData name="Myers, Chelsea" userId="f282533b-c263-466c-86f9-3d67bd04ab31" providerId="ADAL" clId="{1E82D8ED-C9B3-4C8B-A95F-9CD17506E75D}" dt="2025-08-29T20:33:05.865" v="0" actId="2696"/>
         <pc:sldMkLst>
           <pc:docMk/>
           <pc:sldMk cId="2410568824" sldId="267"/>
+        </pc:sldMkLst>
+      </pc:sldChg>
+      <pc:sldChg chg="addSp delSp modSp mod">
+        <pc:chgData name="Myers, Chelsea" userId="f282533b-c263-466c-86f9-3d67bd04ab31" providerId="ADAL" clId="{1E82D8ED-C9B3-4C8B-A95F-9CD17506E75D}" dt="2025-08-29T21:08:59" v="33" actId="1076"/>
+        <pc:sldMkLst>
+          <pc:docMk/>
+          <pc:sldMk cId="37961247" sldId="268"/>
+        </pc:sldMkLst>
+        <pc:spChg chg="mod ord">
+          <ac:chgData name="Myers, Chelsea" userId="f282533b-c263-466c-86f9-3d67bd04ab31" providerId="ADAL" clId="{1E82D8ED-C9B3-4C8B-A95F-9CD17506E75D}" dt="2025-08-29T21:08:51.412" v="32" actId="166"/>
+          <ac:spMkLst>
+            <pc:docMk/>
+            <pc:sldMk cId="37961247" sldId="268"/>
+            <ac:spMk id="2" creationId="{512A4DB9-8FB3-CB94-7496-D9783108DA7F}"/>
+          </ac:spMkLst>
+        </pc:spChg>
+        <pc:spChg chg="del">
+          <ac:chgData name="Myers, Chelsea" userId="f282533b-c263-466c-86f9-3d67bd04ab31" providerId="ADAL" clId="{1E82D8ED-C9B3-4C8B-A95F-9CD17506E75D}" dt="2025-08-29T21:07:14.044" v="3" actId="22"/>
+          <ac:spMkLst>
+            <pc:docMk/>
+            <pc:sldMk cId="37961247" sldId="268"/>
+            <ac:spMk id="4" creationId="{B8DA4666-BFA2-0FE6-A45A-E17144EA3CA0}"/>
+          </ac:spMkLst>
+        </pc:spChg>
+        <pc:spChg chg="mod">
+          <ac:chgData name="Myers, Chelsea" userId="f282533b-c263-466c-86f9-3d67bd04ab31" providerId="ADAL" clId="{1E82D8ED-C9B3-4C8B-A95F-9CD17506E75D}" dt="2025-08-29T21:07:55.744" v="25" actId="1076"/>
+          <ac:spMkLst>
+            <pc:docMk/>
+            <pc:sldMk cId="37961247" sldId="268"/>
+            <ac:spMk id="6" creationId="{4AA7CBBC-E897-BCCD-872D-BC730B5D420A}"/>
+          </ac:spMkLst>
+        </pc:spChg>
+        <pc:picChg chg="add mod ord">
+          <ac:chgData name="Myers, Chelsea" userId="f282533b-c263-466c-86f9-3d67bd04ab31" providerId="ADAL" clId="{1E82D8ED-C9B3-4C8B-A95F-9CD17506E75D}" dt="2025-08-29T21:08:59" v="33" actId="1076"/>
+          <ac:picMkLst>
+            <pc:docMk/>
+            <pc:sldMk cId="37961247" sldId="268"/>
+            <ac:picMk id="5" creationId="{FCD3410D-AB00-1914-89D5-BA620CDB575B}"/>
+          </ac:picMkLst>
+        </pc:picChg>
+        <pc:picChg chg="del">
+          <ac:chgData name="Myers, Chelsea" userId="f282533b-c263-466c-86f9-3d67bd04ab31" providerId="ADAL" clId="{1E82D8ED-C9B3-4C8B-A95F-9CD17506E75D}" dt="2025-08-29T21:07:12.164" v="2" actId="478"/>
+          <ac:picMkLst>
+            <pc:docMk/>
+            <pc:sldMk cId="37961247" sldId="268"/>
+            <ac:picMk id="7" creationId="{F9006806-5073-350E-DB2C-45C155AB6D9B}"/>
+          </ac:picMkLst>
+        </pc:picChg>
+      </pc:sldChg>
+      <pc:sldChg chg="del">
+        <pc:chgData name="Myers, Chelsea" userId="f282533b-c263-466c-86f9-3d67bd04ab31" providerId="ADAL" clId="{1E82D8ED-C9B3-4C8B-A95F-9CD17506E75D}" dt="2025-08-29T21:11:20.348" v="34" actId="47"/>
+        <pc:sldMkLst>
+          <pc:docMk/>
+          <pc:sldMk cId="677064844" sldId="269"/>
         </pc:sldMkLst>
       </pc:sldChg>
     </pc:docChg>
@@ -987,93 +1053,6 @@
   <p:cSld>
     <p:spTree>
       <p:nvGrpSpPr>
-        <p:cNvPr id="1" name=""/>
-        <p:cNvGrpSpPr/>
-        <p:nvPr/>
-      </p:nvGrpSpPr>
-      <p:grpSpPr>
-        <a:xfrm>
-          <a:off x="0" y="0"/>
-          <a:ext cx="0" cy="0"/>
-          <a:chOff x="0" y="0"/>
-          <a:chExt cx="0" cy="0"/>
-        </a:xfrm>
-      </p:grpSpPr>
-      <p:sp>
-        <p:nvSpPr>
-          <p:cNvPr id="2" name="Slide Image Placeholder 1"/>
-          <p:cNvSpPr>
-            <a:spLocks noGrp="1" noRot="1" noChangeAspect="1"/>
-          </p:cNvSpPr>
-          <p:nvPr>
-            <p:ph type="sldImg"/>
-          </p:nvPr>
-        </p:nvSpPr>
-        <p:spPr/>
-      </p:sp>
-      <p:sp>
-        <p:nvSpPr>
-          <p:cNvPr id="3" name="Notes Placeholder 2"/>
-          <p:cNvSpPr>
-            <a:spLocks noGrp="1"/>
-          </p:cNvSpPr>
-          <p:nvPr>
-            <p:ph type="body" idx="1"/>
-          </p:nvPr>
-        </p:nvSpPr>
-        <p:spPr/>
-        <p:txBody>
-          <a:bodyPr/>
-          <a:lstStyle/>
-          <a:p>
-            <a:r>
-              <a:rPr lang="en-US" dirty="0"/>
-              <a:t>Dense embeddings are vector representations of text that capture semantic meaning. Unlike traditional keyword-based methods, dense embeddings allow for more nuanced matching by placing semantically similar items closer in vector space. In the RAG workflow, the retrieval model uses these embeddings to fetch the most relevant documents. These retrieved documents are then augmented with the user query to provide additional context for the generative model. This interaction ensures the final output is both contextually rich and directly relevant to the query.</a:t>
-            </a:r>
-          </a:p>
-        </p:txBody>
-      </p:sp>
-      <p:sp>
-        <p:nvSpPr>
-          <p:cNvPr id="4" name="Slide Number Placeholder 3"/>
-          <p:cNvSpPr>
-            <a:spLocks noGrp="1"/>
-          </p:cNvSpPr>
-          <p:nvPr>
-            <p:ph type="sldNum" sz="quarter" idx="5"/>
-          </p:nvPr>
-        </p:nvSpPr>
-        <p:spPr/>
-        <p:txBody>
-          <a:bodyPr/>
-          <a:lstStyle/>
-          <a:p>
-            <a:fld id="{B6A8E4B0-7F7F-47AF-AEFF-ABF7BD7DBEE6}" type="slidenum">
-              <a:rPr lang="en-US" smtClean="0"/>
-              <a:t>5</a:t>
-            </a:fld>
-            <a:endParaRPr lang="en-US"/>
-          </a:p>
-        </p:txBody>
-      </p:sp>
-    </p:spTree>
-    <p:extLst>
-      <p:ext uri="{BB962C8B-B14F-4D97-AF65-F5344CB8AC3E}">
-        <p14:creationId xmlns:p14="http://schemas.microsoft.com/office/powerpoint/2010/main" val="771911218"/>
-      </p:ext>
-    </p:extLst>
-  </p:cSld>
-  <p:clrMapOvr>
-    <a:masterClrMapping/>
-  </p:clrMapOvr>
-</p:notes>
-</file>
-
-<file path=ppt/notesSlides/notesSlide4.xml><?xml version="1.0" encoding="utf-8"?>
-<p:notes xmlns:a="http://schemas.openxmlformats.org/drawingml/2006/main" xmlns:r="http://schemas.openxmlformats.org/officeDocument/2006/relationships" xmlns:p="http://schemas.openxmlformats.org/presentationml/2006/main">
-  <p:cSld>
-    <p:spTree>
-      <p:nvGrpSpPr>
         <p:cNvPr id="1" name="">
           <a:extLst>
             <a:ext uri="{FF2B5EF4-FFF2-40B4-BE49-F238E27FC236}">
@@ -1194,7 +1173,7 @@
           <a:p>
             <a:fld id="{B6A8E4B0-7F7F-47AF-AEFF-ABF7BD7DBEE6}" type="slidenum">
               <a:rPr lang="en-US" smtClean="0"/>
-              <a:t>6</a:t>
+              <a:t>5</a:t>
             </a:fld>
             <a:endParaRPr lang="en-US"/>
           </a:p>
@@ -1204,6 +1183,93 @@
     <p:extLst>
       <p:ext uri="{BB962C8B-B14F-4D97-AF65-F5344CB8AC3E}">
         <p14:creationId xmlns:p14="http://schemas.microsoft.com/office/powerpoint/2010/main" val="1378354871"/>
+      </p:ext>
+    </p:extLst>
+  </p:cSld>
+  <p:clrMapOvr>
+    <a:masterClrMapping/>
+  </p:clrMapOvr>
+</p:notes>
+</file>
+
+<file path=ppt/notesSlides/notesSlide4.xml><?xml version="1.0" encoding="utf-8"?>
+<p:notes xmlns:a="http://schemas.openxmlformats.org/drawingml/2006/main" xmlns:r="http://schemas.openxmlformats.org/officeDocument/2006/relationships" xmlns:p="http://schemas.openxmlformats.org/presentationml/2006/main">
+  <p:cSld>
+    <p:spTree>
+      <p:nvGrpSpPr>
+        <p:cNvPr id="1" name=""/>
+        <p:cNvGrpSpPr/>
+        <p:nvPr/>
+      </p:nvGrpSpPr>
+      <p:grpSpPr>
+        <a:xfrm>
+          <a:off x="0" y="0"/>
+          <a:ext cx="0" cy="0"/>
+          <a:chOff x="0" y="0"/>
+          <a:chExt cx="0" cy="0"/>
+        </a:xfrm>
+      </p:grpSpPr>
+      <p:sp>
+        <p:nvSpPr>
+          <p:cNvPr id="2" name="Slide Image Placeholder 1"/>
+          <p:cNvSpPr>
+            <a:spLocks noGrp="1" noRot="1" noChangeAspect="1"/>
+          </p:cNvSpPr>
+          <p:nvPr>
+            <p:ph type="sldImg"/>
+          </p:nvPr>
+        </p:nvSpPr>
+        <p:spPr/>
+      </p:sp>
+      <p:sp>
+        <p:nvSpPr>
+          <p:cNvPr id="3" name="Notes Placeholder 2"/>
+          <p:cNvSpPr>
+            <a:spLocks noGrp="1"/>
+          </p:cNvSpPr>
+          <p:nvPr>
+            <p:ph type="body" idx="1"/>
+          </p:nvPr>
+        </p:nvSpPr>
+        <p:spPr/>
+        <p:txBody>
+          <a:bodyPr/>
+          <a:lstStyle/>
+          <a:p>
+            <a:r>
+              <a:rPr lang="en-US" dirty="0"/>
+              <a:t>Dense embeddings are vector representations of text that capture semantic meaning. Unlike traditional keyword-based methods, dense embeddings allow for more nuanced matching by placing semantically similar items closer in vector space. In the RAG workflow, the retrieval model uses these embeddings to fetch the most relevant documents. These retrieved documents are then augmented with the user query to provide additional context for the generative model. This interaction ensures the final output is both contextually rich and directly relevant to the query.</a:t>
+            </a:r>
+          </a:p>
+        </p:txBody>
+      </p:sp>
+      <p:sp>
+        <p:nvSpPr>
+          <p:cNvPr id="4" name="Slide Number Placeholder 3"/>
+          <p:cNvSpPr>
+            <a:spLocks noGrp="1"/>
+          </p:cNvSpPr>
+          <p:nvPr>
+            <p:ph type="sldNum" sz="quarter" idx="5"/>
+          </p:nvPr>
+        </p:nvSpPr>
+        <p:spPr/>
+        <p:txBody>
+          <a:bodyPr/>
+          <a:lstStyle/>
+          <a:p>
+            <a:fld id="{B6A8E4B0-7F7F-47AF-AEFF-ABF7BD7DBEE6}" type="slidenum">
+              <a:rPr lang="en-US" smtClean="0"/>
+              <a:t>6</a:t>
+            </a:fld>
+            <a:endParaRPr lang="en-US"/>
+          </a:p>
+        </p:txBody>
+      </p:sp>
+    </p:spTree>
+    <p:extLst>
+      <p:ext uri="{BB962C8B-B14F-4D97-AF65-F5344CB8AC3E}">
+        <p14:creationId xmlns:p14="http://schemas.microsoft.com/office/powerpoint/2010/main" val="771911218"/>
       </p:ext>
     </p:extLst>
   </p:cSld>
@@ -1218,13 +1284,7 @@
   <p:cSld>
     <p:spTree>
       <p:nvGrpSpPr>
-        <p:cNvPr id="1" name="">
-          <a:extLst>
-            <a:ext uri="{FF2B5EF4-FFF2-40B4-BE49-F238E27FC236}">
-              <a16:creationId xmlns:a16="http://schemas.microsoft.com/office/drawing/2014/main" id="{48B9E7BF-92C1-808B-5F6C-A1B211FC334C}"/>
-            </a:ext>
-          </a:extLst>
-        </p:cNvPr>
+        <p:cNvPr id="1" name=""/>
         <p:cNvGrpSpPr/>
         <p:nvPr/>
       </p:nvGrpSpPr>
@@ -1238,13 +1298,7 @@
       </p:grpSpPr>
       <p:sp>
         <p:nvSpPr>
-          <p:cNvPr id="2" name="Slide Image Placeholder 1">
-            <a:extLst>
-              <a:ext uri="{FF2B5EF4-FFF2-40B4-BE49-F238E27FC236}">
-                <a16:creationId xmlns:a16="http://schemas.microsoft.com/office/drawing/2014/main" id="{AB7349CE-24AD-9DAD-337B-7642F301A6DF}"/>
-              </a:ext>
-            </a:extLst>
-          </p:cNvPr>
+          <p:cNvPr id="2" name="Slide Image Placeholder 1"/>
           <p:cNvSpPr>
             <a:spLocks noGrp="1" noRot="1" noChangeAspect="1"/>
           </p:cNvSpPr>
@@ -1256,13 +1310,7 @@
       </p:sp>
       <p:sp>
         <p:nvSpPr>
-          <p:cNvPr id="3" name="Notes Placeholder 2">
-            <a:extLst>
-              <a:ext uri="{FF2B5EF4-FFF2-40B4-BE49-F238E27FC236}">
-                <a16:creationId xmlns:a16="http://schemas.microsoft.com/office/drawing/2014/main" id="{5C4AEF63-E92A-0635-B54E-4BBE820F7E3D}"/>
-              </a:ext>
-            </a:extLst>
-          </p:cNvPr>
+          <p:cNvPr id="3" name="Notes Placeholder 2"/>
           <p:cNvSpPr>
             <a:spLocks noGrp="1"/>
           </p:cNvSpPr>
@@ -1275,99 +1323,16 @@
           <a:bodyPr/>
           <a:lstStyle/>
           <a:p>
-            <a:pPr algn="l"/>
-            <a:endParaRPr lang="en-US" b="0" i="0" dirty="0">
-              <a:solidFill>
-                <a:srgbClr val="000000"/>
-              </a:solidFill>
-              <a:effectLst/>
-              <a:latin typeface="__Inter_d65c78"/>
-            </a:endParaRPr>
-          </a:p>
-          <a:p>
-            <a:pPr algn="l"/>
-            <a:r>
-              <a:rPr lang="en-US" b="0" i="0" dirty="0">
-                <a:solidFill>
-                  <a:srgbClr val="000000"/>
-                </a:solidFill>
-                <a:effectLst/>
-                <a:latin typeface="__Inter_d65c78"/>
-              </a:rPr>
-              <a:t>Since the LLM now has access to the most pertinent and grounding facts from your vector database, your rag application can provide an accurate answer for your user. RAG reduces the likelihood of hallucination.</a:t>
-            </a:r>
-          </a:p>
-          <a:p>
-            <a:pPr algn="l"/>
-            <a:r>
-              <a:rPr lang="en-US" b="0" i="0" dirty="0">
-                <a:solidFill>
-                  <a:srgbClr val="000000"/>
-                </a:solidFill>
-                <a:effectLst/>
-                <a:latin typeface="__Inter_d65c78"/>
-              </a:rPr>
-              <a:t>Vector databases can support even more advanced search functionality</a:t>
-            </a:r>
-          </a:p>
-          <a:p>
-            <a:pPr algn="l"/>
-            <a:endParaRPr lang="en-US" b="0" i="0" dirty="0">
-              <a:solidFill>
-                <a:srgbClr val="000000"/>
-              </a:solidFill>
-              <a:effectLst/>
-              <a:latin typeface="__Inter_d65c78"/>
-            </a:endParaRPr>
-          </a:p>
-          <a:p>
-            <a:pPr algn="l"/>
-            <a:r>
-              <a:rPr lang="en-US" b="0" i="0" dirty="0">
-                <a:solidFill>
-                  <a:srgbClr val="000000"/>
-                </a:solidFill>
-                <a:effectLst/>
-                <a:latin typeface="__Inter_d65c78"/>
-              </a:rPr>
-              <a:t>Semantic search is powerful, but it’s possible to go even further. For example, Pinecone’s vector database </a:t>
-            </a:r>
-            <a:r>
-              <a:rPr lang="en-US" b="0" i="0" dirty="0">
-                <a:solidFill>
-                  <a:srgbClr val="000000"/>
-                </a:solidFill>
-                <a:effectLst/>
-                <a:latin typeface="__Inter_d65c78"/>
-                <a:hlinkClick r:id="rId3"/>
-              </a:rPr>
-              <a:t>supports hybrid search functionality</a:t>
-            </a:r>
-            <a:r>
-              <a:rPr lang="en-US" b="0" i="0" dirty="0">
-                <a:solidFill>
-                  <a:srgbClr val="000000"/>
-                </a:solidFill>
-                <a:effectLst/>
-                <a:latin typeface="__Inter_d65c78"/>
-              </a:rPr>
-              <a:t>, a retrieval system that considers the query's semantics and keywords.</a:t>
-            </a:r>
-          </a:p>
-          <a:p>
-            <a:endParaRPr lang="en-US" dirty="0"/>
-          </a:p>
-        </p:txBody>
-      </p:sp>
-      <p:sp>
-        <p:nvSpPr>
-          <p:cNvPr id="4" name="Slide Number Placeholder 3">
-            <a:extLst>
-              <a:ext uri="{FF2B5EF4-FFF2-40B4-BE49-F238E27FC236}">
-                <a16:creationId xmlns:a16="http://schemas.microsoft.com/office/drawing/2014/main" id="{CB5563F3-25B9-DA5E-9C67-AA3A293549AF}"/>
-              </a:ext>
-            </a:extLst>
-          </p:cNvPr>
+            <a:r>
+              <a:rPr lang="en-US" dirty="0"/>
+              <a:t>Provide real-world examples of how RAG is enhancing various industries, improving efficiency, and driving innovation.</a:t>
+            </a:r>
+          </a:p>
+        </p:txBody>
+      </p:sp>
+      <p:sp>
+        <p:nvSpPr>
+          <p:cNvPr id="4" name="Slide Number Placeholder 3"/>
           <p:cNvSpPr>
             <a:spLocks noGrp="1"/>
           </p:cNvSpPr>
@@ -1391,7 +1356,7 @@
     </p:spTree>
     <p:extLst>
       <p:ext uri="{BB962C8B-B14F-4D97-AF65-F5344CB8AC3E}">
-        <p14:creationId xmlns:p14="http://schemas.microsoft.com/office/powerpoint/2010/main" val="3296497965"/>
+        <p14:creationId xmlns:p14="http://schemas.microsoft.com/office/powerpoint/2010/main" val="593285306"/>
       </p:ext>
     </p:extLst>
   </p:cSld>
@@ -1447,7 +1412,7 @@
           <a:p>
             <a:r>
               <a:rPr lang="en-US" dirty="0"/>
-              <a:t>Provide real-world examples of how RAG is enhancing various industries, improving efficiency, and driving innovation.</a:t>
+              <a:t>RAG significantly improves accuracy and user satisfaction. One of its key strengths is mitigating hallucinations—a common issue in generative models without retrieval. By grounding outputs in retrieved documents, RAG ensures responses are more factual and contextually appropriate, reducing the likelihood of the model generating misleading or nonsensical information.</a:t>
             </a:r>
           </a:p>
         </p:txBody>
@@ -1470,93 +1435,6 @@
             <a:fld id="{B6A8E4B0-7F7F-47AF-AEFF-ABF7BD7DBEE6}" type="slidenum">
               <a:rPr lang="en-US" smtClean="0"/>
               <a:t>8</a:t>
-            </a:fld>
-            <a:endParaRPr lang="en-US"/>
-          </a:p>
-        </p:txBody>
-      </p:sp>
-    </p:spTree>
-    <p:extLst>
-      <p:ext uri="{BB962C8B-B14F-4D97-AF65-F5344CB8AC3E}">
-        <p14:creationId xmlns:p14="http://schemas.microsoft.com/office/powerpoint/2010/main" val="593285306"/>
-      </p:ext>
-    </p:extLst>
-  </p:cSld>
-  <p:clrMapOvr>
-    <a:masterClrMapping/>
-  </p:clrMapOvr>
-</p:notes>
-</file>
-
-<file path=ppt/notesSlides/notesSlide7.xml><?xml version="1.0" encoding="utf-8"?>
-<p:notes xmlns:a="http://schemas.openxmlformats.org/drawingml/2006/main" xmlns:r="http://schemas.openxmlformats.org/officeDocument/2006/relationships" xmlns:p="http://schemas.openxmlformats.org/presentationml/2006/main">
-  <p:cSld>
-    <p:spTree>
-      <p:nvGrpSpPr>
-        <p:cNvPr id="1" name=""/>
-        <p:cNvGrpSpPr/>
-        <p:nvPr/>
-      </p:nvGrpSpPr>
-      <p:grpSpPr>
-        <a:xfrm>
-          <a:off x="0" y="0"/>
-          <a:ext cx="0" cy="0"/>
-          <a:chOff x="0" y="0"/>
-          <a:chExt cx="0" cy="0"/>
-        </a:xfrm>
-      </p:grpSpPr>
-      <p:sp>
-        <p:nvSpPr>
-          <p:cNvPr id="2" name="Slide Image Placeholder 1"/>
-          <p:cNvSpPr>
-            <a:spLocks noGrp="1" noRot="1" noChangeAspect="1"/>
-          </p:cNvSpPr>
-          <p:nvPr>
-            <p:ph type="sldImg"/>
-          </p:nvPr>
-        </p:nvSpPr>
-        <p:spPr/>
-      </p:sp>
-      <p:sp>
-        <p:nvSpPr>
-          <p:cNvPr id="3" name="Notes Placeholder 2"/>
-          <p:cNvSpPr>
-            <a:spLocks noGrp="1"/>
-          </p:cNvSpPr>
-          <p:nvPr>
-            <p:ph type="body" idx="1"/>
-          </p:nvPr>
-        </p:nvSpPr>
-        <p:spPr/>
-        <p:txBody>
-          <a:bodyPr/>
-          <a:lstStyle/>
-          <a:p>
-            <a:r>
-              <a:rPr lang="en-US" dirty="0"/>
-              <a:t>RAG significantly improves accuracy and user satisfaction. One of its key strengths is mitigating hallucinations—a common issue in generative models without retrieval. By grounding outputs in retrieved documents, RAG ensures responses are more factual and contextually appropriate, reducing the likelihood of the model generating misleading or nonsensical information.</a:t>
-            </a:r>
-          </a:p>
-        </p:txBody>
-      </p:sp>
-      <p:sp>
-        <p:nvSpPr>
-          <p:cNvPr id="4" name="Slide Number Placeholder 3"/>
-          <p:cNvSpPr>
-            <a:spLocks noGrp="1"/>
-          </p:cNvSpPr>
-          <p:nvPr>
-            <p:ph type="sldNum" sz="quarter" idx="5"/>
-          </p:nvPr>
-        </p:nvSpPr>
-        <p:spPr/>
-        <p:txBody>
-          <a:bodyPr/>
-          <a:lstStyle/>
-          <a:p>
-            <a:fld id="{B6A8E4B0-7F7F-47AF-AEFF-ABF7BD7DBEE6}" type="slidenum">
-              <a:rPr lang="en-US" smtClean="0"/>
-              <a:t>9</a:t>
             </a:fld>
             <a:endParaRPr lang="en-US"/>
           </a:p>
@@ -1575,7 +1453,7 @@
 </p:notes>
 </file>
 
-<file path=ppt/notesSlides/notesSlide8.xml><?xml version="1.0" encoding="utf-8"?>
+<file path=ppt/notesSlides/notesSlide7.xml><?xml version="1.0" encoding="utf-8"?>
 <p:notes xmlns:a="http://schemas.openxmlformats.org/drawingml/2006/main" xmlns:r="http://schemas.openxmlformats.org/officeDocument/2006/relationships" xmlns:p="http://schemas.openxmlformats.org/presentationml/2006/main">
   <p:cSld>
     <p:spTree>
@@ -1667,7 +1545,7 @@
           <a:p>
             <a:fld id="{B6A8E4B0-7F7F-47AF-AEFF-ABF7BD7DBEE6}" type="slidenum">
               <a:rPr lang="en-US" smtClean="0"/>
-              <a:t>10</a:t>
+              <a:t>9</a:t>
             </a:fld>
             <a:endParaRPr lang="en-US"/>
           </a:p>
@@ -1677,117 +1555,6 @@
     <p:extLst>
       <p:ext uri="{BB962C8B-B14F-4D97-AF65-F5344CB8AC3E}">
         <p14:creationId xmlns:p14="http://schemas.microsoft.com/office/powerpoint/2010/main" val="450376624"/>
-      </p:ext>
-    </p:extLst>
-  </p:cSld>
-  <p:clrMapOvr>
-    <a:masterClrMapping/>
-  </p:clrMapOvr>
-</p:notes>
-</file>
-
-<file path=ppt/notesSlides/notesSlide9.xml><?xml version="1.0" encoding="utf-8"?>
-<p:notes xmlns:a="http://schemas.openxmlformats.org/drawingml/2006/main" xmlns:r="http://schemas.openxmlformats.org/officeDocument/2006/relationships" xmlns:p="http://schemas.openxmlformats.org/presentationml/2006/main">
-  <p:cSld>
-    <p:spTree>
-      <p:nvGrpSpPr>
-        <p:cNvPr id="1" name="">
-          <a:extLst>
-            <a:ext uri="{FF2B5EF4-FFF2-40B4-BE49-F238E27FC236}">
-              <a16:creationId xmlns:a16="http://schemas.microsoft.com/office/drawing/2014/main" id="{48D5AEAA-64D1-B787-BD9A-06A1C01EB210}"/>
-            </a:ext>
-          </a:extLst>
-        </p:cNvPr>
-        <p:cNvGrpSpPr/>
-        <p:nvPr/>
-      </p:nvGrpSpPr>
-      <p:grpSpPr>
-        <a:xfrm>
-          <a:off x="0" y="0"/>
-          <a:ext cx="0" cy="0"/>
-          <a:chOff x="0" y="0"/>
-          <a:chExt cx="0" cy="0"/>
-        </a:xfrm>
-      </p:grpSpPr>
-      <p:sp>
-        <p:nvSpPr>
-          <p:cNvPr id="2" name="Slide Image Placeholder 1">
-            <a:extLst>
-              <a:ext uri="{FF2B5EF4-FFF2-40B4-BE49-F238E27FC236}">
-                <a16:creationId xmlns:a16="http://schemas.microsoft.com/office/drawing/2014/main" id="{A088364A-F423-E04D-6B8F-DDD391D8A51F}"/>
-              </a:ext>
-            </a:extLst>
-          </p:cNvPr>
-          <p:cNvSpPr>
-            <a:spLocks noGrp="1" noRot="1" noChangeAspect="1"/>
-          </p:cNvSpPr>
-          <p:nvPr>
-            <p:ph type="sldImg"/>
-          </p:nvPr>
-        </p:nvSpPr>
-        <p:spPr/>
-      </p:sp>
-      <p:sp>
-        <p:nvSpPr>
-          <p:cNvPr id="3" name="Notes Placeholder 2">
-            <a:extLst>
-              <a:ext uri="{FF2B5EF4-FFF2-40B4-BE49-F238E27FC236}">
-                <a16:creationId xmlns:a16="http://schemas.microsoft.com/office/drawing/2014/main" id="{AF0CC91E-6E54-2C61-3427-1F8294CD99EB}"/>
-              </a:ext>
-            </a:extLst>
-          </p:cNvPr>
-          <p:cNvSpPr>
-            <a:spLocks noGrp="1"/>
-          </p:cNvSpPr>
-          <p:nvPr>
-            <p:ph type="body" idx="1"/>
-          </p:nvPr>
-        </p:nvSpPr>
-        <p:spPr/>
-        <p:txBody>
-          <a:bodyPr/>
-          <a:lstStyle/>
-          <a:p>
-            <a:r>
-              <a:rPr lang="en-US" dirty="0"/>
-              <a:t>Discuss how RAG is evolving with trends like multimodal retrieval and explainable AI, which will make it more versatile and trustworthy in complex applications.</a:t>
-            </a:r>
-          </a:p>
-        </p:txBody>
-      </p:sp>
-      <p:sp>
-        <p:nvSpPr>
-          <p:cNvPr id="4" name="Slide Number Placeholder 3">
-            <a:extLst>
-              <a:ext uri="{FF2B5EF4-FFF2-40B4-BE49-F238E27FC236}">
-                <a16:creationId xmlns:a16="http://schemas.microsoft.com/office/drawing/2014/main" id="{3000A160-556B-32AF-A43C-50C72E9BCCAC}"/>
-              </a:ext>
-            </a:extLst>
-          </p:cNvPr>
-          <p:cNvSpPr>
-            <a:spLocks noGrp="1"/>
-          </p:cNvSpPr>
-          <p:nvPr>
-            <p:ph type="sldNum" sz="quarter" idx="5"/>
-          </p:nvPr>
-        </p:nvSpPr>
-        <p:spPr/>
-        <p:txBody>
-          <a:bodyPr/>
-          <a:lstStyle/>
-          <a:p>
-            <a:fld id="{B6A8E4B0-7F7F-47AF-AEFF-ABF7BD7DBEE6}" type="slidenum">
-              <a:rPr lang="en-US" smtClean="0"/>
-              <a:t>11</a:t>
-            </a:fld>
-            <a:endParaRPr lang="en-US"/>
-          </a:p>
-        </p:txBody>
-      </p:sp>
-    </p:spTree>
-    <p:extLst>
-      <p:ext uri="{BB962C8B-B14F-4D97-AF65-F5344CB8AC3E}">
-        <p14:creationId xmlns:p14="http://schemas.microsoft.com/office/powerpoint/2010/main" val="1149751102"/>
       </p:ext>
     </p:extLst>
   </p:cSld>
@@ -5326,764 +5093,6 @@
 </p:sld>
 </file>
 
-<file path=ppt/slides/slide10.xml><?xml version="1.0" encoding="utf-8"?>
-<p:sld xmlns:a="http://schemas.openxmlformats.org/drawingml/2006/main" xmlns:r="http://schemas.openxmlformats.org/officeDocument/2006/relationships" xmlns:p="http://schemas.openxmlformats.org/presentationml/2006/main">
-  <p:cSld>
-    <p:bg>
-      <p:bgPr>
-        <a:solidFill>
-          <a:schemeClr val="bg1"/>
-        </a:solidFill>
-        <a:effectLst/>
-      </p:bgPr>
-    </p:bg>
-    <p:spTree>
-      <p:nvGrpSpPr>
-        <p:cNvPr id="1" name="">
-          <a:extLst>
-            <a:ext uri="{FF2B5EF4-FFF2-40B4-BE49-F238E27FC236}">
-              <a16:creationId xmlns:a16="http://schemas.microsoft.com/office/drawing/2014/main" id="{CEC35AD8-F65E-6FE7-6573-E14C7BC33EAE}"/>
-            </a:ext>
-          </a:extLst>
-        </p:cNvPr>
-        <p:cNvGrpSpPr/>
-        <p:nvPr/>
-      </p:nvGrpSpPr>
-      <p:grpSpPr>
-        <a:xfrm>
-          <a:off x="0" y="0"/>
-          <a:ext cx="0" cy="0"/>
-          <a:chOff x="0" y="0"/>
-          <a:chExt cx="0" cy="0"/>
-        </a:xfrm>
-      </p:grpSpPr>
-      <p:sp useBgFill="1">
-        <p:nvSpPr>
-          <p:cNvPr id="22" name="Slide Background">
-            <a:extLst>
-              <a:ext uri="{FF2B5EF4-FFF2-40B4-BE49-F238E27FC236}">
-                <a16:creationId xmlns:a16="http://schemas.microsoft.com/office/drawing/2014/main" id="{C0763A76-9F1C-4FC5-82B7-DD475DA461B2}"/>
-              </a:ext>
-              <a:ext uri="{C183D7F6-B498-43B3-948B-1728B52AA6E4}">
-                <adec:decorative xmlns:adec="http://schemas.microsoft.com/office/drawing/2017/decorative" val="1"/>
-              </a:ext>
-            </a:extLst>
-          </p:cNvPr>
-          <p:cNvSpPr>
-            <a:spLocks noGrp="1" noRot="1" noChangeAspect="1" noMove="1" noResize="1" noEditPoints="1" noAdjustHandles="1" noChangeArrowheads="1" noChangeShapeType="1" noTextEdit="1"/>
-          </p:cNvSpPr>
-          <p:nvPr>
-            <p:extLst>
-              <p:ext uri="{386F3935-93C4-4BCD-93E2-E3B085C9AB24}">
-                <p16:designElem xmlns:p16="http://schemas.microsoft.com/office/powerpoint/2015/main" val="1"/>
-              </p:ext>
-            </p:extLst>
-          </p:nvPr>
-        </p:nvSpPr>
-        <p:spPr bwMode="white">
-          <a:xfrm>
-            <a:off x="0" y="0"/>
-            <a:ext cx="9143998" cy="6858000"/>
-          </a:xfrm>
-          <a:prstGeom prst="rect">
-            <a:avLst/>
-          </a:prstGeom>
-          <a:ln>
-            <a:noFill/>
-          </a:ln>
-        </p:spPr>
-        <p:style>
-          <a:lnRef idx="2">
-            <a:schemeClr val="accent1">
-              <a:shade val="50000"/>
-            </a:schemeClr>
-          </a:lnRef>
-          <a:fillRef idx="1">
-            <a:schemeClr val="accent1"/>
-          </a:fillRef>
-          <a:effectRef idx="0">
-            <a:schemeClr val="accent1"/>
-          </a:effectRef>
-          <a:fontRef idx="minor">
-            <a:schemeClr val="lt1"/>
-          </a:fontRef>
-        </p:style>
-        <p:txBody>
-          <a:bodyPr rtlCol="0" anchor="ctr"/>
-          <a:lstStyle>
-            <a:defPPr>
-              <a:defRPr lang="en-US"/>
-            </a:defPPr>
-            <a:lvl1pPr marL="0" algn="l" defTabSz="914400" rtl="0" eaLnBrk="1" latinLnBrk="0" hangingPunct="1">
-              <a:defRPr sz="1800" kern="1200">
-                <a:solidFill>
-                  <a:schemeClr val="lt1"/>
-                </a:solidFill>
-                <a:latin typeface="+mn-lt"/>
-                <a:ea typeface="+mn-ea"/>
-                <a:cs typeface="+mn-cs"/>
-              </a:defRPr>
-            </a:lvl1pPr>
-            <a:lvl2pPr marL="457200" algn="l" defTabSz="914400" rtl="0" eaLnBrk="1" latinLnBrk="0" hangingPunct="1">
-              <a:defRPr sz="1800" kern="1200">
-                <a:solidFill>
-                  <a:schemeClr val="lt1"/>
-                </a:solidFill>
-                <a:latin typeface="+mn-lt"/>
-                <a:ea typeface="+mn-ea"/>
-                <a:cs typeface="+mn-cs"/>
-              </a:defRPr>
-            </a:lvl2pPr>
-            <a:lvl3pPr marL="914400" algn="l" defTabSz="914400" rtl="0" eaLnBrk="1" latinLnBrk="0" hangingPunct="1">
-              <a:defRPr sz="1800" kern="1200">
-                <a:solidFill>
-                  <a:schemeClr val="lt1"/>
-                </a:solidFill>
-                <a:latin typeface="+mn-lt"/>
-                <a:ea typeface="+mn-ea"/>
-                <a:cs typeface="+mn-cs"/>
-              </a:defRPr>
-            </a:lvl3pPr>
-            <a:lvl4pPr marL="1371600" algn="l" defTabSz="914400" rtl="0" eaLnBrk="1" latinLnBrk="0" hangingPunct="1">
-              <a:defRPr sz="1800" kern="1200">
-                <a:solidFill>
-                  <a:schemeClr val="lt1"/>
-                </a:solidFill>
-                <a:latin typeface="+mn-lt"/>
-                <a:ea typeface="+mn-ea"/>
-                <a:cs typeface="+mn-cs"/>
-              </a:defRPr>
-            </a:lvl4pPr>
-            <a:lvl5pPr marL="1828800" algn="l" defTabSz="914400" rtl="0" eaLnBrk="1" latinLnBrk="0" hangingPunct="1">
-              <a:defRPr sz="1800" kern="1200">
-                <a:solidFill>
-                  <a:schemeClr val="lt1"/>
-                </a:solidFill>
-                <a:latin typeface="+mn-lt"/>
-                <a:ea typeface="+mn-ea"/>
-                <a:cs typeface="+mn-cs"/>
-              </a:defRPr>
-            </a:lvl5pPr>
-            <a:lvl6pPr marL="2286000" algn="l" defTabSz="914400" rtl="0" eaLnBrk="1" latinLnBrk="0" hangingPunct="1">
-              <a:defRPr sz="1800" kern="1200">
-                <a:solidFill>
-                  <a:schemeClr val="lt1"/>
-                </a:solidFill>
-                <a:latin typeface="+mn-lt"/>
-                <a:ea typeface="+mn-ea"/>
-                <a:cs typeface="+mn-cs"/>
-              </a:defRPr>
-            </a:lvl6pPr>
-            <a:lvl7pPr marL="2743200" algn="l" defTabSz="914400" rtl="0" eaLnBrk="1" latinLnBrk="0" hangingPunct="1">
-              <a:defRPr sz="1800" kern="1200">
-                <a:solidFill>
-                  <a:schemeClr val="lt1"/>
-                </a:solidFill>
-                <a:latin typeface="+mn-lt"/>
-                <a:ea typeface="+mn-ea"/>
-                <a:cs typeface="+mn-cs"/>
-              </a:defRPr>
-            </a:lvl7pPr>
-            <a:lvl8pPr marL="3200400" algn="l" defTabSz="914400" rtl="0" eaLnBrk="1" latinLnBrk="0" hangingPunct="1">
-              <a:defRPr sz="1800" kern="1200">
-                <a:solidFill>
-                  <a:schemeClr val="lt1"/>
-                </a:solidFill>
-                <a:latin typeface="+mn-lt"/>
-                <a:ea typeface="+mn-ea"/>
-                <a:cs typeface="+mn-cs"/>
-              </a:defRPr>
-            </a:lvl8pPr>
-            <a:lvl9pPr marL="3657600" algn="l" defTabSz="914400" rtl="0" eaLnBrk="1" latinLnBrk="0" hangingPunct="1">
-              <a:defRPr sz="1800" kern="1200">
-                <a:solidFill>
-                  <a:schemeClr val="lt1"/>
-                </a:solidFill>
-                <a:latin typeface="+mn-lt"/>
-                <a:ea typeface="+mn-ea"/>
-                <a:cs typeface="+mn-cs"/>
-              </a:defRPr>
-            </a:lvl9pPr>
-          </a:lstStyle>
-          <a:p>
-            <a:pPr algn="ctr"/>
-            <a:endParaRPr lang="en-US"/>
-          </a:p>
-        </p:txBody>
-      </p:sp>
-      <p:sp useBgFill="1">
-        <p:nvSpPr>
-          <p:cNvPr id="24" name="Rectangle 23">
-            <a:extLst>
-              <a:ext uri="{FF2B5EF4-FFF2-40B4-BE49-F238E27FC236}">
-                <a16:creationId xmlns:a16="http://schemas.microsoft.com/office/drawing/2014/main" id="{E81BF4F6-F2CF-4984-9D14-D6966D92F99F}"/>
-              </a:ext>
-              <a:ext uri="{C183D7F6-B498-43B3-948B-1728B52AA6E4}">
-                <adec:decorative xmlns:adec="http://schemas.microsoft.com/office/drawing/2017/decorative" val="1"/>
-              </a:ext>
-            </a:extLst>
-          </p:cNvPr>
-          <p:cNvSpPr>
-            <a:spLocks noGrp="1" noRot="1" noChangeAspect="1" noMove="1" noResize="1" noEditPoints="1" noAdjustHandles="1" noChangeArrowheads="1" noChangeShapeType="1" noTextEdit="1"/>
-          </p:cNvSpPr>
-          <p:nvPr>
-            <p:extLst>
-              <p:ext uri="{386F3935-93C4-4BCD-93E2-E3B085C9AB24}">
-                <p16:designElem xmlns:p16="http://schemas.microsoft.com/office/powerpoint/2015/main" val="1"/>
-              </p:ext>
-            </p:extLst>
-          </p:nvPr>
-        </p:nvSpPr>
-        <p:spPr>
-          <a:xfrm>
-            <a:off x="0" y="0"/>
-            <a:ext cx="6391835" cy="2285999"/>
-          </a:xfrm>
-          <a:prstGeom prst="rect">
-            <a:avLst/>
-          </a:prstGeom>
-          <a:ln>
-            <a:noFill/>
-          </a:ln>
-          <a:effectLst>
-            <a:outerShdw blurRad="596900" dist="304800" dir="7140000" sx="90000" sy="90000" algn="t" rotWithShape="0">
-              <a:srgbClr val="000000">
-                <a:alpha val="15000"/>
-              </a:srgbClr>
-            </a:outerShdw>
-          </a:effectLst>
-        </p:spPr>
-        <p:style>
-          <a:lnRef idx="2">
-            <a:schemeClr val="accent1">
-              <a:shade val="50000"/>
-            </a:schemeClr>
-          </a:lnRef>
-          <a:fillRef idx="1">
-            <a:schemeClr val="accent1"/>
-          </a:fillRef>
-          <a:effectRef idx="0">
-            <a:schemeClr val="accent1"/>
-          </a:effectRef>
-          <a:fontRef idx="minor">
-            <a:schemeClr val="lt1"/>
-          </a:fontRef>
-        </p:style>
-        <p:txBody>
-          <a:bodyPr rtlCol="0" anchor="ctr"/>
-          <a:lstStyle/>
-          <a:p>
-            <a:pPr algn="ctr"/>
-            <a:endParaRPr lang="en-US"/>
-          </a:p>
-        </p:txBody>
-      </p:sp>
-      <p:sp>
-        <p:nvSpPr>
-          <p:cNvPr id="2" name="Title 1">
-            <a:extLst>
-              <a:ext uri="{FF2B5EF4-FFF2-40B4-BE49-F238E27FC236}">
-                <a16:creationId xmlns:a16="http://schemas.microsoft.com/office/drawing/2014/main" id="{54F0BC00-710E-F723-EA82-0A2CA7F2EFE5}"/>
-              </a:ext>
-            </a:extLst>
-          </p:cNvPr>
-          <p:cNvSpPr>
-            <a:spLocks noGrp="1"/>
-          </p:cNvSpPr>
-          <p:nvPr>
-            <p:ph type="title"/>
-          </p:nvPr>
-        </p:nvSpPr>
-        <p:spPr>
-          <a:xfrm>
-            <a:off x="571352" y="350196"/>
-            <a:ext cx="3485178" cy="1624520"/>
-          </a:xfrm>
-        </p:spPr>
-        <p:txBody>
-          <a:bodyPr anchor="ctr">
-            <a:normAutofit/>
-          </a:bodyPr>
-          <a:lstStyle/>
-          <a:p>
-            <a:r>
-              <a:rPr lang="en-US" sz="3500" dirty="0"/>
-              <a:t>Addressing Challenges</a:t>
-            </a:r>
-          </a:p>
-        </p:txBody>
-      </p:sp>
-      <p:sp>
-        <p:nvSpPr>
-          <p:cNvPr id="3" name="Content Placeholder 2">
-            <a:extLst>
-              <a:ext uri="{FF2B5EF4-FFF2-40B4-BE49-F238E27FC236}">
-                <a16:creationId xmlns:a16="http://schemas.microsoft.com/office/drawing/2014/main" id="{59794141-69E0-23B7-5594-2E291EAC7A11}"/>
-              </a:ext>
-            </a:extLst>
-          </p:cNvPr>
-          <p:cNvSpPr>
-            <a:spLocks noGrp="1"/>
-          </p:cNvSpPr>
-          <p:nvPr>
-            <p:ph idx="1"/>
-          </p:nvPr>
-        </p:nvSpPr>
-        <p:spPr>
-          <a:xfrm>
-            <a:off x="571351" y="2743200"/>
-            <a:ext cx="3485179" cy="3613149"/>
-          </a:xfrm>
-        </p:spPr>
-        <p:txBody>
-          <a:bodyPr anchor="ctr">
-            <a:normAutofit/>
-          </a:bodyPr>
-          <a:lstStyle/>
-          <a:p>
-            <a:r>
-              <a:rPr lang="en-US" sz="2400" dirty="0"/>
-              <a:t>Data privacy and security.</a:t>
-            </a:r>
-          </a:p>
-          <a:p>
-            <a:r>
-              <a:rPr lang="en-US" sz="2400" dirty="0"/>
-              <a:t>Bias in AI models.</a:t>
-            </a:r>
-          </a:p>
-          <a:p>
-            <a:r>
-              <a:rPr lang="en-US" sz="2400" dirty="0"/>
-              <a:t>Scalability with large datasets.</a:t>
-            </a:r>
-          </a:p>
-          <a:p>
-            <a:r>
-              <a:rPr lang="en-US" sz="2400" dirty="0"/>
-              <a:t>Managing retrieval errors affecting generation.</a:t>
-            </a:r>
-          </a:p>
-        </p:txBody>
-      </p:sp>
-      <p:pic>
-        <p:nvPicPr>
-          <p:cNvPr id="13" name="Picture 12" descr="3D technology art">
-            <a:extLst>
-              <a:ext uri="{FF2B5EF4-FFF2-40B4-BE49-F238E27FC236}">
-                <a16:creationId xmlns:a16="http://schemas.microsoft.com/office/drawing/2014/main" id="{F1EA1A67-A30B-AA0D-4FE8-083E146126E5}"/>
-              </a:ext>
-            </a:extLst>
-          </p:cNvPr>
-          <p:cNvPicPr>
-            <a:picLocks noChangeAspect="1"/>
-          </p:cNvPicPr>
-          <p:nvPr/>
-        </p:nvPicPr>
-        <p:blipFill>
-          <a:blip r:embed="rId3"/>
-          <a:srcRect l="19952" r="35498" b="-2"/>
-          <a:stretch/>
-        </p:blipFill>
-        <p:spPr>
-          <a:xfrm>
-            <a:off x="4572000" y="1"/>
-            <a:ext cx="4577118" cy="6858000"/>
-          </a:xfrm>
-          <a:prstGeom prst="rect">
-            <a:avLst/>
-          </a:prstGeom>
-        </p:spPr>
-      </p:pic>
-    </p:spTree>
-    <p:extLst>
-      <p:ext uri="{BB962C8B-B14F-4D97-AF65-F5344CB8AC3E}">
-        <p14:creationId xmlns:p14="http://schemas.microsoft.com/office/powerpoint/2010/main" val="2138871945"/>
-      </p:ext>
-    </p:extLst>
-  </p:cSld>
-  <p:clrMapOvr>
-    <a:masterClrMapping/>
-  </p:clrMapOvr>
-</p:sld>
-</file>
-
-<file path=ppt/slides/slide11.xml><?xml version="1.0" encoding="utf-8"?>
-<p:sld xmlns:a="http://schemas.openxmlformats.org/drawingml/2006/main" xmlns:r="http://schemas.openxmlformats.org/officeDocument/2006/relationships" xmlns:p="http://schemas.openxmlformats.org/presentationml/2006/main">
-  <p:cSld>
-    <p:bg>
-      <p:bgPr>
-        <a:solidFill>
-          <a:schemeClr val="bg1"/>
-        </a:solidFill>
-        <a:effectLst/>
-      </p:bgPr>
-    </p:bg>
-    <p:spTree>
-      <p:nvGrpSpPr>
-        <p:cNvPr id="1" name="">
-          <a:extLst>
-            <a:ext uri="{FF2B5EF4-FFF2-40B4-BE49-F238E27FC236}">
-              <a16:creationId xmlns:a16="http://schemas.microsoft.com/office/drawing/2014/main" id="{5823952A-6107-594C-40FC-EC9ED2B80130}"/>
-            </a:ext>
-          </a:extLst>
-        </p:cNvPr>
-        <p:cNvGrpSpPr/>
-        <p:nvPr/>
-      </p:nvGrpSpPr>
-      <p:grpSpPr>
-        <a:xfrm>
-          <a:off x="0" y="0"/>
-          <a:ext cx="0" cy="0"/>
-          <a:chOff x="0" y="0"/>
-          <a:chExt cx="0" cy="0"/>
-        </a:xfrm>
-      </p:grpSpPr>
-      <p:sp useBgFill="1">
-        <p:nvSpPr>
-          <p:cNvPr id="17" name="Slide Background">
-            <a:extLst>
-              <a:ext uri="{FF2B5EF4-FFF2-40B4-BE49-F238E27FC236}">
-                <a16:creationId xmlns:a16="http://schemas.microsoft.com/office/drawing/2014/main" id="{C0763A76-9F1C-4FC5-82B7-DD475DA461B2}"/>
-              </a:ext>
-              <a:ext uri="{C183D7F6-B498-43B3-948B-1728B52AA6E4}">
-                <adec:decorative xmlns:adec="http://schemas.microsoft.com/office/drawing/2017/decorative" val="1"/>
-              </a:ext>
-            </a:extLst>
-          </p:cNvPr>
-          <p:cNvSpPr>
-            <a:spLocks noGrp="1" noRot="1" noChangeAspect="1" noMove="1" noResize="1" noEditPoints="1" noAdjustHandles="1" noChangeArrowheads="1" noChangeShapeType="1" noTextEdit="1"/>
-          </p:cNvSpPr>
-          <p:nvPr>
-            <p:extLst>
-              <p:ext uri="{386F3935-93C4-4BCD-93E2-E3B085C9AB24}">
-                <p16:designElem xmlns:p16="http://schemas.microsoft.com/office/powerpoint/2015/main" val="1"/>
-              </p:ext>
-            </p:extLst>
-          </p:nvPr>
-        </p:nvSpPr>
-        <p:spPr bwMode="white">
-          <a:xfrm>
-            <a:off x="0" y="0"/>
-            <a:ext cx="9143998" cy="6858000"/>
-          </a:xfrm>
-          <a:prstGeom prst="rect">
-            <a:avLst/>
-          </a:prstGeom>
-          <a:ln>
-            <a:noFill/>
-          </a:ln>
-        </p:spPr>
-        <p:style>
-          <a:lnRef idx="2">
-            <a:schemeClr val="accent1">
-              <a:shade val="50000"/>
-            </a:schemeClr>
-          </a:lnRef>
-          <a:fillRef idx="1">
-            <a:schemeClr val="accent1"/>
-          </a:fillRef>
-          <a:effectRef idx="0">
-            <a:schemeClr val="accent1"/>
-          </a:effectRef>
-          <a:fontRef idx="minor">
-            <a:schemeClr val="lt1"/>
-          </a:fontRef>
-        </p:style>
-        <p:txBody>
-          <a:bodyPr rtlCol="0" anchor="ctr"/>
-          <a:lstStyle>
-            <a:defPPr>
-              <a:defRPr lang="en-US"/>
-            </a:defPPr>
-            <a:lvl1pPr marL="0" algn="l" defTabSz="914400" rtl="0" eaLnBrk="1" latinLnBrk="0" hangingPunct="1">
-              <a:defRPr sz="1800" kern="1200">
-                <a:solidFill>
-                  <a:schemeClr val="lt1"/>
-                </a:solidFill>
-                <a:latin typeface="+mn-lt"/>
-                <a:ea typeface="+mn-ea"/>
-                <a:cs typeface="+mn-cs"/>
-              </a:defRPr>
-            </a:lvl1pPr>
-            <a:lvl2pPr marL="457200" algn="l" defTabSz="914400" rtl="0" eaLnBrk="1" latinLnBrk="0" hangingPunct="1">
-              <a:defRPr sz="1800" kern="1200">
-                <a:solidFill>
-                  <a:schemeClr val="lt1"/>
-                </a:solidFill>
-                <a:latin typeface="+mn-lt"/>
-                <a:ea typeface="+mn-ea"/>
-                <a:cs typeface="+mn-cs"/>
-              </a:defRPr>
-            </a:lvl2pPr>
-            <a:lvl3pPr marL="914400" algn="l" defTabSz="914400" rtl="0" eaLnBrk="1" latinLnBrk="0" hangingPunct="1">
-              <a:defRPr sz="1800" kern="1200">
-                <a:solidFill>
-                  <a:schemeClr val="lt1"/>
-                </a:solidFill>
-                <a:latin typeface="+mn-lt"/>
-                <a:ea typeface="+mn-ea"/>
-                <a:cs typeface="+mn-cs"/>
-              </a:defRPr>
-            </a:lvl3pPr>
-            <a:lvl4pPr marL="1371600" algn="l" defTabSz="914400" rtl="0" eaLnBrk="1" latinLnBrk="0" hangingPunct="1">
-              <a:defRPr sz="1800" kern="1200">
-                <a:solidFill>
-                  <a:schemeClr val="lt1"/>
-                </a:solidFill>
-                <a:latin typeface="+mn-lt"/>
-                <a:ea typeface="+mn-ea"/>
-                <a:cs typeface="+mn-cs"/>
-              </a:defRPr>
-            </a:lvl4pPr>
-            <a:lvl5pPr marL="1828800" algn="l" defTabSz="914400" rtl="0" eaLnBrk="1" latinLnBrk="0" hangingPunct="1">
-              <a:defRPr sz="1800" kern="1200">
-                <a:solidFill>
-                  <a:schemeClr val="lt1"/>
-                </a:solidFill>
-                <a:latin typeface="+mn-lt"/>
-                <a:ea typeface="+mn-ea"/>
-                <a:cs typeface="+mn-cs"/>
-              </a:defRPr>
-            </a:lvl5pPr>
-            <a:lvl6pPr marL="2286000" algn="l" defTabSz="914400" rtl="0" eaLnBrk="1" latinLnBrk="0" hangingPunct="1">
-              <a:defRPr sz="1800" kern="1200">
-                <a:solidFill>
-                  <a:schemeClr val="lt1"/>
-                </a:solidFill>
-                <a:latin typeface="+mn-lt"/>
-                <a:ea typeface="+mn-ea"/>
-                <a:cs typeface="+mn-cs"/>
-              </a:defRPr>
-            </a:lvl6pPr>
-            <a:lvl7pPr marL="2743200" algn="l" defTabSz="914400" rtl="0" eaLnBrk="1" latinLnBrk="0" hangingPunct="1">
-              <a:defRPr sz="1800" kern="1200">
-                <a:solidFill>
-                  <a:schemeClr val="lt1"/>
-                </a:solidFill>
-                <a:latin typeface="+mn-lt"/>
-                <a:ea typeface="+mn-ea"/>
-                <a:cs typeface="+mn-cs"/>
-              </a:defRPr>
-            </a:lvl7pPr>
-            <a:lvl8pPr marL="3200400" algn="l" defTabSz="914400" rtl="0" eaLnBrk="1" latinLnBrk="0" hangingPunct="1">
-              <a:defRPr sz="1800" kern="1200">
-                <a:solidFill>
-                  <a:schemeClr val="lt1"/>
-                </a:solidFill>
-                <a:latin typeface="+mn-lt"/>
-                <a:ea typeface="+mn-ea"/>
-                <a:cs typeface="+mn-cs"/>
-              </a:defRPr>
-            </a:lvl8pPr>
-            <a:lvl9pPr marL="3657600" algn="l" defTabSz="914400" rtl="0" eaLnBrk="1" latinLnBrk="0" hangingPunct="1">
-              <a:defRPr sz="1800" kern="1200">
-                <a:solidFill>
-                  <a:schemeClr val="lt1"/>
-                </a:solidFill>
-                <a:latin typeface="+mn-lt"/>
-                <a:ea typeface="+mn-ea"/>
-                <a:cs typeface="+mn-cs"/>
-              </a:defRPr>
-            </a:lvl9pPr>
-          </a:lstStyle>
-          <a:p>
-            <a:pPr algn="ctr"/>
-            <a:endParaRPr lang="en-US"/>
-          </a:p>
-        </p:txBody>
-      </p:sp>
-      <p:sp useBgFill="1">
-        <p:nvSpPr>
-          <p:cNvPr id="19" name="Rectangle 18">
-            <a:extLst>
-              <a:ext uri="{FF2B5EF4-FFF2-40B4-BE49-F238E27FC236}">
-                <a16:creationId xmlns:a16="http://schemas.microsoft.com/office/drawing/2014/main" id="{E81BF4F6-F2CF-4984-9D14-D6966D92F99F}"/>
-              </a:ext>
-              <a:ext uri="{C183D7F6-B498-43B3-948B-1728B52AA6E4}">
-                <adec:decorative xmlns:adec="http://schemas.microsoft.com/office/drawing/2017/decorative" val="1"/>
-              </a:ext>
-            </a:extLst>
-          </p:cNvPr>
-          <p:cNvSpPr>
-            <a:spLocks noGrp="1" noRot="1" noChangeAspect="1" noMove="1" noResize="1" noEditPoints="1" noAdjustHandles="1" noChangeArrowheads="1" noChangeShapeType="1" noTextEdit="1"/>
-          </p:cNvSpPr>
-          <p:nvPr>
-            <p:extLst>
-              <p:ext uri="{386F3935-93C4-4BCD-93E2-E3B085C9AB24}">
-                <p16:designElem xmlns:p16="http://schemas.microsoft.com/office/powerpoint/2015/main" val="1"/>
-              </p:ext>
-            </p:extLst>
-          </p:nvPr>
-        </p:nvSpPr>
-        <p:spPr>
-          <a:xfrm>
-            <a:off x="0" y="0"/>
-            <a:ext cx="6391835" cy="2285999"/>
-          </a:xfrm>
-          <a:prstGeom prst="rect">
-            <a:avLst/>
-          </a:prstGeom>
-          <a:ln>
-            <a:noFill/>
-          </a:ln>
-          <a:effectLst>
-            <a:outerShdw blurRad="596900" dist="304800" dir="7140000" sx="90000" sy="90000" algn="t" rotWithShape="0">
-              <a:srgbClr val="000000">
-                <a:alpha val="15000"/>
-              </a:srgbClr>
-            </a:outerShdw>
-          </a:effectLst>
-        </p:spPr>
-        <p:style>
-          <a:lnRef idx="2">
-            <a:schemeClr val="accent1">
-              <a:shade val="50000"/>
-            </a:schemeClr>
-          </a:lnRef>
-          <a:fillRef idx="1">
-            <a:schemeClr val="accent1"/>
-          </a:fillRef>
-          <a:effectRef idx="0">
-            <a:schemeClr val="accent1"/>
-          </a:effectRef>
-          <a:fontRef idx="minor">
-            <a:schemeClr val="lt1"/>
-          </a:fontRef>
-        </p:style>
-        <p:txBody>
-          <a:bodyPr rtlCol="0" anchor="ctr"/>
-          <a:lstStyle/>
-          <a:p>
-            <a:pPr algn="ctr"/>
-            <a:endParaRPr lang="en-US"/>
-          </a:p>
-        </p:txBody>
-      </p:sp>
-      <p:sp>
-        <p:nvSpPr>
-          <p:cNvPr id="2" name="Title 1">
-            <a:extLst>
-              <a:ext uri="{FF2B5EF4-FFF2-40B4-BE49-F238E27FC236}">
-                <a16:creationId xmlns:a16="http://schemas.microsoft.com/office/drawing/2014/main" id="{EF2B573E-A5AA-0BB9-6CB3-0319AB8A0BF5}"/>
-              </a:ext>
-            </a:extLst>
-          </p:cNvPr>
-          <p:cNvSpPr>
-            <a:spLocks noGrp="1"/>
-          </p:cNvSpPr>
-          <p:nvPr>
-            <p:ph type="title"/>
-          </p:nvPr>
-        </p:nvSpPr>
-        <p:spPr>
-          <a:xfrm>
-            <a:off x="571352" y="350196"/>
-            <a:ext cx="3485178" cy="1624520"/>
-          </a:xfrm>
-        </p:spPr>
-        <p:txBody>
-          <a:bodyPr anchor="ctr">
-            <a:normAutofit/>
-          </a:bodyPr>
-          <a:lstStyle/>
-          <a:p>
-            <a:r>
-              <a:rPr lang="en-US" sz="3500"/>
-              <a:t>What’s Next?</a:t>
-            </a:r>
-          </a:p>
-        </p:txBody>
-      </p:sp>
-      <p:sp>
-        <p:nvSpPr>
-          <p:cNvPr id="3" name="Content Placeholder 2">
-            <a:extLst>
-              <a:ext uri="{FF2B5EF4-FFF2-40B4-BE49-F238E27FC236}">
-                <a16:creationId xmlns:a16="http://schemas.microsoft.com/office/drawing/2014/main" id="{B77284A2-09A7-0167-B203-821223B0B497}"/>
-              </a:ext>
-            </a:extLst>
-          </p:cNvPr>
-          <p:cNvSpPr>
-            <a:spLocks noGrp="1"/>
-          </p:cNvSpPr>
-          <p:nvPr>
-            <p:ph idx="1"/>
-          </p:nvPr>
-        </p:nvSpPr>
-        <p:spPr>
-          <a:xfrm>
-            <a:off x="571351" y="2743200"/>
-            <a:ext cx="3485179" cy="3613149"/>
-          </a:xfrm>
-        </p:spPr>
-        <p:txBody>
-          <a:bodyPr anchor="ctr">
-            <a:normAutofit/>
-          </a:bodyPr>
-          <a:lstStyle/>
-          <a:p>
-            <a:r>
-              <a:rPr lang="en-US" sz="2400" dirty="0"/>
-              <a:t>Multimodal Retrieval: Integrating text, image, and video data.</a:t>
-            </a:r>
-          </a:p>
-          <a:p>
-            <a:r>
-              <a:rPr lang="en-US" sz="2400" dirty="0"/>
-              <a:t>Explainable AI: Transparency in AI decision-making.</a:t>
-            </a:r>
-          </a:p>
-          <a:p>
-            <a:r>
-              <a:rPr lang="en-US" sz="2400" dirty="0"/>
-              <a:t>Real-Time Adaptation: Continuous learning from user interactions.</a:t>
-            </a:r>
-          </a:p>
-        </p:txBody>
-      </p:sp>
-      <p:pic>
-        <p:nvPicPr>
-          <p:cNvPr id="13" name="Picture 12" descr="Computer script on a screen">
-            <a:extLst>
-              <a:ext uri="{FF2B5EF4-FFF2-40B4-BE49-F238E27FC236}">
-                <a16:creationId xmlns:a16="http://schemas.microsoft.com/office/drawing/2014/main" id="{CE07EDD8-FB48-BC17-12D7-C0357FCE04A6}"/>
-              </a:ext>
-            </a:extLst>
-          </p:cNvPr>
-          <p:cNvPicPr>
-            <a:picLocks noChangeAspect="1"/>
-          </p:cNvPicPr>
-          <p:nvPr/>
-        </p:nvPicPr>
-        <p:blipFill>
-          <a:blip r:embed="rId3"/>
-          <a:srcRect l="7839" r="47611" b="-2"/>
-          <a:stretch/>
-        </p:blipFill>
-        <p:spPr>
-          <a:xfrm>
-            <a:off x="4572000" y="1"/>
-            <a:ext cx="4577118" cy="6858000"/>
-          </a:xfrm>
-          <a:prstGeom prst="rect">
-            <a:avLst/>
-          </a:prstGeom>
-        </p:spPr>
-      </p:pic>
-    </p:spTree>
-    <p:extLst>
-      <p:ext uri="{BB962C8B-B14F-4D97-AF65-F5344CB8AC3E}">
-        <p14:creationId xmlns:p14="http://schemas.microsoft.com/office/powerpoint/2010/main" val="3700440609"/>
-      </p:ext>
-    </p:extLst>
-  </p:cSld>
-  <p:clrMapOvr>
-    <a:masterClrMapping/>
-  </p:clrMapOvr>
-</p:sld>
-</file>
-
 <file path=ppt/slides/slide2.xml><?xml version="1.0" encoding="utf-8"?>
 <p:sld xmlns:a="http://schemas.openxmlformats.org/drawingml/2006/main" xmlns:r="http://schemas.openxmlformats.org/officeDocument/2006/relationships" xmlns:p="http://schemas.openxmlformats.org/presentationml/2006/main">
   <p:cSld>
@@ -6879,6 +5888,148 @@
 </file>
 
 <file path=ppt/slides/slide5.xml><?xml version="1.0" encoding="utf-8"?>
+<p:sld xmlns:a="http://schemas.openxmlformats.org/drawingml/2006/main" xmlns:r="http://schemas.openxmlformats.org/officeDocument/2006/relationships" xmlns:p="http://schemas.openxmlformats.org/presentationml/2006/main">
+  <p:cSld>
+    <p:spTree>
+      <p:nvGrpSpPr>
+        <p:cNvPr id="1" name="">
+          <a:extLst>
+            <a:ext uri="{FF2B5EF4-FFF2-40B4-BE49-F238E27FC236}">
+              <a16:creationId xmlns:a16="http://schemas.microsoft.com/office/drawing/2014/main" id="{06FF460B-4CF5-ED85-3A50-0D739E6FEB91}"/>
+            </a:ext>
+          </a:extLst>
+        </p:cNvPr>
+        <p:cNvGrpSpPr/>
+        <p:nvPr/>
+      </p:nvGrpSpPr>
+      <p:grpSpPr>
+        <a:xfrm>
+          <a:off x="0" y="0"/>
+          <a:ext cx="0" cy="0"/>
+          <a:chOff x="0" y="0"/>
+          <a:chExt cx="0" cy="0"/>
+        </a:xfrm>
+      </p:grpSpPr>
+      <p:sp>
+        <p:nvSpPr>
+          <p:cNvPr id="6" name="TextBox 5">
+            <a:extLst>
+              <a:ext uri="{FF2B5EF4-FFF2-40B4-BE49-F238E27FC236}">
+                <a16:creationId xmlns:a16="http://schemas.microsoft.com/office/drawing/2014/main" id="{4AA7CBBC-E897-BCCD-872D-BC730B5D420A}"/>
+              </a:ext>
+            </a:extLst>
+          </p:cNvPr>
+          <p:cNvSpPr txBox="1"/>
+          <p:nvPr/>
+        </p:nvSpPr>
+        <p:spPr>
+          <a:xfrm>
+            <a:off x="212895" y="5974756"/>
+            <a:ext cx="1440364" cy="646331"/>
+          </a:xfrm>
+          <a:prstGeom prst="rect">
+            <a:avLst/>
+          </a:prstGeom>
+          <a:noFill/>
+        </p:spPr>
+        <p:txBody>
+          <a:bodyPr wrap="square" rtlCol="0">
+            <a:spAutoFit/>
+          </a:bodyPr>
+          <a:lstStyle/>
+          <a:p>
+            <a:r>
+              <a:rPr lang="en-US" dirty="0"/>
+              <a:t>Credit: </a:t>
+            </a:r>
+            <a:r>
+              <a:rPr lang="en-US" dirty="0">
+                <a:hlinkClick r:id="rId3"/>
+              </a:rPr>
+              <a:t>Pinecone.io</a:t>
+            </a:r>
+            <a:endParaRPr lang="en-US" dirty="0"/>
+          </a:p>
+        </p:txBody>
+      </p:sp>
+      <p:pic>
+        <p:nvPicPr>
+          <p:cNvPr id="5" name="Content Placeholder 4">
+            <a:extLst>
+              <a:ext uri="{FF2B5EF4-FFF2-40B4-BE49-F238E27FC236}">
+                <a16:creationId xmlns:a16="http://schemas.microsoft.com/office/drawing/2014/main" id="{FCD3410D-AB00-1914-89D5-BA620CDB575B}"/>
+              </a:ext>
+            </a:extLst>
+          </p:cNvPr>
+          <p:cNvPicPr>
+            <a:picLocks noGrp="1" noChangeAspect="1"/>
+          </p:cNvPicPr>
+          <p:nvPr>
+            <p:ph idx="1"/>
+          </p:nvPr>
+        </p:nvPicPr>
+        <p:blipFill>
+          <a:blip r:embed="rId4"/>
+          <a:stretch>
+            <a:fillRect/>
+          </a:stretch>
+        </p:blipFill>
+        <p:spPr>
+          <a:xfrm>
+            <a:off x="2979487" y="311973"/>
+            <a:ext cx="5731743" cy="6050437"/>
+          </a:xfrm>
+        </p:spPr>
+      </p:pic>
+      <p:sp>
+        <p:nvSpPr>
+          <p:cNvPr id="2" name="Title 1">
+            <a:extLst>
+              <a:ext uri="{FF2B5EF4-FFF2-40B4-BE49-F238E27FC236}">
+                <a16:creationId xmlns:a16="http://schemas.microsoft.com/office/drawing/2014/main" id="{512A4DB9-8FB3-CB94-7496-D9783108DA7F}"/>
+              </a:ext>
+            </a:extLst>
+          </p:cNvPr>
+          <p:cNvSpPr>
+            <a:spLocks noGrp="1"/>
+          </p:cNvSpPr>
+          <p:nvPr>
+            <p:ph type="title"/>
+          </p:nvPr>
+        </p:nvSpPr>
+        <p:spPr>
+          <a:xfrm>
+            <a:off x="317597" y="525923"/>
+            <a:ext cx="2516345" cy="1143000"/>
+          </a:xfrm>
+        </p:spPr>
+        <p:txBody>
+          <a:bodyPr>
+            <a:normAutofit fontScale="90000"/>
+          </a:bodyPr>
+          <a:lstStyle/>
+          <a:p>
+            <a:r>
+              <a:rPr lang="en-US" dirty="0"/>
+              <a:t>The RAG Process</a:t>
+            </a:r>
+          </a:p>
+        </p:txBody>
+      </p:sp>
+    </p:spTree>
+    <p:extLst>
+      <p:ext uri="{BB962C8B-B14F-4D97-AF65-F5344CB8AC3E}">
+        <p14:creationId xmlns:p14="http://schemas.microsoft.com/office/powerpoint/2010/main" val="37961247"/>
+      </p:ext>
+    </p:extLst>
+  </p:cSld>
+  <p:clrMapOvr>
+    <a:masterClrMapping/>
+  </p:clrMapOvr>
+</p:sld>
+</file>
+
+<file path=ppt/slides/slide6.xml><?xml version="1.0" encoding="utf-8"?>
 <p:sld xmlns:a="http://schemas.openxmlformats.org/drawingml/2006/main" xmlns:r="http://schemas.openxmlformats.org/officeDocument/2006/relationships" xmlns:p="http://schemas.openxmlformats.org/presentationml/2006/main">
   <p:cSld>
     <p:bg>
@@ -7095,303 +6246,7 @@
 </p:sld>
 </file>
 
-<file path=ppt/slides/slide6.xml><?xml version="1.0" encoding="utf-8"?>
-<p:sld xmlns:a="http://schemas.openxmlformats.org/drawingml/2006/main" xmlns:r="http://schemas.openxmlformats.org/officeDocument/2006/relationships" xmlns:p="http://schemas.openxmlformats.org/presentationml/2006/main">
-  <p:cSld>
-    <p:spTree>
-      <p:nvGrpSpPr>
-        <p:cNvPr id="1" name="">
-          <a:extLst>
-            <a:ext uri="{FF2B5EF4-FFF2-40B4-BE49-F238E27FC236}">
-              <a16:creationId xmlns:a16="http://schemas.microsoft.com/office/drawing/2014/main" id="{06FF460B-4CF5-ED85-3A50-0D739E6FEB91}"/>
-            </a:ext>
-          </a:extLst>
-        </p:cNvPr>
-        <p:cNvGrpSpPr/>
-        <p:nvPr/>
-      </p:nvGrpSpPr>
-      <p:grpSpPr>
-        <a:xfrm>
-          <a:off x="0" y="0"/>
-          <a:ext cx="0" cy="0"/>
-          <a:chOff x="0" y="0"/>
-          <a:chExt cx="0" cy="0"/>
-        </a:xfrm>
-      </p:grpSpPr>
-      <p:sp>
-        <p:nvSpPr>
-          <p:cNvPr id="2" name="Title 1">
-            <a:extLst>
-              <a:ext uri="{FF2B5EF4-FFF2-40B4-BE49-F238E27FC236}">
-                <a16:creationId xmlns:a16="http://schemas.microsoft.com/office/drawing/2014/main" id="{512A4DB9-8FB3-CB94-7496-D9783108DA7F}"/>
-              </a:ext>
-            </a:extLst>
-          </p:cNvPr>
-          <p:cNvSpPr>
-            <a:spLocks noGrp="1"/>
-          </p:cNvSpPr>
-          <p:nvPr>
-            <p:ph type="title"/>
-          </p:nvPr>
-        </p:nvSpPr>
-        <p:spPr/>
-        <p:txBody>
-          <a:bodyPr/>
-          <a:lstStyle/>
-          <a:p>
-            <a:r>
-              <a:rPr lang="en-US" dirty="0"/>
-              <a:t>Using RAG with Sematic Search</a:t>
-            </a:r>
-          </a:p>
-        </p:txBody>
-      </p:sp>
-      <p:sp>
-        <p:nvSpPr>
-          <p:cNvPr id="6" name="TextBox 5">
-            <a:extLst>
-              <a:ext uri="{FF2B5EF4-FFF2-40B4-BE49-F238E27FC236}">
-                <a16:creationId xmlns:a16="http://schemas.microsoft.com/office/drawing/2014/main" id="{4AA7CBBC-E897-BCCD-872D-BC730B5D420A}"/>
-              </a:ext>
-            </a:extLst>
-          </p:cNvPr>
-          <p:cNvSpPr txBox="1"/>
-          <p:nvPr/>
-        </p:nvSpPr>
-        <p:spPr>
-          <a:xfrm>
-            <a:off x="457200" y="6351684"/>
-            <a:ext cx="2512855" cy="369332"/>
-          </a:xfrm>
-          <a:prstGeom prst="rect">
-            <a:avLst/>
-          </a:prstGeom>
-          <a:noFill/>
-        </p:spPr>
-        <p:txBody>
-          <a:bodyPr wrap="square" rtlCol="0">
-            <a:spAutoFit/>
-          </a:bodyPr>
-          <a:lstStyle/>
-          <a:p>
-            <a:r>
-              <a:rPr lang="en-US" dirty="0"/>
-              <a:t>Credit: </a:t>
-            </a:r>
-            <a:r>
-              <a:rPr lang="en-US" dirty="0">
-                <a:hlinkClick r:id="rId3"/>
-              </a:rPr>
-              <a:t>Pinecone.io</a:t>
-            </a:r>
-            <a:endParaRPr lang="en-US" dirty="0"/>
-          </a:p>
-        </p:txBody>
-      </p:sp>
-      <p:sp>
-        <p:nvSpPr>
-          <p:cNvPr id="4" name="Content Placeholder 3">
-            <a:extLst>
-              <a:ext uri="{FF2B5EF4-FFF2-40B4-BE49-F238E27FC236}">
-                <a16:creationId xmlns:a16="http://schemas.microsoft.com/office/drawing/2014/main" id="{B8DA4666-BFA2-0FE6-A45A-E17144EA3CA0}"/>
-              </a:ext>
-            </a:extLst>
-          </p:cNvPr>
-          <p:cNvSpPr>
-            <a:spLocks noGrp="1"/>
-          </p:cNvSpPr>
-          <p:nvPr>
-            <p:ph idx="1"/>
-          </p:nvPr>
-        </p:nvSpPr>
-        <p:spPr/>
-        <p:txBody>
-          <a:bodyPr/>
-          <a:lstStyle/>
-          <a:p>
-            <a:endParaRPr lang="en-US"/>
-          </a:p>
-        </p:txBody>
-      </p:sp>
-      <p:pic>
-        <p:nvPicPr>
-          <p:cNvPr id="7" name="Picture 6">
-            <a:extLst>
-              <a:ext uri="{FF2B5EF4-FFF2-40B4-BE49-F238E27FC236}">
-                <a16:creationId xmlns:a16="http://schemas.microsoft.com/office/drawing/2014/main" id="{F9006806-5073-350E-DB2C-45C155AB6D9B}"/>
-              </a:ext>
-            </a:extLst>
-          </p:cNvPr>
-          <p:cNvPicPr>
-            <a:picLocks noChangeAspect="1"/>
-          </p:cNvPicPr>
-          <p:nvPr/>
-        </p:nvPicPr>
-        <p:blipFill>
-          <a:blip r:embed="rId4"/>
-          <a:stretch>
-            <a:fillRect/>
-          </a:stretch>
-        </p:blipFill>
-        <p:spPr>
-          <a:xfrm>
-            <a:off x="457200" y="1290799"/>
-            <a:ext cx="8229600" cy="4810949"/>
-          </a:xfrm>
-          <a:prstGeom prst="rect">
-            <a:avLst/>
-          </a:prstGeom>
-        </p:spPr>
-      </p:pic>
-    </p:spTree>
-    <p:extLst>
-      <p:ext uri="{BB962C8B-B14F-4D97-AF65-F5344CB8AC3E}">
-        <p14:creationId xmlns:p14="http://schemas.microsoft.com/office/powerpoint/2010/main" val="37961247"/>
-      </p:ext>
-    </p:extLst>
-  </p:cSld>
-  <p:clrMapOvr>
-    <a:masterClrMapping/>
-  </p:clrMapOvr>
-</p:sld>
-</file>
-
 <file path=ppt/slides/slide7.xml><?xml version="1.0" encoding="utf-8"?>
-<p:sld xmlns:a="http://schemas.openxmlformats.org/drawingml/2006/main" xmlns:r="http://schemas.openxmlformats.org/officeDocument/2006/relationships" xmlns:p="http://schemas.openxmlformats.org/presentationml/2006/main">
-  <p:cSld>
-    <p:spTree>
-      <p:nvGrpSpPr>
-        <p:cNvPr id="1" name="">
-          <a:extLst>
-            <a:ext uri="{FF2B5EF4-FFF2-40B4-BE49-F238E27FC236}">
-              <a16:creationId xmlns:a16="http://schemas.microsoft.com/office/drawing/2014/main" id="{30C8533E-A9AD-F8B0-3558-6B939F985DCC}"/>
-            </a:ext>
-          </a:extLst>
-        </p:cNvPr>
-        <p:cNvGrpSpPr/>
-        <p:nvPr/>
-      </p:nvGrpSpPr>
-      <p:grpSpPr>
-        <a:xfrm>
-          <a:off x="0" y="0"/>
-          <a:ext cx="0" cy="0"/>
-          <a:chOff x="0" y="0"/>
-          <a:chExt cx="0" cy="0"/>
-        </a:xfrm>
-      </p:grpSpPr>
-      <p:sp>
-        <p:nvSpPr>
-          <p:cNvPr id="2" name="Title 1">
-            <a:extLst>
-              <a:ext uri="{FF2B5EF4-FFF2-40B4-BE49-F238E27FC236}">
-                <a16:creationId xmlns:a16="http://schemas.microsoft.com/office/drawing/2014/main" id="{A365CDB2-6ECA-B46F-0F31-6DBE5DE5828D}"/>
-              </a:ext>
-            </a:extLst>
-          </p:cNvPr>
-          <p:cNvSpPr>
-            <a:spLocks noGrp="1"/>
-          </p:cNvSpPr>
-          <p:nvPr>
-            <p:ph type="title"/>
-          </p:nvPr>
-        </p:nvSpPr>
-        <p:spPr/>
-        <p:txBody>
-          <a:bodyPr/>
-          <a:lstStyle/>
-          <a:p>
-            <a:r>
-              <a:rPr lang="en-US" dirty="0"/>
-              <a:t>Returning a Better Answer</a:t>
-            </a:r>
-          </a:p>
-        </p:txBody>
-      </p:sp>
-      <p:sp>
-        <p:nvSpPr>
-          <p:cNvPr id="6" name="TextBox 5">
-            <a:extLst>
-              <a:ext uri="{FF2B5EF4-FFF2-40B4-BE49-F238E27FC236}">
-                <a16:creationId xmlns:a16="http://schemas.microsoft.com/office/drawing/2014/main" id="{1128480E-FDF9-633D-5CA6-BA2AAEC4FB69}"/>
-              </a:ext>
-            </a:extLst>
-          </p:cNvPr>
-          <p:cNvSpPr txBox="1"/>
-          <p:nvPr/>
-        </p:nvSpPr>
-        <p:spPr>
-          <a:xfrm>
-            <a:off x="457200" y="6351684"/>
-            <a:ext cx="2512855" cy="369332"/>
-          </a:xfrm>
-          <a:prstGeom prst="rect">
-            <a:avLst/>
-          </a:prstGeom>
-          <a:noFill/>
-        </p:spPr>
-        <p:txBody>
-          <a:bodyPr wrap="square" rtlCol="0">
-            <a:spAutoFit/>
-          </a:bodyPr>
-          <a:lstStyle/>
-          <a:p>
-            <a:r>
-              <a:rPr lang="en-US" dirty="0"/>
-              <a:t>Credit: </a:t>
-            </a:r>
-            <a:r>
-              <a:rPr lang="en-US" dirty="0">
-                <a:hlinkClick r:id="rId3"/>
-              </a:rPr>
-              <a:t>Pinecone.io</a:t>
-            </a:r>
-            <a:endParaRPr lang="en-US" dirty="0"/>
-          </a:p>
-        </p:txBody>
-      </p:sp>
-      <p:pic>
-        <p:nvPicPr>
-          <p:cNvPr id="5" name="Content Placeholder 4">
-            <a:extLst>
-              <a:ext uri="{FF2B5EF4-FFF2-40B4-BE49-F238E27FC236}">
-                <a16:creationId xmlns:a16="http://schemas.microsoft.com/office/drawing/2014/main" id="{49DB91BF-A304-B498-DC19-82AA52540950}"/>
-              </a:ext>
-            </a:extLst>
-          </p:cNvPr>
-          <p:cNvPicPr>
-            <a:picLocks noGrp="1" noChangeAspect="1"/>
-          </p:cNvPicPr>
-          <p:nvPr>
-            <p:ph idx="1"/>
-          </p:nvPr>
-        </p:nvPicPr>
-        <p:blipFill>
-          <a:blip r:embed="rId4"/>
-          <a:stretch>
-            <a:fillRect/>
-          </a:stretch>
-        </p:blipFill>
-        <p:spPr>
-          <a:xfrm>
-            <a:off x="1492862" y="1600200"/>
-            <a:ext cx="6158276" cy="4525963"/>
-          </a:xfrm>
-        </p:spPr>
-      </p:pic>
-    </p:spTree>
-    <p:extLst>
-      <p:ext uri="{BB962C8B-B14F-4D97-AF65-F5344CB8AC3E}">
-        <p14:creationId xmlns:p14="http://schemas.microsoft.com/office/powerpoint/2010/main" val="677064844"/>
-      </p:ext>
-    </p:extLst>
-  </p:cSld>
-  <p:clrMapOvr>
-    <a:masterClrMapping/>
-  </p:clrMapOvr>
-</p:sld>
-</file>
-
-<file path=ppt/slides/slide8.xml><?xml version="1.0" encoding="utf-8"?>
 <p:sld xmlns:a="http://schemas.openxmlformats.org/drawingml/2006/main" xmlns:r="http://schemas.openxmlformats.org/officeDocument/2006/relationships" xmlns:p="http://schemas.openxmlformats.org/presentationml/2006/main">
   <p:cSld>
     <p:bg>
@@ -7845,7 +6700,7 @@
 </p:sld>
 </file>
 
-<file path=ppt/slides/slide9.xml><?xml version="1.0" encoding="utf-8"?>
+<file path=ppt/slides/slide8.xml><?xml version="1.0" encoding="utf-8"?>
 <p:sld xmlns:a="http://schemas.openxmlformats.org/drawingml/2006/main" xmlns:r="http://schemas.openxmlformats.org/officeDocument/2006/relationships" xmlns:p="http://schemas.openxmlformats.org/presentationml/2006/main">
   <p:cSld>
     <p:bg>
@@ -8159,6 +7014,388 @@
         </p:sp>
       </p:grpSp>
     </p:spTree>
+  </p:cSld>
+  <p:clrMapOvr>
+    <a:masterClrMapping/>
+  </p:clrMapOvr>
+</p:sld>
+</file>
+
+<file path=ppt/slides/slide9.xml><?xml version="1.0" encoding="utf-8"?>
+<p:sld xmlns:a="http://schemas.openxmlformats.org/drawingml/2006/main" xmlns:r="http://schemas.openxmlformats.org/officeDocument/2006/relationships" xmlns:p="http://schemas.openxmlformats.org/presentationml/2006/main">
+  <p:cSld>
+    <p:bg>
+      <p:bgPr>
+        <a:solidFill>
+          <a:schemeClr val="bg1"/>
+        </a:solidFill>
+        <a:effectLst/>
+      </p:bgPr>
+    </p:bg>
+    <p:spTree>
+      <p:nvGrpSpPr>
+        <p:cNvPr id="1" name="">
+          <a:extLst>
+            <a:ext uri="{FF2B5EF4-FFF2-40B4-BE49-F238E27FC236}">
+              <a16:creationId xmlns:a16="http://schemas.microsoft.com/office/drawing/2014/main" id="{CEC35AD8-F65E-6FE7-6573-E14C7BC33EAE}"/>
+            </a:ext>
+          </a:extLst>
+        </p:cNvPr>
+        <p:cNvGrpSpPr/>
+        <p:nvPr/>
+      </p:nvGrpSpPr>
+      <p:grpSpPr>
+        <a:xfrm>
+          <a:off x="0" y="0"/>
+          <a:ext cx="0" cy="0"/>
+          <a:chOff x="0" y="0"/>
+          <a:chExt cx="0" cy="0"/>
+        </a:xfrm>
+      </p:grpSpPr>
+      <p:sp useBgFill="1">
+        <p:nvSpPr>
+          <p:cNvPr id="22" name="Slide Background">
+            <a:extLst>
+              <a:ext uri="{FF2B5EF4-FFF2-40B4-BE49-F238E27FC236}">
+                <a16:creationId xmlns:a16="http://schemas.microsoft.com/office/drawing/2014/main" id="{C0763A76-9F1C-4FC5-82B7-DD475DA461B2}"/>
+              </a:ext>
+              <a:ext uri="{C183D7F6-B498-43B3-948B-1728B52AA6E4}">
+                <adec:decorative xmlns:adec="http://schemas.microsoft.com/office/drawing/2017/decorative" val="1"/>
+              </a:ext>
+            </a:extLst>
+          </p:cNvPr>
+          <p:cNvSpPr>
+            <a:spLocks noGrp="1" noRot="1" noChangeAspect="1" noMove="1" noResize="1" noEditPoints="1" noAdjustHandles="1" noChangeArrowheads="1" noChangeShapeType="1" noTextEdit="1"/>
+          </p:cNvSpPr>
+          <p:nvPr>
+            <p:extLst>
+              <p:ext uri="{386F3935-93C4-4BCD-93E2-E3B085C9AB24}">
+                <p16:designElem xmlns:p16="http://schemas.microsoft.com/office/powerpoint/2015/main" val="1"/>
+              </p:ext>
+            </p:extLst>
+          </p:nvPr>
+        </p:nvSpPr>
+        <p:spPr bwMode="white">
+          <a:xfrm>
+            <a:off x="0" y="0"/>
+            <a:ext cx="9143998" cy="6858000"/>
+          </a:xfrm>
+          <a:prstGeom prst="rect">
+            <a:avLst/>
+          </a:prstGeom>
+          <a:ln>
+            <a:noFill/>
+          </a:ln>
+        </p:spPr>
+        <p:style>
+          <a:lnRef idx="2">
+            <a:schemeClr val="accent1">
+              <a:shade val="50000"/>
+            </a:schemeClr>
+          </a:lnRef>
+          <a:fillRef idx="1">
+            <a:schemeClr val="accent1"/>
+          </a:fillRef>
+          <a:effectRef idx="0">
+            <a:schemeClr val="accent1"/>
+          </a:effectRef>
+          <a:fontRef idx="minor">
+            <a:schemeClr val="lt1"/>
+          </a:fontRef>
+        </p:style>
+        <p:txBody>
+          <a:bodyPr rtlCol="0" anchor="ctr"/>
+          <a:lstStyle>
+            <a:defPPr>
+              <a:defRPr lang="en-US"/>
+            </a:defPPr>
+            <a:lvl1pPr marL="0" algn="l" defTabSz="914400" rtl="0" eaLnBrk="1" latinLnBrk="0" hangingPunct="1">
+              <a:defRPr sz="1800" kern="1200">
+                <a:solidFill>
+                  <a:schemeClr val="lt1"/>
+                </a:solidFill>
+                <a:latin typeface="+mn-lt"/>
+                <a:ea typeface="+mn-ea"/>
+                <a:cs typeface="+mn-cs"/>
+              </a:defRPr>
+            </a:lvl1pPr>
+            <a:lvl2pPr marL="457200" algn="l" defTabSz="914400" rtl="0" eaLnBrk="1" latinLnBrk="0" hangingPunct="1">
+              <a:defRPr sz="1800" kern="1200">
+                <a:solidFill>
+                  <a:schemeClr val="lt1"/>
+                </a:solidFill>
+                <a:latin typeface="+mn-lt"/>
+                <a:ea typeface="+mn-ea"/>
+                <a:cs typeface="+mn-cs"/>
+              </a:defRPr>
+            </a:lvl2pPr>
+            <a:lvl3pPr marL="914400" algn="l" defTabSz="914400" rtl="0" eaLnBrk="1" latinLnBrk="0" hangingPunct="1">
+              <a:defRPr sz="1800" kern="1200">
+                <a:solidFill>
+                  <a:schemeClr val="lt1"/>
+                </a:solidFill>
+                <a:latin typeface="+mn-lt"/>
+                <a:ea typeface="+mn-ea"/>
+                <a:cs typeface="+mn-cs"/>
+              </a:defRPr>
+            </a:lvl3pPr>
+            <a:lvl4pPr marL="1371600" algn="l" defTabSz="914400" rtl="0" eaLnBrk="1" latinLnBrk="0" hangingPunct="1">
+              <a:defRPr sz="1800" kern="1200">
+                <a:solidFill>
+                  <a:schemeClr val="lt1"/>
+                </a:solidFill>
+                <a:latin typeface="+mn-lt"/>
+                <a:ea typeface="+mn-ea"/>
+                <a:cs typeface="+mn-cs"/>
+              </a:defRPr>
+            </a:lvl4pPr>
+            <a:lvl5pPr marL="1828800" algn="l" defTabSz="914400" rtl="0" eaLnBrk="1" latinLnBrk="0" hangingPunct="1">
+              <a:defRPr sz="1800" kern="1200">
+                <a:solidFill>
+                  <a:schemeClr val="lt1"/>
+                </a:solidFill>
+                <a:latin typeface="+mn-lt"/>
+                <a:ea typeface="+mn-ea"/>
+                <a:cs typeface="+mn-cs"/>
+              </a:defRPr>
+            </a:lvl5pPr>
+            <a:lvl6pPr marL="2286000" algn="l" defTabSz="914400" rtl="0" eaLnBrk="1" latinLnBrk="0" hangingPunct="1">
+              <a:defRPr sz="1800" kern="1200">
+                <a:solidFill>
+                  <a:schemeClr val="lt1"/>
+                </a:solidFill>
+                <a:latin typeface="+mn-lt"/>
+                <a:ea typeface="+mn-ea"/>
+                <a:cs typeface="+mn-cs"/>
+              </a:defRPr>
+            </a:lvl6pPr>
+            <a:lvl7pPr marL="2743200" algn="l" defTabSz="914400" rtl="0" eaLnBrk="1" latinLnBrk="0" hangingPunct="1">
+              <a:defRPr sz="1800" kern="1200">
+                <a:solidFill>
+                  <a:schemeClr val="lt1"/>
+                </a:solidFill>
+                <a:latin typeface="+mn-lt"/>
+                <a:ea typeface="+mn-ea"/>
+                <a:cs typeface="+mn-cs"/>
+              </a:defRPr>
+            </a:lvl7pPr>
+            <a:lvl8pPr marL="3200400" algn="l" defTabSz="914400" rtl="0" eaLnBrk="1" latinLnBrk="0" hangingPunct="1">
+              <a:defRPr sz="1800" kern="1200">
+                <a:solidFill>
+                  <a:schemeClr val="lt1"/>
+                </a:solidFill>
+                <a:latin typeface="+mn-lt"/>
+                <a:ea typeface="+mn-ea"/>
+                <a:cs typeface="+mn-cs"/>
+              </a:defRPr>
+            </a:lvl8pPr>
+            <a:lvl9pPr marL="3657600" algn="l" defTabSz="914400" rtl="0" eaLnBrk="1" latinLnBrk="0" hangingPunct="1">
+              <a:defRPr sz="1800" kern="1200">
+                <a:solidFill>
+                  <a:schemeClr val="lt1"/>
+                </a:solidFill>
+                <a:latin typeface="+mn-lt"/>
+                <a:ea typeface="+mn-ea"/>
+                <a:cs typeface="+mn-cs"/>
+              </a:defRPr>
+            </a:lvl9pPr>
+          </a:lstStyle>
+          <a:p>
+            <a:pPr algn="ctr"/>
+            <a:endParaRPr lang="en-US"/>
+          </a:p>
+        </p:txBody>
+      </p:sp>
+      <p:sp useBgFill="1">
+        <p:nvSpPr>
+          <p:cNvPr id="24" name="Rectangle 23">
+            <a:extLst>
+              <a:ext uri="{FF2B5EF4-FFF2-40B4-BE49-F238E27FC236}">
+                <a16:creationId xmlns:a16="http://schemas.microsoft.com/office/drawing/2014/main" id="{E81BF4F6-F2CF-4984-9D14-D6966D92F99F}"/>
+              </a:ext>
+              <a:ext uri="{C183D7F6-B498-43B3-948B-1728B52AA6E4}">
+                <adec:decorative xmlns:adec="http://schemas.microsoft.com/office/drawing/2017/decorative" val="1"/>
+              </a:ext>
+            </a:extLst>
+          </p:cNvPr>
+          <p:cNvSpPr>
+            <a:spLocks noGrp="1" noRot="1" noChangeAspect="1" noMove="1" noResize="1" noEditPoints="1" noAdjustHandles="1" noChangeArrowheads="1" noChangeShapeType="1" noTextEdit="1"/>
+          </p:cNvSpPr>
+          <p:nvPr>
+            <p:extLst>
+              <p:ext uri="{386F3935-93C4-4BCD-93E2-E3B085C9AB24}">
+                <p16:designElem xmlns:p16="http://schemas.microsoft.com/office/powerpoint/2015/main" val="1"/>
+              </p:ext>
+            </p:extLst>
+          </p:nvPr>
+        </p:nvSpPr>
+        <p:spPr>
+          <a:xfrm>
+            <a:off x="0" y="0"/>
+            <a:ext cx="6391835" cy="2285999"/>
+          </a:xfrm>
+          <a:prstGeom prst="rect">
+            <a:avLst/>
+          </a:prstGeom>
+          <a:ln>
+            <a:noFill/>
+          </a:ln>
+          <a:effectLst>
+            <a:outerShdw blurRad="596900" dist="304800" dir="7140000" sx="90000" sy="90000" algn="t" rotWithShape="0">
+              <a:srgbClr val="000000">
+                <a:alpha val="15000"/>
+              </a:srgbClr>
+            </a:outerShdw>
+          </a:effectLst>
+        </p:spPr>
+        <p:style>
+          <a:lnRef idx="2">
+            <a:schemeClr val="accent1">
+              <a:shade val="50000"/>
+            </a:schemeClr>
+          </a:lnRef>
+          <a:fillRef idx="1">
+            <a:schemeClr val="accent1"/>
+          </a:fillRef>
+          <a:effectRef idx="0">
+            <a:schemeClr val="accent1"/>
+          </a:effectRef>
+          <a:fontRef idx="minor">
+            <a:schemeClr val="lt1"/>
+          </a:fontRef>
+        </p:style>
+        <p:txBody>
+          <a:bodyPr rtlCol="0" anchor="ctr"/>
+          <a:lstStyle/>
+          <a:p>
+            <a:pPr algn="ctr"/>
+            <a:endParaRPr lang="en-US"/>
+          </a:p>
+        </p:txBody>
+      </p:sp>
+      <p:sp>
+        <p:nvSpPr>
+          <p:cNvPr id="2" name="Title 1">
+            <a:extLst>
+              <a:ext uri="{FF2B5EF4-FFF2-40B4-BE49-F238E27FC236}">
+                <a16:creationId xmlns:a16="http://schemas.microsoft.com/office/drawing/2014/main" id="{54F0BC00-710E-F723-EA82-0A2CA7F2EFE5}"/>
+              </a:ext>
+            </a:extLst>
+          </p:cNvPr>
+          <p:cNvSpPr>
+            <a:spLocks noGrp="1"/>
+          </p:cNvSpPr>
+          <p:nvPr>
+            <p:ph type="title"/>
+          </p:nvPr>
+        </p:nvSpPr>
+        <p:spPr>
+          <a:xfrm>
+            <a:off x="571352" y="350196"/>
+            <a:ext cx="3485178" cy="1624520"/>
+          </a:xfrm>
+        </p:spPr>
+        <p:txBody>
+          <a:bodyPr anchor="ctr">
+            <a:normAutofit/>
+          </a:bodyPr>
+          <a:lstStyle/>
+          <a:p>
+            <a:r>
+              <a:rPr lang="en-US" sz="3500" dirty="0"/>
+              <a:t>Addressing Challenges</a:t>
+            </a:r>
+          </a:p>
+        </p:txBody>
+      </p:sp>
+      <p:sp>
+        <p:nvSpPr>
+          <p:cNvPr id="3" name="Content Placeholder 2">
+            <a:extLst>
+              <a:ext uri="{FF2B5EF4-FFF2-40B4-BE49-F238E27FC236}">
+                <a16:creationId xmlns:a16="http://schemas.microsoft.com/office/drawing/2014/main" id="{59794141-69E0-23B7-5594-2E291EAC7A11}"/>
+              </a:ext>
+            </a:extLst>
+          </p:cNvPr>
+          <p:cNvSpPr>
+            <a:spLocks noGrp="1"/>
+          </p:cNvSpPr>
+          <p:nvPr>
+            <p:ph idx="1"/>
+          </p:nvPr>
+        </p:nvSpPr>
+        <p:spPr>
+          <a:xfrm>
+            <a:off x="571351" y="2743200"/>
+            <a:ext cx="3485179" cy="3613149"/>
+          </a:xfrm>
+        </p:spPr>
+        <p:txBody>
+          <a:bodyPr anchor="ctr">
+            <a:normAutofit/>
+          </a:bodyPr>
+          <a:lstStyle/>
+          <a:p>
+            <a:r>
+              <a:rPr lang="en-US" sz="2400" dirty="0"/>
+              <a:t>Data privacy and security.</a:t>
+            </a:r>
+          </a:p>
+          <a:p>
+            <a:r>
+              <a:rPr lang="en-US" sz="2400" dirty="0"/>
+              <a:t>Bias in AI models.</a:t>
+            </a:r>
+          </a:p>
+          <a:p>
+            <a:r>
+              <a:rPr lang="en-US" sz="2400" dirty="0"/>
+              <a:t>Scalability with large datasets.</a:t>
+            </a:r>
+          </a:p>
+          <a:p>
+            <a:r>
+              <a:rPr lang="en-US" sz="2400" dirty="0"/>
+              <a:t>Managing retrieval errors affecting generation.</a:t>
+            </a:r>
+          </a:p>
+        </p:txBody>
+      </p:sp>
+      <p:pic>
+        <p:nvPicPr>
+          <p:cNvPr id="13" name="Picture 12" descr="3D technology art">
+            <a:extLst>
+              <a:ext uri="{FF2B5EF4-FFF2-40B4-BE49-F238E27FC236}">
+                <a16:creationId xmlns:a16="http://schemas.microsoft.com/office/drawing/2014/main" id="{F1EA1A67-A30B-AA0D-4FE8-083E146126E5}"/>
+              </a:ext>
+            </a:extLst>
+          </p:cNvPr>
+          <p:cNvPicPr>
+            <a:picLocks noChangeAspect="1"/>
+          </p:cNvPicPr>
+          <p:nvPr/>
+        </p:nvPicPr>
+        <p:blipFill>
+          <a:blip r:embed="rId3"/>
+          <a:srcRect l="19952" r="35498" b="-2"/>
+          <a:stretch/>
+        </p:blipFill>
+        <p:spPr>
+          <a:xfrm>
+            <a:off x="4572000" y="1"/>
+            <a:ext cx="4577118" cy="6858000"/>
+          </a:xfrm>
+          <a:prstGeom prst="rect">
+            <a:avLst/>
+          </a:prstGeom>
+        </p:spPr>
+      </p:pic>
+    </p:spTree>
+    <p:extLst>
+      <p:ext uri="{BB962C8B-B14F-4D97-AF65-F5344CB8AC3E}">
+        <p14:creationId xmlns:p14="http://schemas.microsoft.com/office/powerpoint/2010/main" val="2138871945"/>
+      </p:ext>
+    </p:extLst>
   </p:cSld>
   <p:clrMapOvr>
     <a:masterClrMapping/>
